--- a/Docs/User Manual/ppts/chapter1.pptx
+++ b/Docs/User Manual/ppts/chapter1.pptx
@@ -5,10 +5,11 @@
     <p:sldMasterId id="2147483648" r:id="rId1"/>
   </p:sldMasterIdLst>
   <p:notesMasterIdLst>
-    <p:notesMasterId r:id="rId3"/>
+    <p:notesMasterId r:id="rId4"/>
   </p:notesMasterIdLst>
   <p:sldIdLst>
     <p:sldId id="256" r:id="rId2"/>
+    <p:sldId id="257" r:id="rId3"/>
   </p:sldIdLst>
   <p:sldSz cx="12192000" cy="6858000"/>
   <p:notesSz cx="6858000" cy="9144000"/>
@@ -535,6 +536,90 @@
     <p:extLst>
       <p:ext uri="{BB962C8B-B14F-4D97-AF65-F5344CB8AC3E}">
         <p14:creationId xmlns:p14="http://schemas.microsoft.com/office/powerpoint/2010/main" val="1417926500"/>
+      </p:ext>
+    </p:extLst>
+  </p:cSld>
+  <p:clrMapOvr>
+    <a:masterClrMapping/>
+  </p:clrMapOvr>
+</p:notes>
+</file>
+
+<file path=ppt/notesSlides/notesSlide2.xml><?xml version="1.0" encoding="utf-8"?>
+<p:notes xmlns:a="http://schemas.openxmlformats.org/drawingml/2006/main" xmlns:r="http://schemas.openxmlformats.org/officeDocument/2006/relationships" xmlns:p="http://schemas.openxmlformats.org/presentationml/2006/main">
+  <p:cSld>
+    <p:spTree>
+      <p:nvGrpSpPr>
+        <p:cNvPr id="1" name=""/>
+        <p:cNvGrpSpPr/>
+        <p:nvPr/>
+      </p:nvGrpSpPr>
+      <p:grpSpPr>
+        <a:xfrm>
+          <a:off x="0" y="0"/>
+          <a:ext cx="0" cy="0"/>
+          <a:chOff x="0" y="0"/>
+          <a:chExt cx="0" cy="0"/>
+        </a:xfrm>
+      </p:grpSpPr>
+      <p:sp>
+        <p:nvSpPr>
+          <p:cNvPr id="2" name="Slide Image Placeholder 1"/>
+          <p:cNvSpPr>
+            <a:spLocks noGrp="1" noRot="1" noChangeAspect="1"/>
+          </p:cNvSpPr>
+          <p:nvPr>
+            <p:ph type="sldImg"/>
+          </p:nvPr>
+        </p:nvSpPr>
+        <p:spPr/>
+      </p:sp>
+      <p:sp>
+        <p:nvSpPr>
+          <p:cNvPr id="3" name="Notes Placeholder 2"/>
+          <p:cNvSpPr>
+            <a:spLocks noGrp="1"/>
+          </p:cNvSpPr>
+          <p:nvPr>
+            <p:ph type="body" idx="1"/>
+          </p:nvPr>
+        </p:nvSpPr>
+        <p:spPr/>
+        <p:txBody>
+          <a:bodyPr/>
+          <a:lstStyle/>
+          <a:p>
+            <a:endParaRPr lang="en-US" dirty="0"/>
+          </a:p>
+        </p:txBody>
+      </p:sp>
+      <p:sp>
+        <p:nvSpPr>
+          <p:cNvPr id="4" name="Slide Number Placeholder 3"/>
+          <p:cNvSpPr>
+            <a:spLocks noGrp="1"/>
+          </p:cNvSpPr>
+          <p:nvPr>
+            <p:ph type="sldNum" sz="quarter" idx="5"/>
+          </p:nvPr>
+        </p:nvSpPr>
+        <p:spPr/>
+        <p:txBody>
+          <a:bodyPr/>
+          <a:lstStyle/>
+          <a:p>
+            <a:fld id="{D40975C9-02B7-0246-B072-63931AEF0514}" type="slidenum">
+              <a:rPr lang="en-US" smtClean="0"/>
+              <a:t>2</a:t>
+            </a:fld>
+            <a:endParaRPr lang="en-US"/>
+          </a:p>
+        </p:txBody>
+      </p:sp>
+    </p:spTree>
+    <p:extLst>
+      <p:ext uri="{BB962C8B-B14F-4D97-AF65-F5344CB8AC3E}">
+        <p14:creationId xmlns:p14="http://schemas.microsoft.com/office/powerpoint/2010/main" val="3699632617"/>
       </p:ext>
     </p:extLst>
   </p:cSld>
@@ -3779,516 +3864,6067 @@
           <a:chExt cx="0" cy="0"/>
         </a:xfrm>
       </p:grpSpPr>
-      <p:sp>
-        <p:nvSpPr>
-          <p:cNvPr id="4" name="Rectangle 3">
+      <p:grpSp>
+        <p:nvGrpSpPr>
+          <p:cNvPr id="22" name="Group 21">
             <a:extLst>
               <a:ext uri="{FF2B5EF4-FFF2-40B4-BE49-F238E27FC236}">
-                <a16:creationId xmlns:a16="http://schemas.microsoft.com/office/drawing/2014/main" id="{F0A66935-6193-ED43-8325-D0E66350A4DB}"/>
+                <a16:creationId xmlns:a16="http://schemas.microsoft.com/office/drawing/2014/main" id="{BF1A5F8D-0C44-A043-8F93-557173D18D67}"/>
               </a:ext>
             </a:extLst>
           </p:cNvPr>
-          <p:cNvSpPr/>
+          <p:cNvGrpSpPr/>
           <p:nvPr/>
-        </p:nvSpPr>
-        <p:spPr>
+        </p:nvGrpSpPr>
+        <p:grpSpPr>
           <a:xfrm>
             <a:off x="1674838" y="962408"/>
-            <a:ext cx="2087865" cy="1454972"/>
+            <a:ext cx="9296544" cy="3478213"/>
+            <a:chOff x="1674838" y="962408"/>
+            <a:chExt cx="9296544" cy="3478213"/>
           </a:xfrm>
-          <a:prstGeom prst="rect">
-            <a:avLst/>
-          </a:prstGeom>
-          <a:solidFill>
-            <a:schemeClr val="accent1">
-              <a:lumMod val="40000"/>
-              <a:lumOff val="60000"/>
-            </a:schemeClr>
-          </a:solidFill>
-        </p:spPr>
-        <p:style>
-          <a:lnRef idx="2">
-            <a:schemeClr val="accent1">
-              <a:shade val="50000"/>
-            </a:schemeClr>
-          </a:lnRef>
-          <a:fillRef idx="1">
-            <a:schemeClr val="accent1"/>
-          </a:fillRef>
-          <a:effectRef idx="0">
-            <a:schemeClr val="accent1"/>
-          </a:effectRef>
-          <a:fontRef idx="minor">
-            <a:schemeClr val="lt1"/>
-          </a:fontRef>
-        </p:style>
-        <p:txBody>
-          <a:bodyPr rtlCol="0" anchor="ctr"/>
-          <a:lstStyle/>
-          <a:p>
-            <a:pPr algn="ctr"/>
-            <a:r>
-              <a:rPr lang="en-US" dirty="0" err="1">
-                <a:solidFill>
-                  <a:schemeClr val="tx1"/>
-                </a:solidFill>
-              </a:rPr>
-              <a:t>problemDef</a:t>
-            </a:r>
-            <a:r>
-              <a:rPr lang="en-US" dirty="0">
-                <a:solidFill>
-                  <a:schemeClr val="tx1"/>
-                </a:solidFill>
-              </a:rPr>
-              <a:t> Class</a:t>
-            </a:r>
-          </a:p>
-        </p:txBody>
-      </p:sp>
-      <p:sp>
-        <p:nvSpPr>
-          <p:cNvPr id="5" name="Rectangle 4">
-            <a:extLst>
-              <a:ext uri="{FF2B5EF4-FFF2-40B4-BE49-F238E27FC236}">
-                <a16:creationId xmlns:a16="http://schemas.microsoft.com/office/drawing/2014/main" id="{C9E8F6F1-E1BA-094A-B846-377901D4778D}"/>
-              </a:ext>
-            </a:extLst>
-          </p:cNvPr>
-          <p:cNvSpPr/>
-          <p:nvPr/>
-        </p:nvSpPr>
-        <p:spPr>
-          <a:xfrm>
-            <a:off x="1674838" y="3610305"/>
-            <a:ext cx="2087864" cy="817179"/>
-          </a:xfrm>
-          <a:prstGeom prst="rect">
-            <a:avLst/>
-          </a:prstGeom>
-          <a:solidFill>
-            <a:schemeClr val="accent1">
-              <a:lumMod val="40000"/>
-              <a:lumOff val="60000"/>
-            </a:schemeClr>
-          </a:solidFill>
-        </p:spPr>
-        <p:style>
-          <a:lnRef idx="2">
-            <a:schemeClr val="accent1">
-              <a:shade val="50000"/>
-            </a:schemeClr>
-          </a:lnRef>
-          <a:fillRef idx="1">
-            <a:schemeClr val="accent1"/>
-          </a:fillRef>
-          <a:effectRef idx="0">
-            <a:schemeClr val="accent1"/>
-          </a:effectRef>
-          <a:fontRef idx="minor">
-            <a:schemeClr val="lt1"/>
-          </a:fontRef>
-        </p:style>
-        <p:txBody>
-          <a:bodyPr rtlCol="0" anchor="ctr"/>
-          <a:lstStyle/>
-          <a:p>
-            <a:pPr algn="ctr"/>
-            <a:r>
-              <a:rPr lang="en-US" dirty="0" err="1">
-                <a:solidFill>
-                  <a:schemeClr val="tx1"/>
-                </a:solidFill>
-              </a:rPr>
-              <a:t>controlsDef</a:t>
-            </a:r>
-            <a:r>
-              <a:rPr lang="en-US" dirty="0">
-                <a:solidFill>
-                  <a:schemeClr val="tx1"/>
-                </a:solidFill>
-              </a:rPr>
-              <a:t> Class</a:t>
-            </a:r>
-          </a:p>
-        </p:txBody>
-      </p:sp>
-      <p:sp>
-        <p:nvSpPr>
-          <p:cNvPr id="6" name="Rectangle 5">
-            <a:extLst>
-              <a:ext uri="{FF2B5EF4-FFF2-40B4-BE49-F238E27FC236}">
-                <a16:creationId xmlns:a16="http://schemas.microsoft.com/office/drawing/2014/main" id="{4A04BE29-2CD9-D642-BF47-A60659A9D615}"/>
-              </a:ext>
-            </a:extLst>
-          </p:cNvPr>
-          <p:cNvSpPr/>
-          <p:nvPr/>
-        </p:nvSpPr>
-        <p:spPr>
-          <a:xfrm>
-            <a:off x="5030053" y="1616605"/>
-            <a:ext cx="2927700" cy="2531643"/>
-          </a:xfrm>
-          <a:prstGeom prst="rect">
-            <a:avLst/>
-          </a:prstGeom>
-          <a:solidFill>
-            <a:schemeClr val="accent2">
-              <a:lumMod val="60000"/>
-              <a:lumOff val="40000"/>
-            </a:schemeClr>
-          </a:solidFill>
-        </p:spPr>
-        <p:style>
-          <a:lnRef idx="2">
-            <a:schemeClr val="accent1">
-              <a:shade val="50000"/>
-            </a:schemeClr>
-          </a:lnRef>
-          <a:fillRef idx="1">
-            <a:schemeClr val="accent1"/>
-          </a:fillRef>
-          <a:effectRef idx="0">
-            <a:schemeClr val="accent1"/>
-          </a:effectRef>
-          <a:fontRef idx="minor">
-            <a:schemeClr val="lt1"/>
-          </a:fontRef>
-        </p:style>
-        <p:txBody>
-          <a:bodyPr rtlCol="0" anchor="ctr"/>
-          <a:lstStyle/>
-          <a:p>
-            <a:pPr algn="ctr"/>
-            <a:r>
-              <a:rPr lang="en-US" dirty="0">
-                <a:solidFill>
-                  <a:schemeClr val="tx1"/>
-                </a:solidFill>
-              </a:rPr>
-              <a:t>RAT Toolbox</a:t>
-            </a:r>
-          </a:p>
-        </p:txBody>
-      </p:sp>
-      <p:sp>
-        <p:nvSpPr>
-          <p:cNvPr id="7" name="Rectangle 6">
-            <a:extLst>
-              <a:ext uri="{FF2B5EF4-FFF2-40B4-BE49-F238E27FC236}">
-                <a16:creationId xmlns:a16="http://schemas.microsoft.com/office/drawing/2014/main" id="{D745A3AA-F097-864F-8724-A9A9BC96628B}"/>
-              </a:ext>
-            </a:extLst>
-          </p:cNvPr>
-          <p:cNvSpPr/>
-          <p:nvPr/>
-        </p:nvSpPr>
-        <p:spPr>
-          <a:xfrm>
-            <a:off x="9225103" y="1114808"/>
-            <a:ext cx="1746279" cy="1302572"/>
-          </a:xfrm>
-          <a:prstGeom prst="rect">
-            <a:avLst/>
-          </a:prstGeom>
-          <a:solidFill>
-            <a:schemeClr val="accent6">
-              <a:lumMod val="20000"/>
-              <a:lumOff val="80000"/>
-            </a:schemeClr>
-          </a:solidFill>
-        </p:spPr>
-        <p:style>
-          <a:lnRef idx="2">
-            <a:schemeClr val="accent1">
-              <a:shade val="50000"/>
-            </a:schemeClr>
-          </a:lnRef>
-          <a:fillRef idx="1">
-            <a:schemeClr val="accent1"/>
-          </a:fillRef>
-          <a:effectRef idx="0">
-            <a:schemeClr val="accent1"/>
-          </a:effectRef>
-          <a:fontRef idx="minor">
-            <a:schemeClr val="lt1"/>
-          </a:fontRef>
-        </p:style>
-        <p:txBody>
-          <a:bodyPr rtlCol="0" anchor="ctr"/>
-          <a:lstStyle/>
-          <a:p>
-            <a:pPr algn="ctr"/>
-            <a:r>
-              <a:rPr lang="en-US" dirty="0">
-                <a:solidFill>
-                  <a:schemeClr val="tx1"/>
-                </a:solidFill>
-              </a:rPr>
-              <a:t>Output </a:t>
-            </a:r>
-            <a:r>
-              <a:rPr lang="en-US" dirty="0" err="1">
-                <a:solidFill>
-                  <a:schemeClr val="tx1"/>
-                </a:solidFill>
-              </a:rPr>
-              <a:t>problemDef</a:t>
-            </a:r>
-            <a:r>
-              <a:rPr lang="en-US" dirty="0">
-                <a:solidFill>
-                  <a:schemeClr val="tx1"/>
-                </a:solidFill>
-              </a:rPr>
-              <a:t> Class</a:t>
-            </a:r>
-          </a:p>
-        </p:txBody>
-      </p:sp>
-      <p:sp>
-        <p:nvSpPr>
-          <p:cNvPr id="8" name="Rectangle 7">
-            <a:extLst>
-              <a:ext uri="{FF2B5EF4-FFF2-40B4-BE49-F238E27FC236}">
-                <a16:creationId xmlns:a16="http://schemas.microsoft.com/office/drawing/2014/main" id="{911067AB-1768-844D-884D-CA5CD0D5B8CA}"/>
-              </a:ext>
-            </a:extLst>
-          </p:cNvPr>
-          <p:cNvSpPr/>
-          <p:nvPr/>
-        </p:nvSpPr>
-        <p:spPr>
-          <a:xfrm>
-            <a:off x="9225102" y="3256465"/>
-            <a:ext cx="1746279" cy="1184156"/>
-          </a:xfrm>
-          <a:prstGeom prst="rect">
-            <a:avLst/>
-          </a:prstGeom>
-          <a:solidFill>
-            <a:schemeClr val="accent6">
-              <a:lumMod val="40000"/>
-              <a:lumOff val="60000"/>
-            </a:schemeClr>
-          </a:solidFill>
-        </p:spPr>
-        <p:style>
-          <a:lnRef idx="2">
-            <a:schemeClr val="accent1">
-              <a:shade val="50000"/>
-            </a:schemeClr>
-          </a:lnRef>
-          <a:fillRef idx="1">
-            <a:schemeClr val="accent1"/>
-          </a:fillRef>
-          <a:effectRef idx="0">
-            <a:schemeClr val="accent1"/>
-          </a:effectRef>
-          <a:fontRef idx="minor">
-            <a:schemeClr val="lt1"/>
-          </a:fontRef>
-        </p:style>
-        <p:txBody>
-          <a:bodyPr rtlCol="0" anchor="ctr"/>
-          <a:lstStyle/>
-          <a:p>
-            <a:pPr algn="ctr"/>
-            <a:r>
-              <a:rPr lang="en-US" dirty="0">
-                <a:solidFill>
-                  <a:schemeClr val="tx1"/>
-                </a:solidFill>
-              </a:rPr>
-              <a:t>Results</a:t>
-            </a:r>
-          </a:p>
-          <a:p>
-            <a:pPr algn="ctr"/>
-            <a:r>
-              <a:rPr lang="en-US" dirty="0">
-                <a:solidFill>
-                  <a:schemeClr val="tx1"/>
-                </a:solidFill>
-              </a:rPr>
-              <a:t> Block</a:t>
-            </a:r>
-          </a:p>
-        </p:txBody>
-      </p:sp>
-      <p:cxnSp>
-        <p:nvCxnSpPr>
-          <p:cNvPr id="14" name="Elbow Connector 13">
-            <a:extLst>
-              <a:ext uri="{FF2B5EF4-FFF2-40B4-BE49-F238E27FC236}">
-                <a16:creationId xmlns:a16="http://schemas.microsoft.com/office/drawing/2014/main" id="{00E899D2-5FC8-D146-92DF-9CFA1E4B1374}"/>
-              </a:ext>
-            </a:extLst>
-          </p:cNvPr>
-          <p:cNvCxnSpPr>
-            <a:cxnSpLocks/>
-            <a:stCxn id="4" idx="3"/>
-          </p:cNvCxnSpPr>
-          <p:nvPr/>
-        </p:nvCxnSpPr>
-        <p:spPr>
-          <a:xfrm>
-            <a:off x="3762703" y="1689894"/>
-            <a:ext cx="1267350" cy="1053306"/>
-          </a:xfrm>
-          <a:prstGeom prst="bentConnector3">
-            <a:avLst/>
-          </a:prstGeom>
-          <a:ln>
-            <a:tailEnd type="triangle" w="lg" len="lg"/>
-          </a:ln>
-        </p:spPr>
-        <p:style>
-          <a:lnRef idx="1">
-            <a:schemeClr val="accent1"/>
-          </a:lnRef>
-          <a:fillRef idx="0">
-            <a:schemeClr val="accent1"/>
-          </a:fillRef>
-          <a:effectRef idx="0">
-            <a:schemeClr val="accent1"/>
-          </a:effectRef>
-          <a:fontRef idx="minor">
-            <a:schemeClr val="tx1"/>
-          </a:fontRef>
-        </p:style>
-      </p:cxnSp>
-      <p:cxnSp>
-        <p:nvCxnSpPr>
-          <p:cNvPr id="16" name="Elbow Connector 15">
-            <a:extLst>
-              <a:ext uri="{FF2B5EF4-FFF2-40B4-BE49-F238E27FC236}">
-                <a16:creationId xmlns:a16="http://schemas.microsoft.com/office/drawing/2014/main" id="{074030E6-5374-E248-B605-B937676ACAD5}"/>
-              </a:ext>
-            </a:extLst>
-          </p:cNvPr>
-          <p:cNvCxnSpPr>
-            <a:cxnSpLocks/>
-            <a:stCxn id="5" idx="3"/>
-          </p:cNvCxnSpPr>
-          <p:nvPr/>
-        </p:nvCxnSpPr>
-        <p:spPr>
-          <a:xfrm flipV="1">
-            <a:off x="3762702" y="3015051"/>
-            <a:ext cx="1267351" cy="1003844"/>
-          </a:xfrm>
-          <a:prstGeom prst="bentConnector3">
-            <a:avLst/>
-          </a:prstGeom>
-          <a:ln>
-            <a:tailEnd type="triangle" w="lg" len="lg"/>
-          </a:ln>
-        </p:spPr>
-        <p:style>
-          <a:lnRef idx="1">
-            <a:schemeClr val="accent1"/>
-          </a:lnRef>
-          <a:fillRef idx="0">
-            <a:schemeClr val="accent1"/>
-          </a:fillRef>
-          <a:effectRef idx="0">
-            <a:schemeClr val="accent1"/>
-          </a:effectRef>
-          <a:fontRef idx="minor">
-            <a:schemeClr val="tx1"/>
-          </a:fontRef>
-        </p:style>
-      </p:cxnSp>
-      <p:cxnSp>
-        <p:nvCxnSpPr>
-          <p:cNvPr id="19" name="Elbow Connector 18">
-            <a:extLst>
-              <a:ext uri="{FF2B5EF4-FFF2-40B4-BE49-F238E27FC236}">
-                <a16:creationId xmlns:a16="http://schemas.microsoft.com/office/drawing/2014/main" id="{BBD12A9F-0CAB-7A4B-BEE1-0472C9BDDFDD}"/>
-              </a:ext>
-            </a:extLst>
-          </p:cNvPr>
-          <p:cNvCxnSpPr>
-            <a:cxnSpLocks/>
-          </p:cNvCxnSpPr>
-          <p:nvPr/>
-        </p:nvCxnSpPr>
-        <p:spPr>
-          <a:xfrm flipV="1">
-            <a:off x="7957751" y="1739356"/>
-            <a:ext cx="1267351" cy="1003844"/>
-          </a:xfrm>
-          <a:prstGeom prst="bentConnector3">
-            <a:avLst/>
-          </a:prstGeom>
-          <a:ln>
-            <a:tailEnd type="triangle" w="lg" len="lg"/>
-          </a:ln>
-        </p:spPr>
-        <p:style>
-          <a:lnRef idx="1">
-            <a:schemeClr val="accent1"/>
-          </a:lnRef>
-          <a:fillRef idx="0">
-            <a:schemeClr val="accent1"/>
-          </a:fillRef>
-          <a:effectRef idx="0">
-            <a:schemeClr val="accent1"/>
-          </a:effectRef>
-          <a:fontRef idx="minor">
-            <a:schemeClr val="tx1"/>
-          </a:fontRef>
-        </p:style>
-      </p:cxnSp>
-      <p:cxnSp>
-        <p:nvCxnSpPr>
-          <p:cNvPr id="20" name="Elbow Connector 19">
-            <a:extLst>
-              <a:ext uri="{FF2B5EF4-FFF2-40B4-BE49-F238E27FC236}">
-                <a16:creationId xmlns:a16="http://schemas.microsoft.com/office/drawing/2014/main" id="{24B8D80B-8527-4142-9911-A394F8519A35}"/>
-              </a:ext>
-            </a:extLst>
-          </p:cNvPr>
-          <p:cNvCxnSpPr>
-            <a:cxnSpLocks/>
-          </p:cNvCxnSpPr>
-          <p:nvPr/>
-        </p:nvCxnSpPr>
-        <p:spPr>
-          <a:xfrm>
-            <a:off x="7957752" y="3015051"/>
-            <a:ext cx="1267350" cy="1053306"/>
-          </a:xfrm>
-          <a:prstGeom prst="bentConnector3">
-            <a:avLst>
-              <a:gd name="adj1" fmla="val 50975"/>
-            </a:avLst>
-          </a:prstGeom>
-          <a:ln>
-            <a:tailEnd type="triangle" w="lg" len="lg"/>
-          </a:ln>
-        </p:spPr>
-        <p:style>
-          <a:lnRef idx="1">
-            <a:schemeClr val="accent1"/>
-          </a:lnRef>
-          <a:fillRef idx="0">
-            <a:schemeClr val="accent1"/>
-          </a:fillRef>
-          <a:effectRef idx="0">
-            <a:schemeClr val="accent1"/>
-          </a:effectRef>
-          <a:fontRef idx="minor">
-            <a:schemeClr val="tx1"/>
-          </a:fontRef>
-        </p:style>
-      </p:cxnSp>
+        </p:grpSpPr>
+        <p:sp>
+          <p:nvSpPr>
+            <p:cNvPr id="4" name="Rectangle 3">
+              <a:extLst>
+                <a:ext uri="{FF2B5EF4-FFF2-40B4-BE49-F238E27FC236}">
+                  <a16:creationId xmlns:a16="http://schemas.microsoft.com/office/drawing/2014/main" id="{F0A66935-6193-ED43-8325-D0E66350A4DB}"/>
+                </a:ext>
+              </a:extLst>
+            </p:cNvPr>
+            <p:cNvSpPr/>
+            <p:nvPr/>
+          </p:nvSpPr>
+          <p:spPr>
+            <a:xfrm>
+              <a:off x="1674838" y="962408"/>
+              <a:ext cx="2087865" cy="1454972"/>
+            </a:xfrm>
+            <a:prstGeom prst="rect">
+              <a:avLst/>
+            </a:prstGeom>
+            <a:solidFill>
+              <a:schemeClr val="accent1">
+                <a:lumMod val="40000"/>
+                <a:lumOff val="60000"/>
+              </a:schemeClr>
+            </a:solidFill>
+          </p:spPr>
+          <p:style>
+            <a:lnRef idx="2">
+              <a:schemeClr val="accent1">
+                <a:shade val="50000"/>
+              </a:schemeClr>
+            </a:lnRef>
+            <a:fillRef idx="1">
+              <a:schemeClr val="accent1"/>
+            </a:fillRef>
+            <a:effectRef idx="0">
+              <a:schemeClr val="accent1"/>
+            </a:effectRef>
+            <a:fontRef idx="minor">
+              <a:schemeClr val="lt1"/>
+            </a:fontRef>
+          </p:style>
+          <p:txBody>
+            <a:bodyPr rtlCol="0" anchor="ctr"/>
+            <a:lstStyle/>
+            <a:p>
+              <a:pPr algn="ctr"/>
+              <a:r>
+                <a:rPr lang="en-US" dirty="0" err="1">
+                  <a:solidFill>
+                    <a:schemeClr val="tx1"/>
+                  </a:solidFill>
+                </a:rPr>
+                <a:t>problemDef</a:t>
+              </a:r>
+              <a:r>
+                <a:rPr lang="en-US" dirty="0">
+                  <a:solidFill>
+                    <a:schemeClr val="tx1"/>
+                  </a:solidFill>
+                </a:rPr>
+                <a:t> Class</a:t>
+              </a:r>
+            </a:p>
+          </p:txBody>
+        </p:sp>
+        <p:sp>
+          <p:nvSpPr>
+            <p:cNvPr id="5" name="Rectangle 4">
+              <a:extLst>
+                <a:ext uri="{FF2B5EF4-FFF2-40B4-BE49-F238E27FC236}">
+                  <a16:creationId xmlns:a16="http://schemas.microsoft.com/office/drawing/2014/main" id="{C9E8F6F1-E1BA-094A-B846-377901D4778D}"/>
+                </a:ext>
+              </a:extLst>
+            </p:cNvPr>
+            <p:cNvSpPr/>
+            <p:nvPr/>
+          </p:nvSpPr>
+          <p:spPr>
+            <a:xfrm>
+              <a:off x="1674838" y="3610305"/>
+              <a:ext cx="2087864" cy="817179"/>
+            </a:xfrm>
+            <a:prstGeom prst="rect">
+              <a:avLst/>
+            </a:prstGeom>
+            <a:solidFill>
+              <a:schemeClr val="accent1">
+                <a:lumMod val="40000"/>
+                <a:lumOff val="60000"/>
+              </a:schemeClr>
+            </a:solidFill>
+          </p:spPr>
+          <p:style>
+            <a:lnRef idx="2">
+              <a:schemeClr val="accent1">
+                <a:shade val="50000"/>
+              </a:schemeClr>
+            </a:lnRef>
+            <a:fillRef idx="1">
+              <a:schemeClr val="accent1"/>
+            </a:fillRef>
+            <a:effectRef idx="0">
+              <a:schemeClr val="accent1"/>
+            </a:effectRef>
+            <a:fontRef idx="minor">
+              <a:schemeClr val="lt1"/>
+            </a:fontRef>
+          </p:style>
+          <p:txBody>
+            <a:bodyPr rtlCol="0" anchor="ctr"/>
+            <a:lstStyle/>
+            <a:p>
+              <a:pPr algn="ctr"/>
+              <a:r>
+                <a:rPr lang="en-US" dirty="0" err="1">
+                  <a:solidFill>
+                    <a:schemeClr val="tx1"/>
+                  </a:solidFill>
+                </a:rPr>
+                <a:t>controlsDef</a:t>
+              </a:r>
+              <a:r>
+                <a:rPr lang="en-US" dirty="0">
+                  <a:solidFill>
+                    <a:schemeClr val="tx1"/>
+                  </a:solidFill>
+                </a:rPr>
+                <a:t> Class</a:t>
+              </a:r>
+            </a:p>
+          </p:txBody>
+        </p:sp>
+        <p:sp>
+          <p:nvSpPr>
+            <p:cNvPr id="6" name="Rectangle 5">
+              <a:extLst>
+                <a:ext uri="{FF2B5EF4-FFF2-40B4-BE49-F238E27FC236}">
+                  <a16:creationId xmlns:a16="http://schemas.microsoft.com/office/drawing/2014/main" id="{4A04BE29-2CD9-D642-BF47-A60659A9D615}"/>
+                </a:ext>
+              </a:extLst>
+            </p:cNvPr>
+            <p:cNvSpPr/>
+            <p:nvPr/>
+          </p:nvSpPr>
+          <p:spPr>
+            <a:xfrm>
+              <a:off x="5030053" y="1616605"/>
+              <a:ext cx="2927700" cy="2531643"/>
+            </a:xfrm>
+            <a:prstGeom prst="rect">
+              <a:avLst/>
+            </a:prstGeom>
+            <a:solidFill>
+              <a:schemeClr val="accent2">
+                <a:lumMod val="60000"/>
+                <a:lumOff val="40000"/>
+              </a:schemeClr>
+            </a:solidFill>
+          </p:spPr>
+          <p:style>
+            <a:lnRef idx="2">
+              <a:schemeClr val="accent1">
+                <a:shade val="50000"/>
+              </a:schemeClr>
+            </a:lnRef>
+            <a:fillRef idx="1">
+              <a:schemeClr val="accent1"/>
+            </a:fillRef>
+            <a:effectRef idx="0">
+              <a:schemeClr val="accent1"/>
+            </a:effectRef>
+            <a:fontRef idx="minor">
+              <a:schemeClr val="lt1"/>
+            </a:fontRef>
+          </p:style>
+          <p:txBody>
+            <a:bodyPr rtlCol="0" anchor="ctr"/>
+            <a:lstStyle/>
+            <a:p>
+              <a:pPr algn="ctr"/>
+              <a:r>
+                <a:rPr lang="en-US" dirty="0">
+                  <a:solidFill>
+                    <a:schemeClr val="tx1"/>
+                  </a:solidFill>
+                </a:rPr>
+                <a:t>RAT Toolbox</a:t>
+              </a:r>
+            </a:p>
+          </p:txBody>
+        </p:sp>
+        <p:sp>
+          <p:nvSpPr>
+            <p:cNvPr id="7" name="Rectangle 6">
+              <a:extLst>
+                <a:ext uri="{FF2B5EF4-FFF2-40B4-BE49-F238E27FC236}">
+                  <a16:creationId xmlns:a16="http://schemas.microsoft.com/office/drawing/2014/main" id="{D745A3AA-F097-864F-8724-A9A9BC96628B}"/>
+                </a:ext>
+              </a:extLst>
+            </p:cNvPr>
+            <p:cNvSpPr/>
+            <p:nvPr/>
+          </p:nvSpPr>
+          <p:spPr>
+            <a:xfrm>
+              <a:off x="9225103" y="1114808"/>
+              <a:ext cx="1746279" cy="1302572"/>
+            </a:xfrm>
+            <a:prstGeom prst="rect">
+              <a:avLst/>
+            </a:prstGeom>
+            <a:solidFill>
+              <a:schemeClr val="accent6">
+                <a:lumMod val="20000"/>
+                <a:lumOff val="80000"/>
+              </a:schemeClr>
+            </a:solidFill>
+          </p:spPr>
+          <p:style>
+            <a:lnRef idx="2">
+              <a:schemeClr val="accent1">
+                <a:shade val="50000"/>
+              </a:schemeClr>
+            </a:lnRef>
+            <a:fillRef idx="1">
+              <a:schemeClr val="accent1"/>
+            </a:fillRef>
+            <a:effectRef idx="0">
+              <a:schemeClr val="accent1"/>
+            </a:effectRef>
+            <a:fontRef idx="minor">
+              <a:schemeClr val="lt1"/>
+            </a:fontRef>
+          </p:style>
+          <p:txBody>
+            <a:bodyPr rtlCol="0" anchor="ctr"/>
+            <a:lstStyle/>
+            <a:p>
+              <a:pPr algn="ctr"/>
+              <a:r>
+                <a:rPr lang="en-US" dirty="0">
+                  <a:solidFill>
+                    <a:schemeClr val="tx1"/>
+                  </a:solidFill>
+                </a:rPr>
+                <a:t>Output </a:t>
+              </a:r>
+              <a:r>
+                <a:rPr lang="en-US" dirty="0" err="1">
+                  <a:solidFill>
+                    <a:schemeClr val="tx1"/>
+                  </a:solidFill>
+                </a:rPr>
+                <a:t>problemDef</a:t>
+              </a:r>
+              <a:r>
+                <a:rPr lang="en-US" dirty="0">
+                  <a:solidFill>
+                    <a:schemeClr val="tx1"/>
+                  </a:solidFill>
+                </a:rPr>
+                <a:t> Class</a:t>
+              </a:r>
+            </a:p>
+          </p:txBody>
+        </p:sp>
+        <p:sp>
+          <p:nvSpPr>
+            <p:cNvPr id="8" name="Rectangle 7">
+              <a:extLst>
+                <a:ext uri="{FF2B5EF4-FFF2-40B4-BE49-F238E27FC236}">
+                  <a16:creationId xmlns:a16="http://schemas.microsoft.com/office/drawing/2014/main" id="{911067AB-1768-844D-884D-CA5CD0D5B8CA}"/>
+                </a:ext>
+              </a:extLst>
+            </p:cNvPr>
+            <p:cNvSpPr/>
+            <p:nvPr/>
+          </p:nvSpPr>
+          <p:spPr>
+            <a:xfrm>
+              <a:off x="9225102" y="3256465"/>
+              <a:ext cx="1746279" cy="1184156"/>
+            </a:xfrm>
+            <a:prstGeom prst="rect">
+              <a:avLst/>
+            </a:prstGeom>
+            <a:solidFill>
+              <a:schemeClr val="accent6">
+                <a:lumMod val="40000"/>
+                <a:lumOff val="60000"/>
+              </a:schemeClr>
+            </a:solidFill>
+          </p:spPr>
+          <p:style>
+            <a:lnRef idx="2">
+              <a:schemeClr val="accent1">
+                <a:shade val="50000"/>
+              </a:schemeClr>
+            </a:lnRef>
+            <a:fillRef idx="1">
+              <a:schemeClr val="accent1"/>
+            </a:fillRef>
+            <a:effectRef idx="0">
+              <a:schemeClr val="accent1"/>
+            </a:effectRef>
+            <a:fontRef idx="minor">
+              <a:schemeClr val="lt1"/>
+            </a:fontRef>
+          </p:style>
+          <p:txBody>
+            <a:bodyPr rtlCol="0" anchor="ctr"/>
+            <a:lstStyle/>
+            <a:p>
+              <a:pPr algn="ctr"/>
+              <a:r>
+                <a:rPr lang="en-US" dirty="0">
+                  <a:solidFill>
+                    <a:schemeClr val="tx1"/>
+                  </a:solidFill>
+                </a:rPr>
+                <a:t>Results</a:t>
+              </a:r>
+            </a:p>
+            <a:p>
+              <a:pPr algn="ctr"/>
+              <a:r>
+                <a:rPr lang="en-US" dirty="0">
+                  <a:solidFill>
+                    <a:schemeClr val="tx1"/>
+                  </a:solidFill>
+                </a:rPr>
+                <a:t> Block</a:t>
+              </a:r>
+            </a:p>
+          </p:txBody>
+        </p:sp>
+        <p:cxnSp>
+          <p:nvCxnSpPr>
+            <p:cNvPr id="14" name="Elbow Connector 13">
+              <a:extLst>
+                <a:ext uri="{FF2B5EF4-FFF2-40B4-BE49-F238E27FC236}">
+                  <a16:creationId xmlns:a16="http://schemas.microsoft.com/office/drawing/2014/main" id="{00E899D2-5FC8-D146-92DF-9CFA1E4B1374}"/>
+                </a:ext>
+              </a:extLst>
+            </p:cNvPr>
+            <p:cNvCxnSpPr>
+              <a:cxnSpLocks/>
+              <a:stCxn id="4" idx="3"/>
+            </p:cNvCxnSpPr>
+            <p:nvPr/>
+          </p:nvCxnSpPr>
+          <p:spPr>
+            <a:xfrm>
+              <a:off x="3762703" y="1689894"/>
+              <a:ext cx="1267350" cy="1053306"/>
+            </a:xfrm>
+            <a:prstGeom prst="bentConnector3">
+              <a:avLst/>
+            </a:prstGeom>
+            <a:ln>
+              <a:tailEnd type="triangle" w="lg" len="lg"/>
+            </a:ln>
+          </p:spPr>
+          <p:style>
+            <a:lnRef idx="1">
+              <a:schemeClr val="accent1"/>
+            </a:lnRef>
+            <a:fillRef idx="0">
+              <a:schemeClr val="accent1"/>
+            </a:fillRef>
+            <a:effectRef idx="0">
+              <a:schemeClr val="accent1"/>
+            </a:effectRef>
+            <a:fontRef idx="minor">
+              <a:schemeClr val="tx1"/>
+            </a:fontRef>
+          </p:style>
+        </p:cxnSp>
+        <p:cxnSp>
+          <p:nvCxnSpPr>
+            <p:cNvPr id="16" name="Elbow Connector 15">
+              <a:extLst>
+                <a:ext uri="{FF2B5EF4-FFF2-40B4-BE49-F238E27FC236}">
+                  <a16:creationId xmlns:a16="http://schemas.microsoft.com/office/drawing/2014/main" id="{074030E6-5374-E248-B605-B937676ACAD5}"/>
+                </a:ext>
+              </a:extLst>
+            </p:cNvPr>
+            <p:cNvCxnSpPr>
+              <a:cxnSpLocks/>
+              <a:stCxn id="5" idx="3"/>
+            </p:cNvCxnSpPr>
+            <p:nvPr/>
+          </p:nvCxnSpPr>
+          <p:spPr>
+            <a:xfrm flipV="1">
+              <a:off x="3762702" y="3015051"/>
+              <a:ext cx="1267351" cy="1003844"/>
+            </a:xfrm>
+            <a:prstGeom prst="bentConnector3">
+              <a:avLst/>
+            </a:prstGeom>
+            <a:ln>
+              <a:tailEnd type="triangle" w="lg" len="lg"/>
+            </a:ln>
+          </p:spPr>
+          <p:style>
+            <a:lnRef idx="1">
+              <a:schemeClr val="accent1"/>
+            </a:lnRef>
+            <a:fillRef idx="0">
+              <a:schemeClr val="accent1"/>
+            </a:fillRef>
+            <a:effectRef idx="0">
+              <a:schemeClr val="accent1"/>
+            </a:effectRef>
+            <a:fontRef idx="minor">
+              <a:schemeClr val="tx1"/>
+            </a:fontRef>
+          </p:style>
+        </p:cxnSp>
+        <p:cxnSp>
+          <p:nvCxnSpPr>
+            <p:cNvPr id="19" name="Elbow Connector 18">
+              <a:extLst>
+                <a:ext uri="{FF2B5EF4-FFF2-40B4-BE49-F238E27FC236}">
+                  <a16:creationId xmlns:a16="http://schemas.microsoft.com/office/drawing/2014/main" id="{BBD12A9F-0CAB-7A4B-BEE1-0472C9BDDFDD}"/>
+                </a:ext>
+              </a:extLst>
+            </p:cNvPr>
+            <p:cNvCxnSpPr>
+              <a:cxnSpLocks/>
+            </p:cNvCxnSpPr>
+            <p:nvPr/>
+          </p:nvCxnSpPr>
+          <p:spPr>
+            <a:xfrm flipV="1">
+              <a:off x="7957751" y="1739356"/>
+              <a:ext cx="1267351" cy="1003844"/>
+            </a:xfrm>
+            <a:prstGeom prst="bentConnector3">
+              <a:avLst/>
+            </a:prstGeom>
+            <a:ln>
+              <a:tailEnd type="triangle" w="lg" len="lg"/>
+            </a:ln>
+          </p:spPr>
+          <p:style>
+            <a:lnRef idx="1">
+              <a:schemeClr val="accent1"/>
+            </a:lnRef>
+            <a:fillRef idx="0">
+              <a:schemeClr val="accent1"/>
+            </a:fillRef>
+            <a:effectRef idx="0">
+              <a:schemeClr val="accent1"/>
+            </a:effectRef>
+            <a:fontRef idx="minor">
+              <a:schemeClr val="tx1"/>
+            </a:fontRef>
+          </p:style>
+        </p:cxnSp>
+        <p:cxnSp>
+          <p:nvCxnSpPr>
+            <p:cNvPr id="20" name="Elbow Connector 19">
+              <a:extLst>
+                <a:ext uri="{FF2B5EF4-FFF2-40B4-BE49-F238E27FC236}">
+                  <a16:creationId xmlns:a16="http://schemas.microsoft.com/office/drawing/2014/main" id="{24B8D80B-8527-4142-9911-A394F8519A35}"/>
+                </a:ext>
+              </a:extLst>
+            </p:cNvPr>
+            <p:cNvCxnSpPr>
+              <a:cxnSpLocks/>
+            </p:cNvCxnSpPr>
+            <p:nvPr/>
+          </p:nvCxnSpPr>
+          <p:spPr>
+            <a:xfrm>
+              <a:off x="7957752" y="3015051"/>
+              <a:ext cx="1267350" cy="1053306"/>
+            </a:xfrm>
+            <a:prstGeom prst="bentConnector3">
+              <a:avLst>
+                <a:gd name="adj1" fmla="val 50975"/>
+              </a:avLst>
+            </a:prstGeom>
+            <a:ln>
+              <a:tailEnd type="triangle" w="lg" len="lg"/>
+            </a:ln>
+          </p:spPr>
+          <p:style>
+            <a:lnRef idx="1">
+              <a:schemeClr val="accent1"/>
+            </a:lnRef>
+            <a:fillRef idx="0">
+              <a:schemeClr val="accent1"/>
+            </a:fillRef>
+            <a:effectRef idx="0">
+              <a:schemeClr val="accent1"/>
+            </a:effectRef>
+            <a:fontRef idx="minor">
+              <a:schemeClr val="tx1"/>
+            </a:fontRef>
+          </p:style>
+        </p:cxnSp>
+      </p:grpSp>
     </p:spTree>
     <p:extLst>
       <p:ext uri="{BB962C8B-B14F-4D97-AF65-F5344CB8AC3E}">
         <p14:creationId xmlns:p14="http://schemas.microsoft.com/office/powerpoint/2010/main" val="544049811"/>
+      </p:ext>
+    </p:extLst>
+  </p:cSld>
+  <p:clrMapOvr>
+    <a:masterClrMapping/>
+  </p:clrMapOvr>
+</p:sld>
+</file>
+
+<file path=ppt/slides/slide2.xml><?xml version="1.0" encoding="utf-8"?>
+<p:sld xmlns:a="http://schemas.openxmlformats.org/drawingml/2006/main" xmlns:r="http://schemas.openxmlformats.org/officeDocument/2006/relationships" xmlns:p="http://schemas.openxmlformats.org/presentationml/2006/main">
+  <p:cSld>
+    <p:spTree>
+      <p:nvGrpSpPr>
+        <p:cNvPr id="1" name=""/>
+        <p:cNvGrpSpPr/>
+        <p:nvPr/>
+      </p:nvGrpSpPr>
+      <p:grpSpPr>
+        <a:xfrm>
+          <a:off x="0" y="0"/>
+          <a:ext cx="0" cy="0"/>
+          <a:chOff x="0" y="0"/>
+          <a:chExt cx="0" cy="0"/>
+        </a:xfrm>
+      </p:grpSpPr>
+      <p:grpSp>
+        <p:nvGrpSpPr>
+          <p:cNvPr id="44" name="Group 43">
+            <a:extLst>
+              <a:ext uri="{FF2B5EF4-FFF2-40B4-BE49-F238E27FC236}">
+                <a16:creationId xmlns:a16="http://schemas.microsoft.com/office/drawing/2014/main" id="{2E03F76C-B302-164E-A3F4-79F029B67083}"/>
+              </a:ext>
+            </a:extLst>
+          </p:cNvPr>
+          <p:cNvGrpSpPr/>
+          <p:nvPr/>
+        </p:nvGrpSpPr>
+        <p:grpSpPr>
+          <a:xfrm>
+            <a:off x="2003865" y="1647564"/>
+            <a:ext cx="5051843" cy="4499229"/>
+            <a:chOff x="2003865" y="1647564"/>
+            <a:chExt cx="5051843" cy="4499229"/>
+          </a:xfrm>
+        </p:grpSpPr>
+        <p:grpSp>
+          <p:nvGrpSpPr>
+            <p:cNvPr id="24" name="Group 23">
+              <a:extLst>
+                <a:ext uri="{FF2B5EF4-FFF2-40B4-BE49-F238E27FC236}">
+                  <a16:creationId xmlns:a16="http://schemas.microsoft.com/office/drawing/2014/main" id="{7ACA4B9F-E5CA-1A41-BD14-2A7F91B0E375}"/>
+                </a:ext>
+              </a:extLst>
+            </p:cNvPr>
+            <p:cNvGrpSpPr/>
+            <p:nvPr/>
+          </p:nvGrpSpPr>
+          <p:grpSpPr>
+            <a:xfrm>
+              <a:off x="2631990" y="1734066"/>
+              <a:ext cx="3198344" cy="2669055"/>
+              <a:chOff x="2631990" y="1734066"/>
+              <a:chExt cx="3198344" cy="2669055"/>
+            </a:xfrm>
+          </p:grpSpPr>
+          <p:grpSp>
+            <p:nvGrpSpPr>
+              <p:cNvPr id="7" name="Group 6">
+                <a:extLst>
+                  <a:ext uri="{FF2B5EF4-FFF2-40B4-BE49-F238E27FC236}">
+                    <a16:creationId xmlns:a16="http://schemas.microsoft.com/office/drawing/2014/main" id="{9C082EA9-6576-A94B-B7DF-0A29364BD99A}"/>
+                  </a:ext>
+                </a:extLst>
+              </p:cNvPr>
+              <p:cNvGrpSpPr/>
+              <p:nvPr/>
+            </p:nvGrpSpPr>
+            <p:grpSpPr>
+              <a:xfrm>
+                <a:off x="2631990" y="1779373"/>
+                <a:ext cx="729048" cy="2619632"/>
+                <a:chOff x="2656703" y="420130"/>
+                <a:chExt cx="729048" cy="2619632"/>
+              </a:xfrm>
+            </p:grpSpPr>
+            <p:sp>
+              <p:nvSpPr>
+                <p:cNvPr id="4" name="Oval 3">
+                  <a:extLst>
+                    <a:ext uri="{FF2B5EF4-FFF2-40B4-BE49-F238E27FC236}">
+                      <a16:creationId xmlns:a16="http://schemas.microsoft.com/office/drawing/2014/main" id="{0D67864A-E5B3-864B-B858-2DE7A61B66FD}"/>
+                    </a:ext>
+                  </a:extLst>
+                </p:cNvPr>
+                <p:cNvSpPr/>
+                <p:nvPr/>
+              </p:nvSpPr>
+              <p:spPr>
+                <a:xfrm>
+                  <a:off x="2804984" y="2483708"/>
+                  <a:ext cx="580767" cy="556054"/>
+                </a:xfrm>
+                <a:prstGeom prst="ellipse">
+                  <a:avLst/>
+                </a:prstGeom>
+                <a:solidFill>
+                  <a:schemeClr val="accent6">
+                    <a:lumMod val="40000"/>
+                    <a:lumOff val="60000"/>
+                  </a:schemeClr>
+                </a:solidFill>
+              </p:spPr>
+              <p:style>
+                <a:lnRef idx="2">
+                  <a:schemeClr val="accent1">
+                    <a:shade val="50000"/>
+                  </a:schemeClr>
+                </a:lnRef>
+                <a:fillRef idx="1">
+                  <a:schemeClr val="accent1"/>
+                </a:fillRef>
+                <a:effectRef idx="0">
+                  <a:schemeClr val="accent1"/>
+                </a:effectRef>
+                <a:fontRef idx="minor">
+                  <a:schemeClr val="lt1"/>
+                </a:fontRef>
+              </p:style>
+              <p:txBody>
+                <a:bodyPr rtlCol="0" anchor="ctr"/>
+                <a:lstStyle/>
+                <a:p>
+                  <a:pPr algn="ctr"/>
+                  <a:endParaRPr lang="en-US"/>
+                </a:p>
+              </p:txBody>
+            </p:sp>
+            <p:sp>
+              <p:nvSpPr>
+                <p:cNvPr id="5" name="Freeform 4">
+                  <a:extLst>
+                    <a:ext uri="{FF2B5EF4-FFF2-40B4-BE49-F238E27FC236}">
+                      <a16:creationId xmlns:a16="http://schemas.microsoft.com/office/drawing/2014/main" id="{C6985651-CF6F-B14F-8BD4-27887C0C75E9}"/>
+                    </a:ext>
+                  </a:extLst>
+                </p:cNvPr>
+                <p:cNvSpPr/>
+                <p:nvPr/>
+              </p:nvSpPr>
+              <p:spPr>
+                <a:xfrm>
+                  <a:off x="2656703" y="420130"/>
+                  <a:ext cx="333632" cy="2125362"/>
+                </a:xfrm>
+                <a:custGeom>
+                  <a:avLst/>
+                  <a:gdLst>
+                    <a:gd name="connsiteX0" fmla="*/ 429127 w 429127"/>
+                    <a:gd name="connsiteY0" fmla="*/ 2125362 h 2125362"/>
+                    <a:gd name="connsiteX1" fmla="*/ 416770 w 429127"/>
+                    <a:gd name="connsiteY1" fmla="*/ 2051221 h 2125362"/>
+                    <a:gd name="connsiteX2" fmla="*/ 293203 w 429127"/>
+                    <a:gd name="connsiteY2" fmla="*/ 1927654 h 2125362"/>
+                    <a:gd name="connsiteX3" fmla="*/ 219062 w 429127"/>
+                    <a:gd name="connsiteY3" fmla="*/ 1878227 h 2125362"/>
+                    <a:gd name="connsiteX4" fmla="*/ 181992 w 429127"/>
+                    <a:gd name="connsiteY4" fmla="*/ 1865870 h 2125362"/>
+                    <a:gd name="connsiteX5" fmla="*/ 120208 w 429127"/>
+                    <a:gd name="connsiteY5" fmla="*/ 1841156 h 2125362"/>
+                    <a:gd name="connsiteX6" fmla="*/ 46068 w 429127"/>
+                    <a:gd name="connsiteY6" fmla="*/ 1828800 h 2125362"/>
+                    <a:gd name="connsiteX7" fmla="*/ 33711 w 429127"/>
+                    <a:gd name="connsiteY7" fmla="*/ 1668162 h 2125362"/>
+                    <a:gd name="connsiteX8" fmla="*/ 70781 w 429127"/>
+                    <a:gd name="connsiteY8" fmla="*/ 1594021 h 2125362"/>
+                    <a:gd name="connsiteX9" fmla="*/ 107851 w 429127"/>
+                    <a:gd name="connsiteY9" fmla="*/ 1556951 h 2125362"/>
+                    <a:gd name="connsiteX10" fmla="*/ 157278 w 429127"/>
+                    <a:gd name="connsiteY10" fmla="*/ 1532238 h 2125362"/>
+                    <a:gd name="connsiteX11" fmla="*/ 194349 w 429127"/>
+                    <a:gd name="connsiteY11" fmla="*/ 1507524 h 2125362"/>
+                    <a:gd name="connsiteX12" fmla="*/ 280846 w 429127"/>
+                    <a:gd name="connsiteY12" fmla="*/ 1482811 h 2125362"/>
+                    <a:gd name="connsiteX13" fmla="*/ 330273 w 429127"/>
+                    <a:gd name="connsiteY13" fmla="*/ 1458097 h 2125362"/>
+                    <a:gd name="connsiteX14" fmla="*/ 367343 w 429127"/>
+                    <a:gd name="connsiteY14" fmla="*/ 1445740 h 2125362"/>
+                    <a:gd name="connsiteX15" fmla="*/ 392057 w 429127"/>
+                    <a:gd name="connsiteY15" fmla="*/ 1408670 h 2125362"/>
+                    <a:gd name="connsiteX16" fmla="*/ 379700 w 429127"/>
+                    <a:gd name="connsiteY16" fmla="*/ 1223319 h 2125362"/>
+                    <a:gd name="connsiteX17" fmla="*/ 268489 w 429127"/>
+                    <a:gd name="connsiteY17" fmla="*/ 1136821 h 2125362"/>
+                    <a:gd name="connsiteX18" fmla="*/ 157278 w 429127"/>
+                    <a:gd name="connsiteY18" fmla="*/ 1037967 h 2125362"/>
+                    <a:gd name="connsiteX19" fmla="*/ 132565 w 429127"/>
+                    <a:gd name="connsiteY19" fmla="*/ 1000897 h 2125362"/>
+                    <a:gd name="connsiteX20" fmla="*/ 157278 w 429127"/>
+                    <a:gd name="connsiteY20" fmla="*/ 815546 h 2125362"/>
+                    <a:gd name="connsiteX21" fmla="*/ 280846 w 429127"/>
+                    <a:gd name="connsiteY21" fmla="*/ 753762 h 2125362"/>
+                    <a:gd name="connsiteX22" fmla="*/ 317916 w 429127"/>
+                    <a:gd name="connsiteY22" fmla="*/ 729048 h 2125362"/>
+                    <a:gd name="connsiteX23" fmla="*/ 379700 w 429127"/>
+                    <a:gd name="connsiteY23" fmla="*/ 617838 h 2125362"/>
+                    <a:gd name="connsiteX24" fmla="*/ 367343 w 429127"/>
+                    <a:gd name="connsiteY24" fmla="*/ 556054 h 2125362"/>
+                    <a:gd name="connsiteX25" fmla="*/ 219062 w 429127"/>
+                    <a:gd name="connsiteY25" fmla="*/ 481913 h 2125362"/>
+                    <a:gd name="connsiteX26" fmla="*/ 181992 w 429127"/>
+                    <a:gd name="connsiteY26" fmla="*/ 469556 h 2125362"/>
+                    <a:gd name="connsiteX27" fmla="*/ 144922 w 429127"/>
+                    <a:gd name="connsiteY27" fmla="*/ 457200 h 2125362"/>
+                    <a:gd name="connsiteX28" fmla="*/ 46068 w 429127"/>
+                    <a:gd name="connsiteY28" fmla="*/ 345989 h 2125362"/>
+                    <a:gd name="connsiteX29" fmla="*/ 33711 w 429127"/>
+                    <a:gd name="connsiteY29" fmla="*/ 308919 h 2125362"/>
+                    <a:gd name="connsiteX30" fmla="*/ 58424 w 429127"/>
+                    <a:gd name="connsiteY30" fmla="*/ 135924 h 2125362"/>
+                    <a:gd name="connsiteX31" fmla="*/ 157278 w 429127"/>
+                    <a:gd name="connsiteY31" fmla="*/ 49427 h 2125362"/>
+                    <a:gd name="connsiteX32" fmla="*/ 231419 w 429127"/>
+                    <a:gd name="connsiteY32" fmla="*/ 24713 h 2125362"/>
+                    <a:gd name="connsiteX33" fmla="*/ 268489 w 429127"/>
+                    <a:gd name="connsiteY33" fmla="*/ 12356 h 2125362"/>
+                    <a:gd name="connsiteX34" fmla="*/ 293203 w 429127"/>
+                    <a:gd name="connsiteY34" fmla="*/ 0 h 2125362"/>
+                    <a:gd name="connsiteX0" fmla="*/ 429724 w 429724"/>
+                    <a:gd name="connsiteY0" fmla="*/ 2125362 h 2125362"/>
+                    <a:gd name="connsiteX1" fmla="*/ 417367 w 429724"/>
+                    <a:gd name="connsiteY1" fmla="*/ 2051221 h 2125362"/>
+                    <a:gd name="connsiteX2" fmla="*/ 293800 w 429724"/>
+                    <a:gd name="connsiteY2" fmla="*/ 1927654 h 2125362"/>
+                    <a:gd name="connsiteX3" fmla="*/ 219659 w 429724"/>
+                    <a:gd name="connsiteY3" fmla="*/ 1878227 h 2125362"/>
+                    <a:gd name="connsiteX4" fmla="*/ 182589 w 429724"/>
+                    <a:gd name="connsiteY4" fmla="*/ 1865870 h 2125362"/>
+                    <a:gd name="connsiteX5" fmla="*/ 120805 w 429724"/>
+                    <a:gd name="connsiteY5" fmla="*/ 1841156 h 2125362"/>
+                    <a:gd name="connsiteX6" fmla="*/ 34309 w 429724"/>
+                    <a:gd name="connsiteY6" fmla="*/ 1754659 h 2125362"/>
+                    <a:gd name="connsiteX7" fmla="*/ 34308 w 429724"/>
+                    <a:gd name="connsiteY7" fmla="*/ 1668162 h 2125362"/>
+                    <a:gd name="connsiteX8" fmla="*/ 71378 w 429724"/>
+                    <a:gd name="connsiteY8" fmla="*/ 1594021 h 2125362"/>
+                    <a:gd name="connsiteX9" fmla="*/ 108448 w 429724"/>
+                    <a:gd name="connsiteY9" fmla="*/ 1556951 h 2125362"/>
+                    <a:gd name="connsiteX10" fmla="*/ 157875 w 429724"/>
+                    <a:gd name="connsiteY10" fmla="*/ 1532238 h 2125362"/>
+                    <a:gd name="connsiteX11" fmla="*/ 194946 w 429724"/>
+                    <a:gd name="connsiteY11" fmla="*/ 1507524 h 2125362"/>
+                    <a:gd name="connsiteX12" fmla="*/ 281443 w 429724"/>
+                    <a:gd name="connsiteY12" fmla="*/ 1482811 h 2125362"/>
+                    <a:gd name="connsiteX13" fmla="*/ 330870 w 429724"/>
+                    <a:gd name="connsiteY13" fmla="*/ 1458097 h 2125362"/>
+                    <a:gd name="connsiteX14" fmla="*/ 367940 w 429724"/>
+                    <a:gd name="connsiteY14" fmla="*/ 1445740 h 2125362"/>
+                    <a:gd name="connsiteX15" fmla="*/ 392654 w 429724"/>
+                    <a:gd name="connsiteY15" fmla="*/ 1408670 h 2125362"/>
+                    <a:gd name="connsiteX16" fmla="*/ 380297 w 429724"/>
+                    <a:gd name="connsiteY16" fmla="*/ 1223319 h 2125362"/>
+                    <a:gd name="connsiteX17" fmla="*/ 269086 w 429724"/>
+                    <a:gd name="connsiteY17" fmla="*/ 1136821 h 2125362"/>
+                    <a:gd name="connsiteX18" fmla="*/ 157875 w 429724"/>
+                    <a:gd name="connsiteY18" fmla="*/ 1037967 h 2125362"/>
+                    <a:gd name="connsiteX19" fmla="*/ 133162 w 429724"/>
+                    <a:gd name="connsiteY19" fmla="*/ 1000897 h 2125362"/>
+                    <a:gd name="connsiteX20" fmla="*/ 157875 w 429724"/>
+                    <a:gd name="connsiteY20" fmla="*/ 815546 h 2125362"/>
+                    <a:gd name="connsiteX21" fmla="*/ 281443 w 429724"/>
+                    <a:gd name="connsiteY21" fmla="*/ 753762 h 2125362"/>
+                    <a:gd name="connsiteX22" fmla="*/ 318513 w 429724"/>
+                    <a:gd name="connsiteY22" fmla="*/ 729048 h 2125362"/>
+                    <a:gd name="connsiteX23" fmla="*/ 380297 w 429724"/>
+                    <a:gd name="connsiteY23" fmla="*/ 617838 h 2125362"/>
+                    <a:gd name="connsiteX24" fmla="*/ 367940 w 429724"/>
+                    <a:gd name="connsiteY24" fmla="*/ 556054 h 2125362"/>
+                    <a:gd name="connsiteX25" fmla="*/ 219659 w 429724"/>
+                    <a:gd name="connsiteY25" fmla="*/ 481913 h 2125362"/>
+                    <a:gd name="connsiteX26" fmla="*/ 182589 w 429724"/>
+                    <a:gd name="connsiteY26" fmla="*/ 469556 h 2125362"/>
+                    <a:gd name="connsiteX27" fmla="*/ 145519 w 429724"/>
+                    <a:gd name="connsiteY27" fmla="*/ 457200 h 2125362"/>
+                    <a:gd name="connsiteX28" fmla="*/ 46665 w 429724"/>
+                    <a:gd name="connsiteY28" fmla="*/ 345989 h 2125362"/>
+                    <a:gd name="connsiteX29" fmla="*/ 34308 w 429724"/>
+                    <a:gd name="connsiteY29" fmla="*/ 308919 h 2125362"/>
+                    <a:gd name="connsiteX30" fmla="*/ 59021 w 429724"/>
+                    <a:gd name="connsiteY30" fmla="*/ 135924 h 2125362"/>
+                    <a:gd name="connsiteX31" fmla="*/ 157875 w 429724"/>
+                    <a:gd name="connsiteY31" fmla="*/ 49427 h 2125362"/>
+                    <a:gd name="connsiteX32" fmla="*/ 232016 w 429724"/>
+                    <a:gd name="connsiteY32" fmla="*/ 24713 h 2125362"/>
+                    <a:gd name="connsiteX33" fmla="*/ 269086 w 429724"/>
+                    <a:gd name="connsiteY33" fmla="*/ 12356 h 2125362"/>
+                    <a:gd name="connsiteX34" fmla="*/ 293800 w 429724"/>
+                    <a:gd name="connsiteY34" fmla="*/ 0 h 2125362"/>
+                  </a:gdLst>
+                  <a:ahLst/>
+                  <a:cxnLst>
+                    <a:cxn ang="0">
+                      <a:pos x="connsiteX0" y="connsiteY0"/>
+                    </a:cxn>
+                    <a:cxn ang="0">
+                      <a:pos x="connsiteX1" y="connsiteY1"/>
+                    </a:cxn>
+                    <a:cxn ang="0">
+                      <a:pos x="connsiteX2" y="connsiteY2"/>
+                    </a:cxn>
+                    <a:cxn ang="0">
+                      <a:pos x="connsiteX3" y="connsiteY3"/>
+                    </a:cxn>
+                    <a:cxn ang="0">
+                      <a:pos x="connsiteX4" y="connsiteY4"/>
+                    </a:cxn>
+                    <a:cxn ang="0">
+                      <a:pos x="connsiteX5" y="connsiteY5"/>
+                    </a:cxn>
+                    <a:cxn ang="0">
+                      <a:pos x="connsiteX6" y="connsiteY6"/>
+                    </a:cxn>
+                    <a:cxn ang="0">
+                      <a:pos x="connsiteX7" y="connsiteY7"/>
+                    </a:cxn>
+                    <a:cxn ang="0">
+                      <a:pos x="connsiteX8" y="connsiteY8"/>
+                    </a:cxn>
+                    <a:cxn ang="0">
+                      <a:pos x="connsiteX9" y="connsiteY9"/>
+                    </a:cxn>
+                    <a:cxn ang="0">
+                      <a:pos x="connsiteX10" y="connsiteY10"/>
+                    </a:cxn>
+                    <a:cxn ang="0">
+                      <a:pos x="connsiteX11" y="connsiteY11"/>
+                    </a:cxn>
+                    <a:cxn ang="0">
+                      <a:pos x="connsiteX12" y="connsiteY12"/>
+                    </a:cxn>
+                    <a:cxn ang="0">
+                      <a:pos x="connsiteX13" y="connsiteY13"/>
+                    </a:cxn>
+                    <a:cxn ang="0">
+                      <a:pos x="connsiteX14" y="connsiteY14"/>
+                    </a:cxn>
+                    <a:cxn ang="0">
+                      <a:pos x="connsiteX15" y="connsiteY15"/>
+                    </a:cxn>
+                    <a:cxn ang="0">
+                      <a:pos x="connsiteX16" y="connsiteY16"/>
+                    </a:cxn>
+                    <a:cxn ang="0">
+                      <a:pos x="connsiteX17" y="connsiteY17"/>
+                    </a:cxn>
+                    <a:cxn ang="0">
+                      <a:pos x="connsiteX18" y="connsiteY18"/>
+                    </a:cxn>
+                    <a:cxn ang="0">
+                      <a:pos x="connsiteX19" y="connsiteY19"/>
+                    </a:cxn>
+                    <a:cxn ang="0">
+                      <a:pos x="connsiteX20" y="connsiteY20"/>
+                    </a:cxn>
+                    <a:cxn ang="0">
+                      <a:pos x="connsiteX21" y="connsiteY21"/>
+                    </a:cxn>
+                    <a:cxn ang="0">
+                      <a:pos x="connsiteX22" y="connsiteY22"/>
+                    </a:cxn>
+                    <a:cxn ang="0">
+                      <a:pos x="connsiteX23" y="connsiteY23"/>
+                    </a:cxn>
+                    <a:cxn ang="0">
+                      <a:pos x="connsiteX24" y="connsiteY24"/>
+                    </a:cxn>
+                    <a:cxn ang="0">
+                      <a:pos x="connsiteX25" y="connsiteY25"/>
+                    </a:cxn>
+                    <a:cxn ang="0">
+                      <a:pos x="connsiteX26" y="connsiteY26"/>
+                    </a:cxn>
+                    <a:cxn ang="0">
+                      <a:pos x="connsiteX27" y="connsiteY27"/>
+                    </a:cxn>
+                    <a:cxn ang="0">
+                      <a:pos x="connsiteX28" y="connsiteY28"/>
+                    </a:cxn>
+                    <a:cxn ang="0">
+                      <a:pos x="connsiteX29" y="connsiteY29"/>
+                    </a:cxn>
+                    <a:cxn ang="0">
+                      <a:pos x="connsiteX30" y="connsiteY30"/>
+                    </a:cxn>
+                    <a:cxn ang="0">
+                      <a:pos x="connsiteX31" y="connsiteY31"/>
+                    </a:cxn>
+                    <a:cxn ang="0">
+                      <a:pos x="connsiteX32" y="connsiteY32"/>
+                    </a:cxn>
+                    <a:cxn ang="0">
+                      <a:pos x="connsiteX33" y="connsiteY33"/>
+                    </a:cxn>
+                    <a:cxn ang="0">
+                      <a:pos x="connsiteX34" y="connsiteY34"/>
+                    </a:cxn>
+                  </a:cxnLst>
+                  <a:rect l="l" t="t" r="r" b="b"/>
+                  <a:pathLst>
+                    <a:path w="429724" h="2125362">
+                      <a:moveTo>
+                        <a:pt x="429724" y="2125362"/>
+                      </a:moveTo>
+                      <a:cubicBezTo>
+                        <a:pt x="425605" y="2100648"/>
+                        <a:pt x="427003" y="2074348"/>
+                        <a:pt x="417367" y="2051221"/>
+                      </a:cubicBezTo>
+                      <a:cubicBezTo>
+                        <a:pt x="385683" y="1975180"/>
+                        <a:pt x="358435" y="1970744"/>
+                        <a:pt x="293800" y="1927654"/>
+                      </a:cubicBezTo>
+                      <a:lnTo>
+                        <a:pt x="219659" y="1878227"/>
+                      </a:lnTo>
+                      <a:cubicBezTo>
+                        <a:pt x="207302" y="1874108"/>
+                        <a:pt x="194785" y="1870444"/>
+                        <a:pt x="182589" y="1865870"/>
+                      </a:cubicBezTo>
+                      <a:cubicBezTo>
+                        <a:pt x="161820" y="1858082"/>
+                        <a:pt x="145518" y="1859691"/>
+                        <a:pt x="120805" y="1841156"/>
+                      </a:cubicBezTo>
+                      <a:cubicBezTo>
+                        <a:pt x="96092" y="1822621"/>
+                        <a:pt x="59022" y="1758778"/>
+                        <a:pt x="34309" y="1754659"/>
+                      </a:cubicBezTo>
+                      <a:cubicBezTo>
+                        <a:pt x="-39699" y="1705320"/>
+                        <a:pt x="28130" y="1694935"/>
+                        <a:pt x="34308" y="1668162"/>
+                      </a:cubicBezTo>
+                      <a:cubicBezTo>
+                        <a:pt x="40486" y="1641389"/>
+                        <a:pt x="51553" y="1617812"/>
+                        <a:pt x="71378" y="1594021"/>
+                      </a:cubicBezTo>
+                      <a:cubicBezTo>
+                        <a:pt x="82565" y="1580596"/>
+                        <a:pt x="94228" y="1567108"/>
+                        <a:pt x="108448" y="1556951"/>
+                      </a:cubicBezTo>
+                      <a:cubicBezTo>
+                        <a:pt x="123437" y="1546244"/>
+                        <a:pt x="141882" y="1541377"/>
+                        <a:pt x="157875" y="1532238"/>
+                      </a:cubicBezTo>
+                      <a:cubicBezTo>
+                        <a:pt x="170770" y="1524870"/>
+                        <a:pt x="181663" y="1514166"/>
+                        <a:pt x="194946" y="1507524"/>
+                      </a:cubicBezTo>
+                      <a:cubicBezTo>
+                        <a:pt x="212677" y="1498659"/>
+                        <a:pt x="265602" y="1486771"/>
+                        <a:pt x="281443" y="1482811"/>
+                      </a:cubicBezTo>
+                      <a:cubicBezTo>
+                        <a:pt x="297919" y="1474573"/>
+                        <a:pt x="313939" y="1465353"/>
+                        <a:pt x="330870" y="1458097"/>
+                      </a:cubicBezTo>
+                      <a:cubicBezTo>
+                        <a:pt x="342842" y="1452966"/>
+                        <a:pt x="357769" y="1453877"/>
+                        <a:pt x="367940" y="1445740"/>
+                      </a:cubicBezTo>
+                      <a:cubicBezTo>
+                        <a:pt x="379537" y="1436463"/>
+                        <a:pt x="384416" y="1421027"/>
+                        <a:pt x="392654" y="1408670"/>
+                      </a:cubicBezTo>
+                      <a:cubicBezTo>
+                        <a:pt x="388535" y="1346886"/>
+                        <a:pt x="399878" y="1282062"/>
+                        <a:pt x="380297" y="1223319"/>
+                      </a:cubicBezTo>
+                      <a:cubicBezTo>
+                        <a:pt x="359459" y="1160805"/>
+                        <a:pt x="316016" y="1152464"/>
+                        <a:pt x="269086" y="1136821"/>
+                      </a:cubicBezTo>
+                      <a:cubicBezTo>
+                        <a:pt x="184445" y="1052180"/>
+                        <a:pt x="224026" y="1082068"/>
+                        <a:pt x="157875" y="1037967"/>
+                      </a:cubicBezTo>
+                      <a:cubicBezTo>
+                        <a:pt x="149637" y="1025610"/>
+                        <a:pt x="133162" y="1015748"/>
+                        <a:pt x="133162" y="1000897"/>
+                      </a:cubicBezTo>
+                      <a:cubicBezTo>
+                        <a:pt x="133162" y="938567"/>
+                        <a:pt x="133687" y="872992"/>
+                        <a:pt x="157875" y="815546"/>
+                      </a:cubicBezTo>
+                      <a:cubicBezTo>
+                        <a:pt x="175183" y="774440"/>
+                        <a:pt x="243776" y="763179"/>
+                        <a:pt x="281443" y="753762"/>
+                      </a:cubicBezTo>
+                      <a:cubicBezTo>
+                        <a:pt x="293800" y="745524"/>
+                        <a:pt x="308734" y="740225"/>
+                        <a:pt x="318513" y="729048"/>
+                      </a:cubicBezTo>
+                      <a:cubicBezTo>
+                        <a:pt x="364270" y="676754"/>
+                        <a:pt x="363325" y="668753"/>
+                        <a:pt x="380297" y="617838"/>
+                      </a:cubicBezTo>
+                      <a:cubicBezTo>
+                        <a:pt x="376178" y="597243"/>
+                        <a:pt x="380834" y="572632"/>
+                        <a:pt x="367940" y="556054"/>
+                      </a:cubicBezTo>
+                      <a:cubicBezTo>
+                        <a:pt x="334405" y="512937"/>
+                        <a:pt x="267354" y="497812"/>
+                        <a:pt x="219659" y="481913"/>
+                      </a:cubicBezTo>
+                      <a:lnTo>
+                        <a:pt x="182589" y="469556"/>
+                      </a:lnTo>
+                      <a:lnTo>
+                        <a:pt x="145519" y="457200"/>
+                      </a:lnTo>
+                      <a:cubicBezTo>
+                        <a:pt x="112768" y="424449"/>
+                        <a:pt x="68716" y="390091"/>
+                        <a:pt x="46665" y="345989"/>
+                      </a:cubicBezTo>
+                      <a:cubicBezTo>
+                        <a:pt x="40840" y="334339"/>
+                        <a:pt x="38427" y="321276"/>
+                        <a:pt x="34308" y="308919"/>
+                      </a:cubicBezTo>
+                      <a:cubicBezTo>
+                        <a:pt x="36112" y="292680"/>
+                        <a:pt x="46599" y="169050"/>
+                        <a:pt x="59021" y="135924"/>
+                      </a:cubicBezTo>
+                      <a:cubicBezTo>
+                        <a:pt x="73437" y="97482"/>
+                        <a:pt x="124926" y="60410"/>
+                        <a:pt x="157875" y="49427"/>
+                      </a:cubicBezTo>
+                      <a:lnTo>
+                        <a:pt x="232016" y="24713"/>
+                      </a:lnTo>
+                      <a:cubicBezTo>
+                        <a:pt x="244373" y="20594"/>
+                        <a:pt x="257436" y="18181"/>
+                        <a:pt x="269086" y="12356"/>
+                      </a:cubicBezTo>
+                      <a:lnTo>
+                        <a:pt x="293800" y="0"/>
+                      </a:lnTo>
+                    </a:path>
+                  </a:pathLst>
+                </a:custGeom>
+                <a:noFill/>
+                <a:ln w="38100"/>
+              </p:spPr>
+              <p:style>
+                <a:lnRef idx="2">
+                  <a:schemeClr val="accent1">
+                    <a:shade val="50000"/>
+                  </a:schemeClr>
+                </a:lnRef>
+                <a:fillRef idx="1">
+                  <a:schemeClr val="accent1"/>
+                </a:fillRef>
+                <a:effectRef idx="0">
+                  <a:schemeClr val="accent1"/>
+                </a:effectRef>
+                <a:fontRef idx="minor">
+                  <a:schemeClr val="lt1"/>
+                </a:fontRef>
+              </p:style>
+              <p:txBody>
+                <a:bodyPr rtlCol="0" anchor="ctr"/>
+                <a:lstStyle/>
+                <a:p>
+                  <a:pPr algn="ctr"/>
+                  <a:endParaRPr lang="en-US"/>
+                </a:p>
+              </p:txBody>
+            </p:sp>
+            <p:sp>
+              <p:nvSpPr>
+                <p:cNvPr id="6" name="Freeform 5">
+                  <a:extLst>
+                    <a:ext uri="{FF2B5EF4-FFF2-40B4-BE49-F238E27FC236}">
+                      <a16:creationId xmlns:a16="http://schemas.microsoft.com/office/drawing/2014/main" id="{9B062D66-B145-D84E-8DF7-857F129FCA75}"/>
+                    </a:ext>
+                  </a:extLst>
+                </p:cNvPr>
+                <p:cNvSpPr/>
+                <p:nvPr/>
+              </p:nvSpPr>
+              <p:spPr>
+                <a:xfrm>
+                  <a:off x="2928551" y="420130"/>
+                  <a:ext cx="333632" cy="2125362"/>
+                </a:xfrm>
+                <a:custGeom>
+                  <a:avLst/>
+                  <a:gdLst>
+                    <a:gd name="connsiteX0" fmla="*/ 429127 w 429127"/>
+                    <a:gd name="connsiteY0" fmla="*/ 2125362 h 2125362"/>
+                    <a:gd name="connsiteX1" fmla="*/ 416770 w 429127"/>
+                    <a:gd name="connsiteY1" fmla="*/ 2051221 h 2125362"/>
+                    <a:gd name="connsiteX2" fmla="*/ 293203 w 429127"/>
+                    <a:gd name="connsiteY2" fmla="*/ 1927654 h 2125362"/>
+                    <a:gd name="connsiteX3" fmla="*/ 219062 w 429127"/>
+                    <a:gd name="connsiteY3" fmla="*/ 1878227 h 2125362"/>
+                    <a:gd name="connsiteX4" fmla="*/ 181992 w 429127"/>
+                    <a:gd name="connsiteY4" fmla="*/ 1865870 h 2125362"/>
+                    <a:gd name="connsiteX5" fmla="*/ 120208 w 429127"/>
+                    <a:gd name="connsiteY5" fmla="*/ 1841156 h 2125362"/>
+                    <a:gd name="connsiteX6" fmla="*/ 46068 w 429127"/>
+                    <a:gd name="connsiteY6" fmla="*/ 1828800 h 2125362"/>
+                    <a:gd name="connsiteX7" fmla="*/ 33711 w 429127"/>
+                    <a:gd name="connsiteY7" fmla="*/ 1668162 h 2125362"/>
+                    <a:gd name="connsiteX8" fmla="*/ 70781 w 429127"/>
+                    <a:gd name="connsiteY8" fmla="*/ 1594021 h 2125362"/>
+                    <a:gd name="connsiteX9" fmla="*/ 107851 w 429127"/>
+                    <a:gd name="connsiteY9" fmla="*/ 1556951 h 2125362"/>
+                    <a:gd name="connsiteX10" fmla="*/ 157278 w 429127"/>
+                    <a:gd name="connsiteY10" fmla="*/ 1532238 h 2125362"/>
+                    <a:gd name="connsiteX11" fmla="*/ 194349 w 429127"/>
+                    <a:gd name="connsiteY11" fmla="*/ 1507524 h 2125362"/>
+                    <a:gd name="connsiteX12" fmla="*/ 280846 w 429127"/>
+                    <a:gd name="connsiteY12" fmla="*/ 1482811 h 2125362"/>
+                    <a:gd name="connsiteX13" fmla="*/ 330273 w 429127"/>
+                    <a:gd name="connsiteY13" fmla="*/ 1458097 h 2125362"/>
+                    <a:gd name="connsiteX14" fmla="*/ 367343 w 429127"/>
+                    <a:gd name="connsiteY14" fmla="*/ 1445740 h 2125362"/>
+                    <a:gd name="connsiteX15" fmla="*/ 392057 w 429127"/>
+                    <a:gd name="connsiteY15" fmla="*/ 1408670 h 2125362"/>
+                    <a:gd name="connsiteX16" fmla="*/ 379700 w 429127"/>
+                    <a:gd name="connsiteY16" fmla="*/ 1223319 h 2125362"/>
+                    <a:gd name="connsiteX17" fmla="*/ 268489 w 429127"/>
+                    <a:gd name="connsiteY17" fmla="*/ 1136821 h 2125362"/>
+                    <a:gd name="connsiteX18" fmla="*/ 157278 w 429127"/>
+                    <a:gd name="connsiteY18" fmla="*/ 1037967 h 2125362"/>
+                    <a:gd name="connsiteX19" fmla="*/ 132565 w 429127"/>
+                    <a:gd name="connsiteY19" fmla="*/ 1000897 h 2125362"/>
+                    <a:gd name="connsiteX20" fmla="*/ 157278 w 429127"/>
+                    <a:gd name="connsiteY20" fmla="*/ 815546 h 2125362"/>
+                    <a:gd name="connsiteX21" fmla="*/ 280846 w 429127"/>
+                    <a:gd name="connsiteY21" fmla="*/ 753762 h 2125362"/>
+                    <a:gd name="connsiteX22" fmla="*/ 317916 w 429127"/>
+                    <a:gd name="connsiteY22" fmla="*/ 729048 h 2125362"/>
+                    <a:gd name="connsiteX23" fmla="*/ 379700 w 429127"/>
+                    <a:gd name="connsiteY23" fmla="*/ 617838 h 2125362"/>
+                    <a:gd name="connsiteX24" fmla="*/ 367343 w 429127"/>
+                    <a:gd name="connsiteY24" fmla="*/ 556054 h 2125362"/>
+                    <a:gd name="connsiteX25" fmla="*/ 219062 w 429127"/>
+                    <a:gd name="connsiteY25" fmla="*/ 481913 h 2125362"/>
+                    <a:gd name="connsiteX26" fmla="*/ 181992 w 429127"/>
+                    <a:gd name="connsiteY26" fmla="*/ 469556 h 2125362"/>
+                    <a:gd name="connsiteX27" fmla="*/ 144922 w 429127"/>
+                    <a:gd name="connsiteY27" fmla="*/ 457200 h 2125362"/>
+                    <a:gd name="connsiteX28" fmla="*/ 46068 w 429127"/>
+                    <a:gd name="connsiteY28" fmla="*/ 345989 h 2125362"/>
+                    <a:gd name="connsiteX29" fmla="*/ 33711 w 429127"/>
+                    <a:gd name="connsiteY29" fmla="*/ 308919 h 2125362"/>
+                    <a:gd name="connsiteX30" fmla="*/ 58424 w 429127"/>
+                    <a:gd name="connsiteY30" fmla="*/ 135924 h 2125362"/>
+                    <a:gd name="connsiteX31" fmla="*/ 157278 w 429127"/>
+                    <a:gd name="connsiteY31" fmla="*/ 49427 h 2125362"/>
+                    <a:gd name="connsiteX32" fmla="*/ 231419 w 429127"/>
+                    <a:gd name="connsiteY32" fmla="*/ 24713 h 2125362"/>
+                    <a:gd name="connsiteX33" fmla="*/ 268489 w 429127"/>
+                    <a:gd name="connsiteY33" fmla="*/ 12356 h 2125362"/>
+                    <a:gd name="connsiteX34" fmla="*/ 293203 w 429127"/>
+                    <a:gd name="connsiteY34" fmla="*/ 0 h 2125362"/>
+                    <a:gd name="connsiteX0" fmla="*/ 429724 w 429724"/>
+                    <a:gd name="connsiteY0" fmla="*/ 2125362 h 2125362"/>
+                    <a:gd name="connsiteX1" fmla="*/ 417367 w 429724"/>
+                    <a:gd name="connsiteY1" fmla="*/ 2051221 h 2125362"/>
+                    <a:gd name="connsiteX2" fmla="*/ 293800 w 429724"/>
+                    <a:gd name="connsiteY2" fmla="*/ 1927654 h 2125362"/>
+                    <a:gd name="connsiteX3" fmla="*/ 219659 w 429724"/>
+                    <a:gd name="connsiteY3" fmla="*/ 1878227 h 2125362"/>
+                    <a:gd name="connsiteX4" fmla="*/ 182589 w 429724"/>
+                    <a:gd name="connsiteY4" fmla="*/ 1865870 h 2125362"/>
+                    <a:gd name="connsiteX5" fmla="*/ 120805 w 429724"/>
+                    <a:gd name="connsiteY5" fmla="*/ 1841156 h 2125362"/>
+                    <a:gd name="connsiteX6" fmla="*/ 34309 w 429724"/>
+                    <a:gd name="connsiteY6" fmla="*/ 1754659 h 2125362"/>
+                    <a:gd name="connsiteX7" fmla="*/ 34308 w 429724"/>
+                    <a:gd name="connsiteY7" fmla="*/ 1668162 h 2125362"/>
+                    <a:gd name="connsiteX8" fmla="*/ 71378 w 429724"/>
+                    <a:gd name="connsiteY8" fmla="*/ 1594021 h 2125362"/>
+                    <a:gd name="connsiteX9" fmla="*/ 108448 w 429724"/>
+                    <a:gd name="connsiteY9" fmla="*/ 1556951 h 2125362"/>
+                    <a:gd name="connsiteX10" fmla="*/ 157875 w 429724"/>
+                    <a:gd name="connsiteY10" fmla="*/ 1532238 h 2125362"/>
+                    <a:gd name="connsiteX11" fmla="*/ 194946 w 429724"/>
+                    <a:gd name="connsiteY11" fmla="*/ 1507524 h 2125362"/>
+                    <a:gd name="connsiteX12" fmla="*/ 281443 w 429724"/>
+                    <a:gd name="connsiteY12" fmla="*/ 1482811 h 2125362"/>
+                    <a:gd name="connsiteX13" fmla="*/ 330870 w 429724"/>
+                    <a:gd name="connsiteY13" fmla="*/ 1458097 h 2125362"/>
+                    <a:gd name="connsiteX14" fmla="*/ 367940 w 429724"/>
+                    <a:gd name="connsiteY14" fmla="*/ 1445740 h 2125362"/>
+                    <a:gd name="connsiteX15" fmla="*/ 392654 w 429724"/>
+                    <a:gd name="connsiteY15" fmla="*/ 1408670 h 2125362"/>
+                    <a:gd name="connsiteX16" fmla="*/ 380297 w 429724"/>
+                    <a:gd name="connsiteY16" fmla="*/ 1223319 h 2125362"/>
+                    <a:gd name="connsiteX17" fmla="*/ 269086 w 429724"/>
+                    <a:gd name="connsiteY17" fmla="*/ 1136821 h 2125362"/>
+                    <a:gd name="connsiteX18" fmla="*/ 157875 w 429724"/>
+                    <a:gd name="connsiteY18" fmla="*/ 1037967 h 2125362"/>
+                    <a:gd name="connsiteX19" fmla="*/ 133162 w 429724"/>
+                    <a:gd name="connsiteY19" fmla="*/ 1000897 h 2125362"/>
+                    <a:gd name="connsiteX20" fmla="*/ 157875 w 429724"/>
+                    <a:gd name="connsiteY20" fmla="*/ 815546 h 2125362"/>
+                    <a:gd name="connsiteX21" fmla="*/ 281443 w 429724"/>
+                    <a:gd name="connsiteY21" fmla="*/ 753762 h 2125362"/>
+                    <a:gd name="connsiteX22" fmla="*/ 318513 w 429724"/>
+                    <a:gd name="connsiteY22" fmla="*/ 729048 h 2125362"/>
+                    <a:gd name="connsiteX23" fmla="*/ 380297 w 429724"/>
+                    <a:gd name="connsiteY23" fmla="*/ 617838 h 2125362"/>
+                    <a:gd name="connsiteX24" fmla="*/ 367940 w 429724"/>
+                    <a:gd name="connsiteY24" fmla="*/ 556054 h 2125362"/>
+                    <a:gd name="connsiteX25" fmla="*/ 219659 w 429724"/>
+                    <a:gd name="connsiteY25" fmla="*/ 481913 h 2125362"/>
+                    <a:gd name="connsiteX26" fmla="*/ 182589 w 429724"/>
+                    <a:gd name="connsiteY26" fmla="*/ 469556 h 2125362"/>
+                    <a:gd name="connsiteX27" fmla="*/ 145519 w 429724"/>
+                    <a:gd name="connsiteY27" fmla="*/ 457200 h 2125362"/>
+                    <a:gd name="connsiteX28" fmla="*/ 46665 w 429724"/>
+                    <a:gd name="connsiteY28" fmla="*/ 345989 h 2125362"/>
+                    <a:gd name="connsiteX29" fmla="*/ 34308 w 429724"/>
+                    <a:gd name="connsiteY29" fmla="*/ 308919 h 2125362"/>
+                    <a:gd name="connsiteX30" fmla="*/ 59021 w 429724"/>
+                    <a:gd name="connsiteY30" fmla="*/ 135924 h 2125362"/>
+                    <a:gd name="connsiteX31" fmla="*/ 157875 w 429724"/>
+                    <a:gd name="connsiteY31" fmla="*/ 49427 h 2125362"/>
+                    <a:gd name="connsiteX32" fmla="*/ 232016 w 429724"/>
+                    <a:gd name="connsiteY32" fmla="*/ 24713 h 2125362"/>
+                    <a:gd name="connsiteX33" fmla="*/ 269086 w 429724"/>
+                    <a:gd name="connsiteY33" fmla="*/ 12356 h 2125362"/>
+                    <a:gd name="connsiteX34" fmla="*/ 293800 w 429724"/>
+                    <a:gd name="connsiteY34" fmla="*/ 0 h 2125362"/>
+                  </a:gdLst>
+                  <a:ahLst/>
+                  <a:cxnLst>
+                    <a:cxn ang="0">
+                      <a:pos x="connsiteX0" y="connsiteY0"/>
+                    </a:cxn>
+                    <a:cxn ang="0">
+                      <a:pos x="connsiteX1" y="connsiteY1"/>
+                    </a:cxn>
+                    <a:cxn ang="0">
+                      <a:pos x="connsiteX2" y="connsiteY2"/>
+                    </a:cxn>
+                    <a:cxn ang="0">
+                      <a:pos x="connsiteX3" y="connsiteY3"/>
+                    </a:cxn>
+                    <a:cxn ang="0">
+                      <a:pos x="connsiteX4" y="connsiteY4"/>
+                    </a:cxn>
+                    <a:cxn ang="0">
+                      <a:pos x="connsiteX5" y="connsiteY5"/>
+                    </a:cxn>
+                    <a:cxn ang="0">
+                      <a:pos x="connsiteX6" y="connsiteY6"/>
+                    </a:cxn>
+                    <a:cxn ang="0">
+                      <a:pos x="connsiteX7" y="connsiteY7"/>
+                    </a:cxn>
+                    <a:cxn ang="0">
+                      <a:pos x="connsiteX8" y="connsiteY8"/>
+                    </a:cxn>
+                    <a:cxn ang="0">
+                      <a:pos x="connsiteX9" y="connsiteY9"/>
+                    </a:cxn>
+                    <a:cxn ang="0">
+                      <a:pos x="connsiteX10" y="connsiteY10"/>
+                    </a:cxn>
+                    <a:cxn ang="0">
+                      <a:pos x="connsiteX11" y="connsiteY11"/>
+                    </a:cxn>
+                    <a:cxn ang="0">
+                      <a:pos x="connsiteX12" y="connsiteY12"/>
+                    </a:cxn>
+                    <a:cxn ang="0">
+                      <a:pos x="connsiteX13" y="connsiteY13"/>
+                    </a:cxn>
+                    <a:cxn ang="0">
+                      <a:pos x="connsiteX14" y="connsiteY14"/>
+                    </a:cxn>
+                    <a:cxn ang="0">
+                      <a:pos x="connsiteX15" y="connsiteY15"/>
+                    </a:cxn>
+                    <a:cxn ang="0">
+                      <a:pos x="connsiteX16" y="connsiteY16"/>
+                    </a:cxn>
+                    <a:cxn ang="0">
+                      <a:pos x="connsiteX17" y="connsiteY17"/>
+                    </a:cxn>
+                    <a:cxn ang="0">
+                      <a:pos x="connsiteX18" y="connsiteY18"/>
+                    </a:cxn>
+                    <a:cxn ang="0">
+                      <a:pos x="connsiteX19" y="connsiteY19"/>
+                    </a:cxn>
+                    <a:cxn ang="0">
+                      <a:pos x="connsiteX20" y="connsiteY20"/>
+                    </a:cxn>
+                    <a:cxn ang="0">
+                      <a:pos x="connsiteX21" y="connsiteY21"/>
+                    </a:cxn>
+                    <a:cxn ang="0">
+                      <a:pos x="connsiteX22" y="connsiteY22"/>
+                    </a:cxn>
+                    <a:cxn ang="0">
+                      <a:pos x="connsiteX23" y="connsiteY23"/>
+                    </a:cxn>
+                    <a:cxn ang="0">
+                      <a:pos x="connsiteX24" y="connsiteY24"/>
+                    </a:cxn>
+                    <a:cxn ang="0">
+                      <a:pos x="connsiteX25" y="connsiteY25"/>
+                    </a:cxn>
+                    <a:cxn ang="0">
+                      <a:pos x="connsiteX26" y="connsiteY26"/>
+                    </a:cxn>
+                    <a:cxn ang="0">
+                      <a:pos x="connsiteX27" y="connsiteY27"/>
+                    </a:cxn>
+                    <a:cxn ang="0">
+                      <a:pos x="connsiteX28" y="connsiteY28"/>
+                    </a:cxn>
+                    <a:cxn ang="0">
+                      <a:pos x="connsiteX29" y="connsiteY29"/>
+                    </a:cxn>
+                    <a:cxn ang="0">
+                      <a:pos x="connsiteX30" y="connsiteY30"/>
+                    </a:cxn>
+                    <a:cxn ang="0">
+                      <a:pos x="connsiteX31" y="connsiteY31"/>
+                    </a:cxn>
+                    <a:cxn ang="0">
+                      <a:pos x="connsiteX32" y="connsiteY32"/>
+                    </a:cxn>
+                    <a:cxn ang="0">
+                      <a:pos x="connsiteX33" y="connsiteY33"/>
+                    </a:cxn>
+                    <a:cxn ang="0">
+                      <a:pos x="connsiteX34" y="connsiteY34"/>
+                    </a:cxn>
+                  </a:cxnLst>
+                  <a:rect l="l" t="t" r="r" b="b"/>
+                  <a:pathLst>
+                    <a:path w="429724" h="2125362">
+                      <a:moveTo>
+                        <a:pt x="429724" y="2125362"/>
+                      </a:moveTo>
+                      <a:cubicBezTo>
+                        <a:pt x="425605" y="2100648"/>
+                        <a:pt x="427003" y="2074348"/>
+                        <a:pt x="417367" y="2051221"/>
+                      </a:cubicBezTo>
+                      <a:cubicBezTo>
+                        <a:pt x="385683" y="1975180"/>
+                        <a:pt x="358435" y="1970744"/>
+                        <a:pt x="293800" y="1927654"/>
+                      </a:cubicBezTo>
+                      <a:lnTo>
+                        <a:pt x="219659" y="1878227"/>
+                      </a:lnTo>
+                      <a:cubicBezTo>
+                        <a:pt x="207302" y="1874108"/>
+                        <a:pt x="194785" y="1870444"/>
+                        <a:pt x="182589" y="1865870"/>
+                      </a:cubicBezTo>
+                      <a:cubicBezTo>
+                        <a:pt x="161820" y="1858082"/>
+                        <a:pt x="145518" y="1859691"/>
+                        <a:pt x="120805" y="1841156"/>
+                      </a:cubicBezTo>
+                      <a:cubicBezTo>
+                        <a:pt x="96092" y="1822621"/>
+                        <a:pt x="59022" y="1758778"/>
+                        <a:pt x="34309" y="1754659"/>
+                      </a:cubicBezTo>
+                      <a:cubicBezTo>
+                        <a:pt x="-39699" y="1705320"/>
+                        <a:pt x="28130" y="1694935"/>
+                        <a:pt x="34308" y="1668162"/>
+                      </a:cubicBezTo>
+                      <a:cubicBezTo>
+                        <a:pt x="40486" y="1641389"/>
+                        <a:pt x="51553" y="1617812"/>
+                        <a:pt x="71378" y="1594021"/>
+                      </a:cubicBezTo>
+                      <a:cubicBezTo>
+                        <a:pt x="82565" y="1580596"/>
+                        <a:pt x="94228" y="1567108"/>
+                        <a:pt x="108448" y="1556951"/>
+                      </a:cubicBezTo>
+                      <a:cubicBezTo>
+                        <a:pt x="123437" y="1546244"/>
+                        <a:pt x="141882" y="1541377"/>
+                        <a:pt x="157875" y="1532238"/>
+                      </a:cubicBezTo>
+                      <a:cubicBezTo>
+                        <a:pt x="170770" y="1524870"/>
+                        <a:pt x="181663" y="1514166"/>
+                        <a:pt x="194946" y="1507524"/>
+                      </a:cubicBezTo>
+                      <a:cubicBezTo>
+                        <a:pt x="212677" y="1498659"/>
+                        <a:pt x="265602" y="1486771"/>
+                        <a:pt x="281443" y="1482811"/>
+                      </a:cubicBezTo>
+                      <a:cubicBezTo>
+                        <a:pt x="297919" y="1474573"/>
+                        <a:pt x="313939" y="1465353"/>
+                        <a:pt x="330870" y="1458097"/>
+                      </a:cubicBezTo>
+                      <a:cubicBezTo>
+                        <a:pt x="342842" y="1452966"/>
+                        <a:pt x="357769" y="1453877"/>
+                        <a:pt x="367940" y="1445740"/>
+                      </a:cubicBezTo>
+                      <a:cubicBezTo>
+                        <a:pt x="379537" y="1436463"/>
+                        <a:pt x="384416" y="1421027"/>
+                        <a:pt x="392654" y="1408670"/>
+                      </a:cubicBezTo>
+                      <a:cubicBezTo>
+                        <a:pt x="388535" y="1346886"/>
+                        <a:pt x="399878" y="1282062"/>
+                        <a:pt x="380297" y="1223319"/>
+                      </a:cubicBezTo>
+                      <a:cubicBezTo>
+                        <a:pt x="359459" y="1160805"/>
+                        <a:pt x="316016" y="1152464"/>
+                        <a:pt x="269086" y="1136821"/>
+                      </a:cubicBezTo>
+                      <a:cubicBezTo>
+                        <a:pt x="184445" y="1052180"/>
+                        <a:pt x="224026" y="1082068"/>
+                        <a:pt x="157875" y="1037967"/>
+                      </a:cubicBezTo>
+                      <a:cubicBezTo>
+                        <a:pt x="149637" y="1025610"/>
+                        <a:pt x="133162" y="1015748"/>
+                        <a:pt x="133162" y="1000897"/>
+                      </a:cubicBezTo>
+                      <a:cubicBezTo>
+                        <a:pt x="133162" y="938567"/>
+                        <a:pt x="133687" y="872992"/>
+                        <a:pt x="157875" y="815546"/>
+                      </a:cubicBezTo>
+                      <a:cubicBezTo>
+                        <a:pt x="175183" y="774440"/>
+                        <a:pt x="243776" y="763179"/>
+                        <a:pt x="281443" y="753762"/>
+                      </a:cubicBezTo>
+                      <a:cubicBezTo>
+                        <a:pt x="293800" y="745524"/>
+                        <a:pt x="308734" y="740225"/>
+                        <a:pt x="318513" y="729048"/>
+                      </a:cubicBezTo>
+                      <a:cubicBezTo>
+                        <a:pt x="364270" y="676754"/>
+                        <a:pt x="363325" y="668753"/>
+                        <a:pt x="380297" y="617838"/>
+                      </a:cubicBezTo>
+                      <a:cubicBezTo>
+                        <a:pt x="376178" y="597243"/>
+                        <a:pt x="380834" y="572632"/>
+                        <a:pt x="367940" y="556054"/>
+                      </a:cubicBezTo>
+                      <a:cubicBezTo>
+                        <a:pt x="334405" y="512937"/>
+                        <a:pt x="267354" y="497812"/>
+                        <a:pt x="219659" y="481913"/>
+                      </a:cubicBezTo>
+                      <a:lnTo>
+                        <a:pt x="182589" y="469556"/>
+                      </a:lnTo>
+                      <a:lnTo>
+                        <a:pt x="145519" y="457200"/>
+                      </a:lnTo>
+                      <a:cubicBezTo>
+                        <a:pt x="112768" y="424449"/>
+                        <a:pt x="68716" y="390091"/>
+                        <a:pt x="46665" y="345989"/>
+                      </a:cubicBezTo>
+                      <a:cubicBezTo>
+                        <a:pt x="40840" y="334339"/>
+                        <a:pt x="38427" y="321276"/>
+                        <a:pt x="34308" y="308919"/>
+                      </a:cubicBezTo>
+                      <a:cubicBezTo>
+                        <a:pt x="36112" y="292680"/>
+                        <a:pt x="46599" y="169050"/>
+                        <a:pt x="59021" y="135924"/>
+                      </a:cubicBezTo>
+                      <a:cubicBezTo>
+                        <a:pt x="73437" y="97482"/>
+                        <a:pt x="124926" y="60410"/>
+                        <a:pt x="157875" y="49427"/>
+                      </a:cubicBezTo>
+                      <a:lnTo>
+                        <a:pt x="232016" y="24713"/>
+                      </a:lnTo>
+                      <a:cubicBezTo>
+                        <a:pt x="244373" y="20594"/>
+                        <a:pt x="257436" y="18181"/>
+                        <a:pt x="269086" y="12356"/>
+                      </a:cubicBezTo>
+                      <a:lnTo>
+                        <a:pt x="293800" y="0"/>
+                      </a:lnTo>
+                    </a:path>
+                  </a:pathLst>
+                </a:custGeom>
+                <a:noFill/>
+                <a:ln w="38100"/>
+              </p:spPr>
+              <p:style>
+                <a:lnRef idx="2">
+                  <a:schemeClr val="accent1">
+                    <a:shade val="50000"/>
+                  </a:schemeClr>
+                </a:lnRef>
+                <a:fillRef idx="1">
+                  <a:schemeClr val="accent1"/>
+                </a:fillRef>
+                <a:effectRef idx="0">
+                  <a:schemeClr val="accent1"/>
+                </a:effectRef>
+                <a:fontRef idx="minor">
+                  <a:schemeClr val="lt1"/>
+                </a:fontRef>
+              </p:style>
+              <p:txBody>
+                <a:bodyPr rtlCol="0" anchor="ctr"/>
+                <a:lstStyle/>
+                <a:p>
+                  <a:pPr algn="ctr"/>
+                  <a:endParaRPr lang="en-US"/>
+                </a:p>
+              </p:txBody>
+            </p:sp>
+          </p:grpSp>
+          <p:grpSp>
+            <p:nvGrpSpPr>
+              <p:cNvPr id="8" name="Group 7">
+                <a:extLst>
+                  <a:ext uri="{FF2B5EF4-FFF2-40B4-BE49-F238E27FC236}">
+                    <a16:creationId xmlns:a16="http://schemas.microsoft.com/office/drawing/2014/main" id="{C49A7969-2D51-5C40-A16B-17A915EC6C8C}"/>
+                  </a:ext>
+                </a:extLst>
+              </p:cNvPr>
+              <p:cNvGrpSpPr/>
+              <p:nvPr/>
+            </p:nvGrpSpPr>
+            <p:grpSpPr>
+              <a:xfrm>
+                <a:off x="3268362" y="1734066"/>
+                <a:ext cx="729048" cy="2619632"/>
+                <a:chOff x="2656703" y="420130"/>
+                <a:chExt cx="729048" cy="2619632"/>
+              </a:xfrm>
+            </p:grpSpPr>
+            <p:sp>
+              <p:nvSpPr>
+                <p:cNvPr id="9" name="Oval 8">
+                  <a:extLst>
+                    <a:ext uri="{FF2B5EF4-FFF2-40B4-BE49-F238E27FC236}">
+                      <a16:creationId xmlns:a16="http://schemas.microsoft.com/office/drawing/2014/main" id="{1D40B835-5575-6240-BC96-1689F04CFEDE}"/>
+                    </a:ext>
+                  </a:extLst>
+                </p:cNvPr>
+                <p:cNvSpPr/>
+                <p:nvPr/>
+              </p:nvSpPr>
+              <p:spPr>
+                <a:xfrm>
+                  <a:off x="2804984" y="2483708"/>
+                  <a:ext cx="580767" cy="556054"/>
+                </a:xfrm>
+                <a:prstGeom prst="ellipse">
+                  <a:avLst/>
+                </a:prstGeom>
+                <a:solidFill>
+                  <a:schemeClr val="accent6">
+                    <a:lumMod val="40000"/>
+                    <a:lumOff val="60000"/>
+                  </a:schemeClr>
+                </a:solidFill>
+              </p:spPr>
+              <p:style>
+                <a:lnRef idx="2">
+                  <a:schemeClr val="accent1">
+                    <a:shade val="50000"/>
+                  </a:schemeClr>
+                </a:lnRef>
+                <a:fillRef idx="1">
+                  <a:schemeClr val="accent1"/>
+                </a:fillRef>
+                <a:effectRef idx="0">
+                  <a:schemeClr val="accent1"/>
+                </a:effectRef>
+                <a:fontRef idx="minor">
+                  <a:schemeClr val="lt1"/>
+                </a:fontRef>
+              </p:style>
+              <p:txBody>
+                <a:bodyPr rtlCol="0" anchor="ctr"/>
+                <a:lstStyle/>
+                <a:p>
+                  <a:pPr algn="ctr"/>
+                  <a:endParaRPr lang="en-US"/>
+                </a:p>
+              </p:txBody>
+            </p:sp>
+            <p:sp>
+              <p:nvSpPr>
+                <p:cNvPr id="10" name="Freeform 9">
+                  <a:extLst>
+                    <a:ext uri="{FF2B5EF4-FFF2-40B4-BE49-F238E27FC236}">
+                      <a16:creationId xmlns:a16="http://schemas.microsoft.com/office/drawing/2014/main" id="{89B1A026-D245-F745-8C96-51E013A8279F}"/>
+                    </a:ext>
+                  </a:extLst>
+                </p:cNvPr>
+                <p:cNvSpPr/>
+                <p:nvPr/>
+              </p:nvSpPr>
+              <p:spPr>
+                <a:xfrm>
+                  <a:off x="2656703" y="420130"/>
+                  <a:ext cx="333632" cy="2125362"/>
+                </a:xfrm>
+                <a:custGeom>
+                  <a:avLst/>
+                  <a:gdLst>
+                    <a:gd name="connsiteX0" fmla="*/ 429127 w 429127"/>
+                    <a:gd name="connsiteY0" fmla="*/ 2125362 h 2125362"/>
+                    <a:gd name="connsiteX1" fmla="*/ 416770 w 429127"/>
+                    <a:gd name="connsiteY1" fmla="*/ 2051221 h 2125362"/>
+                    <a:gd name="connsiteX2" fmla="*/ 293203 w 429127"/>
+                    <a:gd name="connsiteY2" fmla="*/ 1927654 h 2125362"/>
+                    <a:gd name="connsiteX3" fmla="*/ 219062 w 429127"/>
+                    <a:gd name="connsiteY3" fmla="*/ 1878227 h 2125362"/>
+                    <a:gd name="connsiteX4" fmla="*/ 181992 w 429127"/>
+                    <a:gd name="connsiteY4" fmla="*/ 1865870 h 2125362"/>
+                    <a:gd name="connsiteX5" fmla="*/ 120208 w 429127"/>
+                    <a:gd name="connsiteY5" fmla="*/ 1841156 h 2125362"/>
+                    <a:gd name="connsiteX6" fmla="*/ 46068 w 429127"/>
+                    <a:gd name="connsiteY6" fmla="*/ 1828800 h 2125362"/>
+                    <a:gd name="connsiteX7" fmla="*/ 33711 w 429127"/>
+                    <a:gd name="connsiteY7" fmla="*/ 1668162 h 2125362"/>
+                    <a:gd name="connsiteX8" fmla="*/ 70781 w 429127"/>
+                    <a:gd name="connsiteY8" fmla="*/ 1594021 h 2125362"/>
+                    <a:gd name="connsiteX9" fmla="*/ 107851 w 429127"/>
+                    <a:gd name="connsiteY9" fmla="*/ 1556951 h 2125362"/>
+                    <a:gd name="connsiteX10" fmla="*/ 157278 w 429127"/>
+                    <a:gd name="connsiteY10" fmla="*/ 1532238 h 2125362"/>
+                    <a:gd name="connsiteX11" fmla="*/ 194349 w 429127"/>
+                    <a:gd name="connsiteY11" fmla="*/ 1507524 h 2125362"/>
+                    <a:gd name="connsiteX12" fmla="*/ 280846 w 429127"/>
+                    <a:gd name="connsiteY12" fmla="*/ 1482811 h 2125362"/>
+                    <a:gd name="connsiteX13" fmla="*/ 330273 w 429127"/>
+                    <a:gd name="connsiteY13" fmla="*/ 1458097 h 2125362"/>
+                    <a:gd name="connsiteX14" fmla="*/ 367343 w 429127"/>
+                    <a:gd name="connsiteY14" fmla="*/ 1445740 h 2125362"/>
+                    <a:gd name="connsiteX15" fmla="*/ 392057 w 429127"/>
+                    <a:gd name="connsiteY15" fmla="*/ 1408670 h 2125362"/>
+                    <a:gd name="connsiteX16" fmla="*/ 379700 w 429127"/>
+                    <a:gd name="connsiteY16" fmla="*/ 1223319 h 2125362"/>
+                    <a:gd name="connsiteX17" fmla="*/ 268489 w 429127"/>
+                    <a:gd name="connsiteY17" fmla="*/ 1136821 h 2125362"/>
+                    <a:gd name="connsiteX18" fmla="*/ 157278 w 429127"/>
+                    <a:gd name="connsiteY18" fmla="*/ 1037967 h 2125362"/>
+                    <a:gd name="connsiteX19" fmla="*/ 132565 w 429127"/>
+                    <a:gd name="connsiteY19" fmla="*/ 1000897 h 2125362"/>
+                    <a:gd name="connsiteX20" fmla="*/ 157278 w 429127"/>
+                    <a:gd name="connsiteY20" fmla="*/ 815546 h 2125362"/>
+                    <a:gd name="connsiteX21" fmla="*/ 280846 w 429127"/>
+                    <a:gd name="connsiteY21" fmla="*/ 753762 h 2125362"/>
+                    <a:gd name="connsiteX22" fmla="*/ 317916 w 429127"/>
+                    <a:gd name="connsiteY22" fmla="*/ 729048 h 2125362"/>
+                    <a:gd name="connsiteX23" fmla="*/ 379700 w 429127"/>
+                    <a:gd name="connsiteY23" fmla="*/ 617838 h 2125362"/>
+                    <a:gd name="connsiteX24" fmla="*/ 367343 w 429127"/>
+                    <a:gd name="connsiteY24" fmla="*/ 556054 h 2125362"/>
+                    <a:gd name="connsiteX25" fmla="*/ 219062 w 429127"/>
+                    <a:gd name="connsiteY25" fmla="*/ 481913 h 2125362"/>
+                    <a:gd name="connsiteX26" fmla="*/ 181992 w 429127"/>
+                    <a:gd name="connsiteY26" fmla="*/ 469556 h 2125362"/>
+                    <a:gd name="connsiteX27" fmla="*/ 144922 w 429127"/>
+                    <a:gd name="connsiteY27" fmla="*/ 457200 h 2125362"/>
+                    <a:gd name="connsiteX28" fmla="*/ 46068 w 429127"/>
+                    <a:gd name="connsiteY28" fmla="*/ 345989 h 2125362"/>
+                    <a:gd name="connsiteX29" fmla="*/ 33711 w 429127"/>
+                    <a:gd name="connsiteY29" fmla="*/ 308919 h 2125362"/>
+                    <a:gd name="connsiteX30" fmla="*/ 58424 w 429127"/>
+                    <a:gd name="connsiteY30" fmla="*/ 135924 h 2125362"/>
+                    <a:gd name="connsiteX31" fmla="*/ 157278 w 429127"/>
+                    <a:gd name="connsiteY31" fmla="*/ 49427 h 2125362"/>
+                    <a:gd name="connsiteX32" fmla="*/ 231419 w 429127"/>
+                    <a:gd name="connsiteY32" fmla="*/ 24713 h 2125362"/>
+                    <a:gd name="connsiteX33" fmla="*/ 268489 w 429127"/>
+                    <a:gd name="connsiteY33" fmla="*/ 12356 h 2125362"/>
+                    <a:gd name="connsiteX34" fmla="*/ 293203 w 429127"/>
+                    <a:gd name="connsiteY34" fmla="*/ 0 h 2125362"/>
+                    <a:gd name="connsiteX0" fmla="*/ 429724 w 429724"/>
+                    <a:gd name="connsiteY0" fmla="*/ 2125362 h 2125362"/>
+                    <a:gd name="connsiteX1" fmla="*/ 417367 w 429724"/>
+                    <a:gd name="connsiteY1" fmla="*/ 2051221 h 2125362"/>
+                    <a:gd name="connsiteX2" fmla="*/ 293800 w 429724"/>
+                    <a:gd name="connsiteY2" fmla="*/ 1927654 h 2125362"/>
+                    <a:gd name="connsiteX3" fmla="*/ 219659 w 429724"/>
+                    <a:gd name="connsiteY3" fmla="*/ 1878227 h 2125362"/>
+                    <a:gd name="connsiteX4" fmla="*/ 182589 w 429724"/>
+                    <a:gd name="connsiteY4" fmla="*/ 1865870 h 2125362"/>
+                    <a:gd name="connsiteX5" fmla="*/ 120805 w 429724"/>
+                    <a:gd name="connsiteY5" fmla="*/ 1841156 h 2125362"/>
+                    <a:gd name="connsiteX6" fmla="*/ 34309 w 429724"/>
+                    <a:gd name="connsiteY6" fmla="*/ 1754659 h 2125362"/>
+                    <a:gd name="connsiteX7" fmla="*/ 34308 w 429724"/>
+                    <a:gd name="connsiteY7" fmla="*/ 1668162 h 2125362"/>
+                    <a:gd name="connsiteX8" fmla="*/ 71378 w 429724"/>
+                    <a:gd name="connsiteY8" fmla="*/ 1594021 h 2125362"/>
+                    <a:gd name="connsiteX9" fmla="*/ 108448 w 429724"/>
+                    <a:gd name="connsiteY9" fmla="*/ 1556951 h 2125362"/>
+                    <a:gd name="connsiteX10" fmla="*/ 157875 w 429724"/>
+                    <a:gd name="connsiteY10" fmla="*/ 1532238 h 2125362"/>
+                    <a:gd name="connsiteX11" fmla="*/ 194946 w 429724"/>
+                    <a:gd name="connsiteY11" fmla="*/ 1507524 h 2125362"/>
+                    <a:gd name="connsiteX12" fmla="*/ 281443 w 429724"/>
+                    <a:gd name="connsiteY12" fmla="*/ 1482811 h 2125362"/>
+                    <a:gd name="connsiteX13" fmla="*/ 330870 w 429724"/>
+                    <a:gd name="connsiteY13" fmla="*/ 1458097 h 2125362"/>
+                    <a:gd name="connsiteX14" fmla="*/ 367940 w 429724"/>
+                    <a:gd name="connsiteY14" fmla="*/ 1445740 h 2125362"/>
+                    <a:gd name="connsiteX15" fmla="*/ 392654 w 429724"/>
+                    <a:gd name="connsiteY15" fmla="*/ 1408670 h 2125362"/>
+                    <a:gd name="connsiteX16" fmla="*/ 380297 w 429724"/>
+                    <a:gd name="connsiteY16" fmla="*/ 1223319 h 2125362"/>
+                    <a:gd name="connsiteX17" fmla="*/ 269086 w 429724"/>
+                    <a:gd name="connsiteY17" fmla="*/ 1136821 h 2125362"/>
+                    <a:gd name="connsiteX18" fmla="*/ 157875 w 429724"/>
+                    <a:gd name="connsiteY18" fmla="*/ 1037967 h 2125362"/>
+                    <a:gd name="connsiteX19" fmla="*/ 133162 w 429724"/>
+                    <a:gd name="connsiteY19" fmla="*/ 1000897 h 2125362"/>
+                    <a:gd name="connsiteX20" fmla="*/ 157875 w 429724"/>
+                    <a:gd name="connsiteY20" fmla="*/ 815546 h 2125362"/>
+                    <a:gd name="connsiteX21" fmla="*/ 281443 w 429724"/>
+                    <a:gd name="connsiteY21" fmla="*/ 753762 h 2125362"/>
+                    <a:gd name="connsiteX22" fmla="*/ 318513 w 429724"/>
+                    <a:gd name="connsiteY22" fmla="*/ 729048 h 2125362"/>
+                    <a:gd name="connsiteX23" fmla="*/ 380297 w 429724"/>
+                    <a:gd name="connsiteY23" fmla="*/ 617838 h 2125362"/>
+                    <a:gd name="connsiteX24" fmla="*/ 367940 w 429724"/>
+                    <a:gd name="connsiteY24" fmla="*/ 556054 h 2125362"/>
+                    <a:gd name="connsiteX25" fmla="*/ 219659 w 429724"/>
+                    <a:gd name="connsiteY25" fmla="*/ 481913 h 2125362"/>
+                    <a:gd name="connsiteX26" fmla="*/ 182589 w 429724"/>
+                    <a:gd name="connsiteY26" fmla="*/ 469556 h 2125362"/>
+                    <a:gd name="connsiteX27" fmla="*/ 145519 w 429724"/>
+                    <a:gd name="connsiteY27" fmla="*/ 457200 h 2125362"/>
+                    <a:gd name="connsiteX28" fmla="*/ 46665 w 429724"/>
+                    <a:gd name="connsiteY28" fmla="*/ 345989 h 2125362"/>
+                    <a:gd name="connsiteX29" fmla="*/ 34308 w 429724"/>
+                    <a:gd name="connsiteY29" fmla="*/ 308919 h 2125362"/>
+                    <a:gd name="connsiteX30" fmla="*/ 59021 w 429724"/>
+                    <a:gd name="connsiteY30" fmla="*/ 135924 h 2125362"/>
+                    <a:gd name="connsiteX31" fmla="*/ 157875 w 429724"/>
+                    <a:gd name="connsiteY31" fmla="*/ 49427 h 2125362"/>
+                    <a:gd name="connsiteX32" fmla="*/ 232016 w 429724"/>
+                    <a:gd name="connsiteY32" fmla="*/ 24713 h 2125362"/>
+                    <a:gd name="connsiteX33" fmla="*/ 269086 w 429724"/>
+                    <a:gd name="connsiteY33" fmla="*/ 12356 h 2125362"/>
+                    <a:gd name="connsiteX34" fmla="*/ 293800 w 429724"/>
+                    <a:gd name="connsiteY34" fmla="*/ 0 h 2125362"/>
+                  </a:gdLst>
+                  <a:ahLst/>
+                  <a:cxnLst>
+                    <a:cxn ang="0">
+                      <a:pos x="connsiteX0" y="connsiteY0"/>
+                    </a:cxn>
+                    <a:cxn ang="0">
+                      <a:pos x="connsiteX1" y="connsiteY1"/>
+                    </a:cxn>
+                    <a:cxn ang="0">
+                      <a:pos x="connsiteX2" y="connsiteY2"/>
+                    </a:cxn>
+                    <a:cxn ang="0">
+                      <a:pos x="connsiteX3" y="connsiteY3"/>
+                    </a:cxn>
+                    <a:cxn ang="0">
+                      <a:pos x="connsiteX4" y="connsiteY4"/>
+                    </a:cxn>
+                    <a:cxn ang="0">
+                      <a:pos x="connsiteX5" y="connsiteY5"/>
+                    </a:cxn>
+                    <a:cxn ang="0">
+                      <a:pos x="connsiteX6" y="connsiteY6"/>
+                    </a:cxn>
+                    <a:cxn ang="0">
+                      <a:pos x="connsiteX7" y="connsiteY7"/>
+                    </a:cxn>
+                    <a:cxn ang="0">
+                      <a:pos x="connsiteX8" y="connsiteY8"/>
+                    </a:cxn>
+                    <a:cxn ang="0">
+                      <a:pos x="connsiteX9" y="connsiteY9"/>
+                    </a:cxn>
+                    <a:cxn ang="0">
+                      <a:pos x="connsiteX10" y="connsiteY10"/>
+                    </a:cxn>
+                    <a:cxn ang="0">
+                      <a:pos x="connsiteX11" y="connsiteY11"/>
+                    </a:cxn>
+                    <a:cxn ang="0">
+                      <a:pos x="connsiteX12" y="connsiteY12"/>
+                    </a:cxn>
+                    <a:cxn ang="0">
+                      <a:pos x="connsiteX13" y="connsiteY13"/>
+                    </a:cxn>
+                    <a:cxn ang="0">
+                      <a:pos x="connsiteX14" y="connsiteY14"/>
+                    </a:cxn>
+                    <a:cxn ang="0">
+                      <a:pos x="connsiteX15" y="connsiteY15"/>
+                    </a:cxn>
+                    <a:cxn ang="0">
+                      <a:pos x="connsiteX16" y="connsiteY16"/>
+                    </a:cxn>
+                    <a:cxn ang="0">
+                      <a:pos x="connsiteX17" y="connsiteY17"/>
+                    </a:cxn>
+                    <a:cxn ang="0">
+                      <a:pos x="connsiteX18" y="connsiteY18"/>
+                    </a:cxn>
+                    <a:cxn ang="0">
+                      <a:pos x="connsiteX19" y="connsiteY19"/>
+                    </a:cxn>
+                    <a:cxn ang="0">
+                      <a:pos x="connsiteX20" y="connsiteY20"/>
+                    </a:cxn>
+                    <a:cxn ang="0">
+                      <a:pos x="connsiteX21" y="connsiteY21"/>
+                    </a:cxn>
+                    <a:cxn ang="0">
+                      <a:pos x="connsiteX22" y="connsiteY22"/>
+                    </a:cxn>
+                    <a:cxn ang="0">
+                      <a:pos x="connsiteX23" y="connsiteY23"/>
+                    </a:cxn>
+                    <a:cxn ang="0">
+                      <a:pos x="connsiteX24" y="connsiteY24"/>
+                    </a:cxn>
+                    <a:cxn ang="0">
+                      <a:pos x="connsiteX25" y="connsiteY25"/>
+                    </a:cxn>
+                    <a:cxn ang="0">
+                      <a:pos x="connsiteX26" y="connsiteY26"/>
+                    </a:cxn>
+                    <a:cxn ang="0">
+                      <a:pos x="connsiteX27" y="connsiteY27"/>
+                    </a:cxn>
+                    <a:cxn ang="0">
+                      <a:pos x="connsiteX28" y="connsiteY28"/>
+                    </a:cxn>
+                    <a:cxn ang="0">
+                      <a:pos x="connsiteX29" y="connsiteY29"/>
+                    </a:cxn>
+                    <a:cxn ang="0">
+                      <a:pos x="connsiteX30" y="connsiteY30"/>
+                    </a:cxn>
+                    <a:cxn ang="0">
+                      <a:pos x="connsiteX31" y="connsiteY31"/>
+                    </a:cxn>
+                    <a:cxn ang="0">
+                      <a:pos x="connsiteX32" y="connsiteY32"/>
+                    </a:cxn>
+                    <a:cxn ang="0">
+                      <a:pos x="connsiteX33" y="connsiteY33"/>
+                    </a:cxn>
+                    <a:cxn ang="0">
+                      <a:pos x="connsiteX34" y="connsiteY34"/>
+                    </a:cxn>
+                  </a:cxnLst>
+                  <a:rect l="l" t="t" r="r" b="b"/>
+                  <a:pathLst>
+                    <a:path w="429724" h="2125362">
+                      <a:moveTo>
+                        <a:pt x="429724" y="2125362"/>
+                      </a:moveTo>
+                      <a:cubicBezTo>
+                        <a:pt x="425605" y="2100648"/>
+                        <a:pt x="427003" y="2074348"/>
+                        <a:pt x="417367" y="2051221"/>
+                      </a:cubicBezTo>
+                      <a:cubicBezTo>
+                        <a:pt x="385683" y="1975180"/>
+                        <a:pt x="358435" y="1970744"/>
+                        <a:pt x="293800" y="1927654"/>
+                      </a:cubicBezTo>
+                      <a:lnTo>
+                        <a:pt x="219659" y="1878227"/>
+                      </a:lnTo>
+                      <a:cubicBezTo>
+                        <a:pt x="207302" y="1874108"/>
+                        <a:pt x="194785" y="1870444"/>
+                        <a:pt x="182589" y="1865870"/>
+                      </a:cubicBezTo>
+                      <a:cubicBezTo>
+                        <a:pt x="161820" y="1858082"/>
+                        <a:pt x="145518" y="1859691"/>
+                        <a:pt x="120805" y="1841156"/>
+                      </a:cubicBezTo>
+                      <a:cubicBezTo>
+                        <a:pt x="96092" y="1822621"/>
+                        <a:pt x="59022" y="1758778"/>
+                        <a:pt x="34309" y="1754659"/>
+                      </a:cubicBezTo>
+                      <a:cubicBezTo>
+                        <a:pt x="-39699" y="1705320"/>
+                        <a:pt x="28130" y="1694935"/>
+                        <a:pt x="34308" y="1668162"/>
+                      </a:cubicBezTo>
+                      <a:cubicBezTo>
+                        <a:pt x="40486" y="1641389"/>
+                        <a:pt x="51553" y="1617812"/>
+                        <a:pt x="71378" y="1594021"/>
+                      </a:cubicBezTo>
+                      <a:cubicBezTo>
+                        <a:pt x="82565" y="1580596"/>
+                        <a:pt x="94228" y="1567108"/>
+                        <a:pt x="108448" y="1556951"/>
+                      </a:cubicBezTo>
+                      <a:cubicBezTo>
+                        <a:pt x="123437" y="1546244"/>
+                        <a:pt x="141882" y="1541377"/>
+                        <a:pt x="157875" y="1532238"/>
+                      </a:cubicBezTo>
+                      <a:cubicBezTo>
+                        <a:pt x="170770" y="1524870"/>
+                        <a:pt x="181663" y="1514166"/>
+                        <a:pt x="194946" y="1507524"/>
+                      </a:cubicBezTo>
+                      <a:cubicBezTo>
+                        <a:pt x="212677" y="1498659"/>
+                        <a:pt x="265602" y="1486771"/>
+                        <a:pt x="281443" y="1482811"/>
+                      </a:cubicBezTo>
+                      <a:cubicBezTo>
+                        <a:pt x="297919" y="1474573"/>
+                        <a:pt x="313939" y="1465353"/>
+                        <a:pt x="330870" y="1458097"/>
+                      </a:cubicBezTo>
+                      <a:cubicBezTo>
+                        <a:pt x="342842" y="1452966"/>
+                        <a:pt x="357769" y="1453877"/>
+                        <a:pt x="367940" y="1445740"/>
+                      </a:cubicBezTo>
+                      <a:cubicBezTo>
+                        <a:pt x="379537" y="1436463"/>
+                        <a:pt x="384416" y="1421027"/>
+                        <a:pt x="392654" y="1408670"/>
+                      </a:cubicBezTo>
+                      <a:cubicBezTo>
+                        <a:pt x="388535" y="1346886"/>
+                        <a:pt x="399878" y="1282062"/>
+                        <a:pt x="380297" y="1223319"/>
+                      </a:cubicBezTo>
+                      <a:cubicBezTo>
+                        <a:pt x="359459" y="1160805"/>
+                        <a:pt x="316016" y="1152464"/>
+                        <a:pt x="269086" y="1136821"/>
+                      </a:cubicBezTo>
+                      <a:cubicBezTo>
+                        <a:pt x="184445" y="1052180"/>
+                        <a:pt x="224026" y="1082068"/>
+                        <a:pt x="157875" y="1037967"/>
+                      </a:cubicBezTo>
+                      <a:cubicBezTo>
+                        <a:pt x="149637" y="1025610"/>
+                        <a:pt x="133162" y="1015748"/>
+                        <a:pt x="133162" y="1000897"/>
+                      </a:cubicBezTo>
+                      <a:cubicBezTo>
+                        <a:pt x="133162" y="938567"/>
+                        <a:pt x="133687" y="872992"/>
+                        <a:pt x="157875" y="815546"/>
+                      </a:cubicBezTo>
+                      <a:cubicBezTo>
+                        <a:pt x="175183" y="774440"/>
+                        <a:pt x="243776" y="763179"/>
+                        <a:pt x="281443" y="753762"/>
+                      </a:cubicBezTo>
+                      <a:cubicBezTo>
+                        <a:pt x="293800" y="745524"/>
+                        <a:pt x="308734" y="740225"/>
+                        <a:pt x="318513" y="729048"/>
+                      </a:cubicBezTo>
+                      <a:cubicBezTo>
+                        <a:pt x="364270" y="676754"/>
+                        <a:pt x="363325" y="668753"/>
+                        <a:pt x="380297" y="617838"/>
+                      </a:cubicBezTo>
+                      <a:cubicBezTo>
+                        <a:pt x="376178" y="597243"/>
+                        <a:pt x="380834" y="572632"/>
+                        <a:pt x="367940" y="556054"/>
+                      </a:cubicBezTo>
+                      <a:cubicBezTo>
+                        <a:pt x="334405" y="512937"/>
+                        <a:pt x="267354" y="497812"/>
+                        <a:pt x="219659" y="481913"/>
+                      </a:cubicBezTo>
+                      <a:lnTo>
+                        <a:pt x="182589" y="469556"/>
+                      </a:lnTo>
+                      <a:lnTo>
+                        <a:pt x="145519" y="457200"/>
+                      </a:lnTo>
+                      <a:cubicBezTo>
+                        <a:pt x="112768" y="424449"/>
+                        <a:pt x="68716" y="390091"/>
+                        <a:pt x="46665" y="345989"/>
+                      </a:cubicBezTo>
+                      <a:cubicBezTo>
+                        <a:pt x="40840" y="334339"/>
+                        <a:pt x="38427" y="321276"/>
+                        <a:pt x="34308" y="308919"/>
+                      </a:cubicBezTo>
+                      <a:cubicBezTo>
+                        <a:pt x="36112" y="292680"/>
+                        <a:pt x="46599" y="169050"/>
+                        <a:pt x="59021" y="135924"/>
+                      </a:cubicBezTo>
+                      <a:cubicBezTo>
+                        <a:pt x="73437" y="97482"/>
+                        <a:pt x="124926" y="60410"/>
+                        <a:pt x="157875" y="49427"/>
+                      </a:cubicBezTo>
+                      <a:lnTo>
+                        <a:pt x="232016" y="24713"/>
+                      </a:lnTo>
+                      <a:cubicBezTo>
+                        <a:pt x="244373" y="20594"/>
+                        <a:pt x="257436" y="18181"/>
+                        <a:pt x="269086" y="12356"/>
+                      </a:cubicBezTo>
+                      <a:lnTo>
+                        <a:pt x="293800" y="0"/>
+                      </a:lnTo>
+                    </a:path>
+                  </a:pathLst>
+                </a:custGeom>
+                <a:noFill/>
+                <a:ln w="38100"/>
+              </p:spPr>
+              <p:style>
+                <a:lnRef idx="2">
+                  <a:schemeClr val="accent1">
+                    <a:shade val="50000"/>
+                  </a:schemeClr>
+                </a:lnRef>
+                <a:fillRef idx="1">
+                  <a:schemeClr val="accent1"/>
+                </a:fillRef>
+                <a:effectRef idx="0">
+                  <a:schemeClr val="accent1"/>
+                </a:effectRef>
+                <a:fontRef idx="minor">
+                  <a:schemeClr val="lt1"/>
+                </a:fontRef>
+              </p:style>
+              <p:txBody>
+                <a:bodyPr rtlCol="0" anchor="ctr"/>
+                <a:lstStyle/>
+                <a:p>
+                  <a:pPr algn="ctr"/>
+                  <a:endParaRPr lang="en-US"/>
+                </a:p>
+              </p:txBody>
+            </p:sp>
+            <p:sp>
+              <p:nvSpPr>
+                <p:cNvPr id="11" name="Freeform 10">
+                  <a:extLst>
+                    <a:ext uri="{FF2B5EF4-FFF2-40B4-BE49-F238E27FC236}">
+                      <a16:creationId xmlns:a16="http://schemas.microsoft.com/office/drawing/2014/main" id="{2117AD4C-54A3-0B40-8F8C-B9B5A0904A72}"/>
+                    </a:ext>
+                  </a:extLst>
+                </p:cNvPr>
+                <p:cNvSpPr/>
+                <p:nvPr/>
+              </p:nvSpPr>
+              <p:spPr>
+                <a:xfrm>
+                  <a:off x="2928551" y="420130"/>
+                  <a:ext cx="333632" cy="2125362"/>
+                </a:xfrm>
+                <a:custGeom>
+                  <a:avLst/>
+                  <a:gdLst>
+                    <a:gd name="connsiteX0" fmla="*/ 429127 w 429127"/>
+                    <a:gd name="connsiteY0" fmla="*/ 2125362 h 2125362"/>
+                    <a:gd name="connsiteX1" fmla="*/ 416770 w 429127"/>
+                    <a:gd name="connsiteY1" fmla="*/ 2051221 h 2125362"/>
+                    <a:gd name="connsiteX2" fmla="*/ 293203 w 429127"/>
+                    <a:gd name="connsiteY2" fmla="*/ 1927654 h 2125362"/>
+                    <a:gd name="connsiteX3" fmla="*/ 219062 w 429127"/>
+                    <a:gd name="connsiteY3" fmla="*/ 1878227 h 2125362"/>
+                    <a:gd name="connsiteX4" fmla="*/ 181992 w 429127"/>
+                    <a:gd name="connsiteY4" fmla="*/ 1865870 h 2125362"/>
+                    <a:gd name="connsiteX5" fmla="*/ 120208 w 429127"/>
+                    <a:gd name="connsiteY5" fmla="*/ 1841156 h 2125362"/>
+                    <a:gd name="connsiteX6" fmla="*/ 46068 w 429127"/>
+                    <a:gd name="connsiteY6" fmla="*/ 1828800 h 2125362"/>
+                    <a:gd name="connsiteX7" fmla="*/ 33711 w 429127"/>
+                    <a:gd name="connsiteY7" fmla="*/ 1668162 h 2125362"/>
+                    <a:gd name="connsiteX8" fmla="*/ 70781 w 429127"/>
+                    <a:gd name="connsiteY8" fmla="*/ 1594021 h 2125362"/>
+                    <a:gd name="connsiteX9" fmla="*/ 107851 w 429127"/>
+                    <a:gd name="connsiteY9" fmla="*/ 1556951 h 2125362"/>
+                    <a:gd name="connsiteX10" fmla="*/ 157278 w 429127"/>
+                    <a:gd name="connsiteY10" fmla="*/ 1532238 h 2125362"/>
+                    <a:gd name="connsiteX11" fmla="*/ 194349 w 429127"/>
+                    <a:gd name="connsiteY11" fmla="*/ 1507524 h 2125362"/>
+                    <a:gd name="connsiteX12" fmla="*/ 280846 w 429127"/>
+                    <a:gd name="connsiteY12" fmla="*/ 1482811 h 2125362"/>
+                    <a:gd name="connsiteX13" fmla="*/ 330273 w 429127"/>
+                    <a:gd name="connsiteY13" fmla="*/ 1458097 h 2125362"/>
+                    <a:gd name="connsiteX14" fmla="*/ 367343 w 429127"/>
+                    <a:gd name="connsiteY14" fmla="*/ 1445740 h 2125362"/>
+                    <a:gd name="connsiteX15" fmla="*/ 392057 w 429127"/>
+                    <a:gd name="connsiteY15" fmla="*/ 1408670 h 2125362"/>
+                    <a:gd name="connsiteX16" fmla="*/ 379700 w 429127"/>
+                    <a:gd name="connsiteY16" fmla="*/ 1223319 h 2125362"/>
+                    <a:gd name="connsiteX17" fmla="*/ 268489 w 429127"/>
+                    <a:gd name="connsiteY17" fmla="*/ 1136821 h 2125362"/>
+                    <a:gd name="connsiteX18" fmla="*/ 157278 w 429127"/>
+                    <a:gd name="connsiteY18" fmla="*/ 1037967 h 2125362"/>
+                    <a:gd name="connsiteX19" fmla="*/ 132565 w 429127"/>
+                    <a:gd name="connsiteY19" fmla="*/ 1000897 h 2125362"/>
+                    <a:gd name="connsiteX20" fmla="*/ 157278 w 429127"/>
+                    <a:gd name="connsiteY20" fmla="*/ 815546 h 2125362"/>
+                    <a:gd name="connsiteX21" fmla="*/ 280846 w 429127"/>
+                    <a:gd name="connsiteY21" fmla="*/ 753762 h 2125362"/>
+                    <a:gd name="connsiteX22" fmla="*/ 317916 w 429127"/>
+                    <a:gd name="connsiteY22" fmla="*/ 729048 h 2125362"/>
+                    <a:gd name="connsiteX23" fmla="*/ 379700 w 429127"/>
+                    <a:gd name="connsiteY23" fmla="*/ 617838 h 2125362"/>
+                    <a:gd name="connsiteX24" fmla="*/ 367343 w 429127"/>
+                    <a:gd name="connsiteY24" fmla="*/ 556054 h 2125362"/>
+                    <a:gd name="connsiteX25" fmla="*/ 219062 w 429127"/>
+                    <a:gd name="connsiteY25" fmla="*/ 481913 h 2125362"/>
+                    <a:gd name="connsiteX26" fmla="*/ 181992 w 429127"/>
+                    <a:gd name="connsiteY26" fmla="*/ 469556 h 2125362"/>
+                    <a:gd name="connsiteX27" fmla="*/ 144922 w 429127"/>
+                    <a:gd name="connsiteY27" fmla="*/ 457200 h 2125362"/>
+                    <a:gd name="connsiteX28" fmla="*/ 46068 w 429127"/>
+                    <a:gd name="connsiteY28" fmla="*/ 345989 h 2125362"/>
+                    <a:gd name="connsiteX29" fmla="*/ 33711 w 429127"/>
+                    <a:gd name="connsiteY29" fmla="*/ 308919 h 2125362"/>
+                    <a:gd name="connsiteX30" fmla="*/ 58424 w 429127"/>
+                    <a:gd name="connsiteY30" fmla="*/ 135924 h 2125362"/>
+                    <a:gd name="connsiteX31" fmla="*/ 157278 w 429127"/>
+                    <a:gd name="connsiteY31" fmla="*/ 49427 h 2125362"/>
+                    <a:gd name="connsiteX32" fmla="*/ 231419 w 429127"/>
+                    <a:gd name="connsiteY32" fmla="*/ 24713 h 2125362"/>
+                    <a:gd name="connsiteX33" fmla="*/ 268489 w 429127"/>
+                    <a:gd name="connsiteY33" fmla="*/ 12356 h 2125362"/>
+                    <a:gd name="connsiteX34" fmla="*/ 293203 w 429127"/>
+                    <a:gd name="connsiteY34" fmla="*/ 0 h 2125362"/>
+                    <a:gd name="connsiteX0" fmla="*/ 429724 w 429724"/>
+                    <a:gd name="connsiteY0" fmla="*/ 2125362 h 2125362"/>
+                    <a:gd name="connsiteX1" fmla="*/ 417367 w 429724"/>
+                    <a:gd name="connsiteY1" fmla="*/ 2051221 h 2125362"/>
+                    <a:gd name="connsiteX2" fmla="*/ 293800 w 429724"/>
+                    <a:gd name="connsiteY2" fmla="*/ 1927654 h 2125362"/>
+                    <a:gd name="connsiteX3" fmla="*/ 219659 w 429724"/>
+                    <a:gd name="connsiteY3" fmla="*/ 1878227 h 2125362"/>
+                    <a:gd name="connsiteX4" fmla="*/ 182589 w 429724"/>
+                    <a:gd name="connsiteY4" fmla="*/ 1865870 h 2125362"/>
+                    <a:gd name="connsiteX5" fmla="*/ 120805 w 429724"/>
+                    <a:gd name="connsiteY5" fmla="*/ 1841156 h 2125362"/>
+                    <a:gd name="connsiteX6" fmla="*/ 34309 w 429724"/>
+                    <a:gd name="connsiteY6" fmla="*/ 1754659 h 2125362"/>
+                    <a:gd name="connsiteX7" fmla="*/ 34308 w 429724"/>
+                    <a:gd name="connsiteY7" fmla="*/ 1668162 h 2125362"/>
+                    <a:gd name="connsiteX8" fmla="*/ 71378 w 429724"/>
+                    <a:gd name="connsiteY8" fmla="*/ 1594021 h 2125362"/>
+                    <a:gd name="connsiteX9" fmla="*/ 108448 w 429724"/>
+                    <a:gd name="connsiteY9" fmla="*/ 1556951 h 2125362"/>
+                    <a:gd name="connsiteX10" fmla="*/ 157875 w 429724"/>
+                    <a:gd name="connsiteY10" fmla="*/ 1532238 h 2125362"/>
+                    <a:gd name="connsiteX11" fmla="*/ 194946 w 429724"/>
+                    <a:gd name="connsiteY11" fmla="*/ 1507524 h 2125362"/>
+                    <a:gd name="connsiteX12" fmla="*/ 281443 w 429724"/>
+                    <a:gd name="connsiteY12" fmla="*/ 1482811 h 2125362"/>
+                    <a:gd name="connsiteX13" fmla="*/ 330870 w 429724"/>
+                    <a:gd name="connsiteY13" fmla="*/ 1458097 h 2125362"/>
+                    <a:gd name="connsiteX14" fmla="*/ 367940 w 429724"/>
+                    <a:gd name="connsiteY14" fmla="*/ 1445740 h 2125362"/>
+                    <a:gd name="connsiteX15" fmla="*/ 392654 w 429724"/>
+                    <a:gd name="connsiteY15" fmla="*/ 1408670 h 2125362"/>
+                    <a:gd name="connsiteX16" fmla="*/ 380297 w 429724"/>
+                    <a:gd name="connsiteY16" fmla="*/ 1223319 h 2125362"/>
+                    <a:gd name="connsiteX17" fmla="*/ 269086 w 429724"/>
+                    <a:gd name="connsiteY17" fmla="*/ 1136821 h 2125362"/>
+                    <a:gd name="connsiteX18" fmla="*/ 157875 w 429724"/>
+                    <a:gd name="connsiteY18" fmla="*/ 1037967 h 2125362"/>
+                    <a:gd name="connsiteX19" fmla="*/ 133162 w 429724"/>
+                    <a:gd name="connsiteY19" fmla="*/ 1000897 h 2125362"/>
+                    <a:gd name="connsiteX20" fmla="*/ 157875 w 429724"/>
+                    <a:gd name="connsiteY20" fmla="*/ 815546 h 2125362"/>
+                    <a:gd name="connsiteX21" fmla="*/ 281443 w 429724"/>
+                    <a:gd name="connsiteY21" fmla="*/ 753762 h 2125362"/>
+                    <a:gd name="connsiteX22" fmla="*/ 318513 w 429724"/>
+                    <a:gd name="connsiteY22" fmla="*/ 729048 h 2125362"/>
+                    <a:gd name="connsiteX23" fmla="*/ 380297 w 429724"/>
+                    <a:gd name="connsiteY23" fmla="*/ 617838 h 2125362"/>
+                    <a:gd name="connsiteX24" fmla="*/ 367940 w 429724"/>
+                    <a:gd name="connsiteY24" fmla="*/ 556054 h 2125362"/>
+                    <a:gd name="connsiteX25" fmla="*/ 219659 w 429724"/>
+                    <a:gd name="connsiteY25" fmla="*/ 481913 h 2125362"/>
+                    <a:gd name="connsiteX26" fmla="*/ 182589 w 429724"/>
+                    <a:gd name="connsiteY26" fmla="*/ 469556 h 2125362"/>
+                    <a:gd name="connsiteX27" fmla="*/ 145519 w 429724"/>
+                    <a:gd name="connsiteY27" fmla="*/ 457200 h 2125362"/>
+                    <a:gd name="connsiteX28" fmla="*/ 46665 w 429724"/>
+                    <a:gd name="connsiteY28" fmla="*/ 345989 h 2125362"/>
+                    <a:gd name="connsiteX29" fmla="*/ 34308 w 429724"/>
+                    <a:gd name="connsiteY29" fmla="*/ 308919 h 2125362"/>
+                    <a:gd name="connsiteX30" fmla="*/ 59021 w 429724"/>
+                    <a:gd name="connsiteY30" fmla="*/ 135924 h 2125362"/>
+                    <a:gd name="connsiteX31" fmla="*/ 157875 w 429724"/>
+                    <a:gd name="connsiteY31" fmla="*/ 49427 h 2125362"/>
+                    <a:gd name="connsiteX32" fmla="*/ 232016 w 429724"/>
+                    <a:gd name="connsiteY32" fmla="*/ 24713 h 2125362"/>
+                    <a:gd name="connsiteX33" fmla="*/ 269086 w 429724"/>
+                    <a:gd name="connsiteY33" fmla="*/ 12356 h 2125362"/>
+                    <a:gd name="connsiteX34" fmla="*/ 293800 w 429724"/>
+                    <a:gd name="connsiteY34" fmla="*/ 0 h 2125362"/>
+                  </a:gdLst>
+                  <a:ahLst/>
+                  <a:cxnLst>
+                    <a:cxn ang="0">
+                      <a:pos x="connsiteX0" y="connsiteY0"/>
+                    </a:cxn>
+                    <a:cxn ang="0">
+                      <a:pos x="connsiteX1" y="connsiteY1"/>
+                    </a:cxn>
+                    <a:cxn ang="0">
+                      <a:pos x="connsiteX2" y="connsiteY2"/>
+                    </a:cxn>
+                    <a:cxn ang="0">
+                      <a:pos x="connsiteX3" y="connsiteY3"/>
+                    </a:cxn>
+                    <a:cxn ang="0">
+                      <a:pos x="connsiteX4" y="connsiteY4"/>
+                    </a:cxn>
+                    <a:cxn ang="0">
+                      <a:pos x="connsiteX5" y="connsiteY5"/>
+                    </a:cxn>
+                    <a:cxn ang="0">
+                      <a:pos x="connsiteX6" y="connsiteY6"/>
+                    </a:cxn>
+                    <a:cxn ang="0">
+                      <a:pos x="connsiteX7" y="connsiteY7"/>
+                    </a:cxn>
+                    <a:cxn ang="0">
+                      <a:pos x="connsiteX8" y="connsiteY8"/>
+                    </a:cxn>
+                    <a:cxn ang="0">
+                      <a:pos x="connsiteX9" y="connsiteY9"/>
+                    </a:cxn>
+                    <a:cxn ang="0">
+                      <a:pos x="connsiteX10" y="connsiteY10"/>
+                    </a:cxn>
+                    <a:cxn ang="0">
+                      <a:pos x="connsiteX11" y="connsiteY11"/>
+                    </a:cxn>
+                    <a:cxn ang="0">
+                      <a:pos x="connsiteX12" y="connsiteY12"/>
+                    </a:cxn>
+                    <a:cxn ang="0">
+                      <a:pos x="connsiteX13" y="connsiteY13"/>
+                    </a:cxn>
+                    <a:cxn ang="0">
+                      <a:pos x="connsiteX14" y="connsiteY14"/>
+                    </a:cxn>
+                    <a:cxn ang="0">
+                      <a:pos x="connsiteX15" y="connsiteY15"/>
+                    </a:cxn>
+                    <a:cxn ang="0">
+                      <a:pos x="connsiteX16" y="connsiteY16"/>
+                    </a:cxn>
+                    <a:cxn ang="0">
+                      <a:pos x="connsiteX17" y="connsiteY17"/>
+                    </a:cxn>
+                    <a:cxn ang="0">
+                      <a:pos x="connsiteX18" y="connsiteY18"/>
+                    </a:cxn>
+                    <a:cxn ang="0">
+                      <a:pos x="connsiteX19" y="connsiteY19"/>
+                    </a:cxn>
+                    <a:cxn ang="0">
+                      <a:pos x="connsiteX20" y="connsiteY20"/>
+                    </a:cxn>
+                    <a:cxn ang="0">
+                      <a:pos x="connsiteX21" y="connsiteY21"/>
+                    </a:cxn>
+                    <a:cxn ang="0">
+                      <a:pos x="connsiteX22" y="connsiteY22"/>
+                    </a:cxn>
+                    <a:cxn ang="0">
+                      <a:pos x="connsiteX23" y="connsiteY23"/>
+                    </a:cxn>
+                    <a:cxn ang="0">
+                      <a:pos x="connsiteX24" y="connsiteY24"/>
+                    </a:cxn>
+                    <a:cxn ang="0">
+                      <a:pos x="connsiteX25" y="connsiteY25"/>
+                    </a:cxn>
+                    <a:cxn ang="0">
+                      <a:pos x="connsiteX26" y="connsiteY26"/>
+                    </a:cxn>
+                    <a:cxn ang="0">
+                      <a:pos x="connsiteX27" y="connsiteY27"/>
+                    </a:cxn>
+                    <a:cxn ang="0">
+                      <a:pos x="connsiteX28" y="connsiteY28"/>
+                    </a:cxn>
+                    <a:cxn ang="0">
+                      <a:pos x="connsiteX29" y="connsiteY29"/>
+                    </a:cxn>
+                    <a:cxn ang="0">
+                      <a:pos x="connsiteX30" y="connsiteY30"/>
+                    </a:cxn>
+                    <a:cxn ang="0">
+                      <a:pos x="connsiteX31" y="connsiteY31"/>
+                    </a:cxn>
+                    <a:cxn ang="0">
+                      <a:pos x="connsiteX32" y="connsiteY32"/>
+                    </a:cxn>
+                    <a:cxn ang="0">
+                      <a:pos x="connsiteX33" y="connsiteY33"/>
+                    </a:cxn>
+                    <a:cxn ang="0">
+                      <a:pos x="connsiteX34" y="connsiteY34"/>
+                    </a:cxn>
+                  </a:cxnLst>
+                  <a:rect l="l" t="t" r="r" b="b"/>
+                  <a:pathLst>
+                    <a:path w="429724" h="2125362">
+                      <a:moveTo>
+                        <a:pt x="429724" y="2125362"/>
+                      </a:moveTo>
+                      <a:cubicBezTo>
+                        <a:pt x="425605" y="2100648"/>
+                        <a:pt x="427003" y="2074348"/>
+                        <a:pt x="417367" y="2051221"/>
+                      </a:cubicBezTo>
+                      <a:cubicBezTo>
+                        <a:pt x="385683" y="1975180"/>
+                        <a:pt x="358435" y="1970744"/>
+                        <a:pt x="293800" y="1927654"/>
+                      </a:cubicBezTo>
+                      <a:lnTo>
+                        <a:pt x="219659" y="1878227"/>
+                      </a:lnTo>
+                      <a:cubicBezTo>
+                        <a:pt x="207302" y="1874108"/>
+                        <a:pt x="194785" y="1870444"/>
+                        <a:pt x="182589" y="1865870"/>
+                      </a:cubicBezTo>
+                      <a:cubicBezTo>
+                        <a:pt x="161820" y="1858082"/>
+                        <a:pt x="145518" y="1859691"/>
+                        <a:pt x="120805" y="1841156"/>
+                      </a:cubicBezTo>
+                      <a:cubicBezTo>
+                        <a:pt x="96092" y="1822621"/>
+                        <a:pt x="59022" y="1758778"/>
+                        <a:pt x="34309" y="1754659"/>
+                      </a:cubicBezTo>
+                      <a:cubicBezTo>
+                        <a:pt x="-39699" y="1705320"/>
+                        <a:pt x="28130" y="1694935"/>
+                        <a:pt x="34308" y="1668162"/>
+                      </a:cubicBezTo>
+                      <a:cubicBezTo>
+                        <a:pt x="40486" y="1641389"/>
+                        <a:pt x="51553" y="1617812"/>
+                        <a:pt x="71378" y="1594021"/>
+                      </a:cubicBezTo>
+                      <a:cubicBezTo>
+                        <a:pt x="82565" y="1580596"/>
+                        <a:pt x="94228" y="1567108"/>
+                        <a:pt x="108448" y="1556951"/>
+                      </a:cubicBezTo>
+                      <a:cubicBezTo>
+                        <a:pt x="123437" y="1546244"/>
+                        <a:pt x="141882" y="1541377"/>
+                        <a:pt x="157875" y="1532238"/>
+                      </a:cubicBezTo>
+                      <a:cubicBezTo>
+                        <a:pt x="170770" y="1524870"/>
+                        <a:pt x="181663" y="1514166"/>
+                        <a:pt x="194946" y="1507524"/>
+                      </a:cubicBezTo>
+                      <a:cubicBezTo>
+                        <a:pt x="212677" y="1498659"/>
+                        <a:pt x="265602" y="1486771"/>
+                        <a:pt x="281443" y="1482811"/>
+                      </a:cubicBezTo>
+                      <a:cubicBezTo>
+                        <a:pt x="297919" y="1474573"/>
+                        <a:pt x="313939" y="1465353"/>
+                        <a:pt x="330870" y="1458097"/>
+                      </a:cubicBezTo>
+                      <a:cubicBezTo>
+                        <a:pt x="342842" y="1452966"/>
+                        <a:pt x="357769" y="1453877"/>
+                        <a:pt x="367940" y="1445740"/>
+                      </a:cubicBezTo>
+                      <a:cubicBezTo>
+                        <a:pt x="379537" y="1436463"/>
+                        <a:pt x="384416" y="1421027"/>
+                        <a:pt x="392654" y="1408670"/>
+                      </a:cubicBezTo>
+                      <a:cubicBezTo>
+                        <a:pt x="388535" y="1346886"/>
+                        <a:pt x="399878" y="1282062"/>
+                        <a:pt x="380297" y="1223319"/>
+                      </a:cubicBezTo>
+                      <a:cubicBezTo>
+                        <a:pt x="359459" y="1160805"/>
+                        <a:pt x="316016" y="1152464"/>
+                        <a:pt x="269086" y="1136821"/>
+                      </a:cubicBezTo>
+                      <a:cubicBezTo>
+                        <a:pt x="184445" y="1052180"/>
+                        <a:pt x="224026" y="1082068"/>
+                        <a:pt x="157875" y="1037967"/>
+                      </a:cubicBezTo>
+                      <a:cubicBezTo>
+                        <a:pt x="149637" y="1025610"/>
+                        <a:pt x="133162" y="1015748"/>
+                        <a:pt x="133162" y="1000897"/>
+                      </a:cubicBezTo>
+                      <a:cubicBezTo>
+                        <a:pt x="133162" y="938567"/>
+                        <a:pt x="133687" y="872992"/>
+                        <a:pt x="157875" y="815546"/>
+                      </a:cubicBezTo>
+                      <a:cubicBezTo>
+                        <a:pt x="175183" y="774440"/>
+                        <a:pt x="243776" y="763179"/>
+                        <a:pt x="281443" y="753762"/>
+                      </a:cubicBezTo>
+                      <a:cubicBezTo>
+                        <a:pt x="293800" y="745524"/>
+                        <a:pt x="308734" y="740225"/>
+                        <a:pt x="318513" y="729048"/>
+                      </a:cubicBezTo>
+                      <a:cubicBezTo>
+                        <a:pt x="364270" y="676754"/>
+                        <a:pt x="363325" y="668753"/>
+                        <a:pt x="380297" y="617838"/>
+                      </a:cubicBezTo>
+                      <a:cubicBezTo>
+                        <a:pt x="376178" y="597243"/>
+                        <a:pt x="380834" y="572632"/>
+                        <a:pt x="367940" y="556054"/>
+                      </a:cubicBezTo>
+                      <a:cubicBezTo>
+                        <a:pt x="334405" y="512937"/>
+                        <a:pt x="267354" y="497812"/>
+                        <a:pt x="219659" y="481913"/>
+                      </a:cubicBezTo>
+                      <a:lnTo>
+                        <a:pt x="182589" y="469556"/>
+                      </a:lnTo>
+                      <a:lnTo>
+                        <a:pt x="145519" y="457200"/>
+                      </a:lnTo>
+                      <a:cubicBezTo>
+                        <a:pt x="112768" y="424449"/>
+                        <a:pt x="68716" y="390091"/>
+                        <a:pt x="46665" y="345989"/>
+                      </a:cubicBezTo>
+                      <a:cubicBezTo>
+                        <a:pt x="40840" y="334339"/>
+                        <a:pt x="38427" y="321276"/>
+                        <a:pt x="34308" y="308919"/>
+                      </a:cubicBezTo>
+                      <a:cubicBezTo>
+                        <a:pt x="36112" y="292680"/>
+                        <a:pt x="46599" y="169050"/>
+                        <a:pt x="59021" y="135924"/>
+                      </a:cubicBezTo>
+                      <a:cubicBezTo>
+                        <a:pt x="73437" y="97482"/>
+                        <a:pt x="124926" y="60410"/>
+                        <a:pt x="157875" y="49427"/>
+                      </a:cubicBezTo>
+                      <a:lnTo>
+                        <a:pt x="232016" y="24713"/>
+                      </a:lnTo>
+                      <a:cubicBezTo>
+                        <a:pt x="244373" y="20594"/>
+                        <a:pt x="257436" y="18181"/>
+                        <a:pt x="269086" y="12356"/>
+                      </a:cubicBezTo>
+                      <a:lnTo>
+                        <a:pt x="293800" y="0"/>
+                      </a:lnTo>
+                    </a:path>
+                  </a:pathLst>
+                </a:custGeom>
+                <a:noFill/>
+                <a:ln w="38100"/>
+              </p:spPr>
+              <p:style>
+                <a:lnRef idx="2">
+                  <a:schemeClr val="accent1">
+                    <a:shade val="50000"/>
+                  </a:schemeClr>
+                </a:lnRef>
+                <a:fillRef idx="1">
+                  <a:schemeClr val="accent1"/>
+                </a:fillRef>
+                <a:effectRef idx="0">
+                  <a:schemeClr val="accent1"/>
+                </a:effectRef>
+                <a:fontRef idx="minor">
+                  <a:schemeClr val="lt1"/>
+                </a:fontRef>
+              </p:style>
+              <p:txBody>
+                <a:bodyPr rtlCol="0" anchor="ctr"/>
+                <a:lstStyle/>
+                <a:p>
+                  <a:pPr algn="ctr"/>
+                  <a:endParaRPr lang="en-US"/>
+                </a:p>
+              </p:txBody>
+            </p:sp>
+          </p:grpSp>
+          <p:grpSp>
+            <p:nvGrpSpPr>
+              <p:cNvPr id="12" name="Group 11">
+                <a:extLst>
+                  <a:ext uri="{FF2B5EF4-FFF2-40B4-BE49-F238E27FC236}">
+                    <a16:creationId xmlns:a16="http://schemas.microsoft.com/office/drawing/2014/main" id="{0598A86E-006E-E84F-A7D0-46613728DF80}"/>
+                  </a:ext>
+                </a:extLst>
+              </p:cNvPr>
+              <p:cNvGrpSpPr/>
+              <p:nvPr/>
+            </p:nvGrpSpPr>
+            <p:grpSpPr>
+              <a:xfrm>
+                <a:off x="3892572" y="1746418"/>
+                <a:ext cx="662771" cy="2619632"/>
+                <a:chOff x="2656703" y="420130"/>
+                <a:chExt cx="729048" cy="2619632"/>
+              </a:xfrm>
+            </p:grpSpPr>
+            <p:sp>
+              <p:nvSpPr>
+                <p:cNvPr id="13" name="Oval 12">
+                  <a:extLst>
+                    <a:ext uri="{FF2B5EF4-FFF2-40B4-BE49-F238E27FC236}">
+                      <a16:creationId xmlns:a16="http://schemas.microsoft.com/office/drawing/2014/main" id="{B42D6A77-15BB-C447-8F79-01B86309E5BD}"/>
+                    </a:ext>
+                  </a:extLst>
+                </p:cNvPr>
+                <p:cNvSpPr/>
+                <p:nvPr/>
+              </p:nvSpPr>
+              <p:spPr>
+                <a:xfrm>
+                  <a:off x="2804984" y="2483708"/>
+                  <a:ext cx="580767" cy="556054"/>
+                </a:xfrm>
+                <a:prstGeom prst="ellipse">
+                  <a:avLst/>
+                </a:prstGeom>
+                <a:solidFill>
+                  <a:schemeClr val="accent6">
+                    <a:lumMod val="40000"/>
+                    <a:lumOff val="60000"/>
+                  </a:schemeClr>
+                </a:solidFill>
+              </p:spPr>
+              <p:style>
+                <a:lnRef idx="2">
+                  <a:schemeClr val="accent1">
+                    <a:shade val="50000"/>
+                  </a:schemeClr>
+                </a:lnRef>
+                <a:fillRef idx="1">
+                  <a:schemeClr val="accent1"/>
+                </a:fillRef>
+                <a:effectRef idx="0">
+                  <a:schemeClr val="accent1"/>
+                </a:effectRef>
+                <a:fontRef idx="minor">
+                  <a:schemeClr val="lt1"/>
+                </a:fontRef>
+              </p:style>
+              <p:txBody>
+                <a:bodyPr rtlCol="0" anchor="ctr"/>
+                <a:lstStyle/>
+                <a:p>
+                  <a:pPr algn="ctr"/>
+                  <a:endParaRPr lang="en-US"/>
+                </a:p>
+              </p:txBody>
+            </p:sp>
+            <p:sp>
+              <p:nvSpPr>
+                <p:cNvPr id="14" name="Freeform 13">
+                  <a:extLst>
+                    <a:ext uri="{FF2B5EF4-FFF2-40B4-BE49-F238E27FC236}">
+                      <a16:creationId xmlns:a16="http://schemas.microsoft.com/office/drawing/2014/main" id="{6CF4A746-A109-7447-BD20-3EF74E4C2A34}"/>
+                    </a:ext>
+                  </a:extLst>
+                </p:cNvPr>
+                <p:cNvSpPr/>
+                <p:nvPr/>
+              </p:nvSpPr>
+              <p:spPr>
+                <a:xfrm>
+                  <a:off x="2656703" y="420130"/>
+                  <a:ext cx="333632" cy="2125362"/>
+                </a:xfrm>
+                <a:custGeom>
+                  <a:avLst/>
+                  <a:gdLst>
+                    <a:gd name="connsiteX0" fmla="*/ 429127 w 429127"/>
+                    <a:gd name="connsiteY0" fmla="*/ 2125362 h 2125362"/>
+                    <a:gd name="connsiteX1" fmla="*/ 416770 w 429127"/>
+                    <a:gd name="connsiteY1" fmla="*/ 2051221 h 2125362"/>
+                    <a:gd name="connsiteX2" fmla="*/ 293203 w 429127"/>
+                    <a:gd name="connsiteY2" fmla="*/ 1927654 h 2125362"/>
+                    <a:gd name="connsiteX3" fmla="*/ 219062 w 429127"/>
+                    <a:gd name="connsiteY3" fmla="*/ 1878227 h 2125362"/>
+                    <a:gd name="connsiteX4" fmla="*/ 181992 w 429127"/>
+                    <a:gd name="connsiteY4" fmla="*/ 1865870 h 2125362"/>
+                    <a:gd name="connsiteX5" fmla="*/ 120208 w 429127"/>
+                    <a:gd name="connsiteY5" fmla="*/ 1841156 h 2125362"/>
+                    <a:gd name="connsiteX6" fmla="*/ 46068 w 429127"/>
+                    <a:gd name="connsiteY6" fmla="*/ 1828800 h 2125362"/>
+                    <a:gd name="connsiteX7" fmla="*/ 33711 w 429127"/>
+                    <a:gd name="connsiteY7" fmla="*/ 1668162 h 2125362"/>
+                    <a:gd name="connsiteX8" fmla="*/ 70781 w 429127"/>
+                    <a:gd name="connsiteY8" fmla="*/ 1594021 h 2125362"/>
+                    <a:gd name="connsiteX9" fmla="*/ 107851 w 429127"/>
+                    <a:gd name="connsiteY9" fmla="*/ 1556951 h 2125362"/>
+                    <a:gd name="connsiteX10" fmla="*/ 157278 w 429127"/>
+                    <a:gd name="connsiteY10" fmla="*/ 1532238 h 2125362"/>
+                    <a:gd name="connsiteX11" fmla="*/ 194349 w 429127"/>
+                    <a:gd name="connsiteY11" fmla="*/ 1507524 h 2125362"/>
+                    <a:gd name="connsiteX12" fmla="*/ 280846 w 429127"/>
+                    <a:gd name="connsiteY12" fmla="*/ 1482811 h 2125362"/>
+                    <a:gd name="connsiteX13" fmla="*/ 330273 w 429127"/>
+                    <a:gd name="connsiteY13" fmla="*/ 1458097 h 2125362"/>
+                    <a:gd name="connsiteX14" fmla="*/ 367343 w 429127"/>
+                    <a:gd name="connsiteY14" fmla="*/ 1445740 h 2125362"/>
+                    <a:gd name="connsiteX15" fmla="*/ 392057 w 429127"/>
+                    <a:gd name="connsiteY15" fmla="*/ 1408670 h 2125362"/>
+                    <a:gd name="connsiteX16" fmla="*/ 379700 w 429127"/>
+                    <a:gd name="connsiteY16" fmla="*/ 1223319 h 2125362"/>
+                    <a:gd name="connsiteX17" fmla="*/ 268489 w 429127"/>
+                    <a:gd name="connsiteY17" fmla="*/ 1136821 h 2125362"/>
+                    <a:gd name="connsiteX18" fmla="*/ 157278 w 429127"/>
+                    <a:gd name="connsiteY18" fmla="*/ 1037967 h 2125362"/>
+                    <a:gd name="connsiteX19" fmla="*/ 132565 w 429127"/>
+                    <a:gd name="connsiteY19" fmla="*/ 1000897 h 2125362"/>
+                    <a:gd name="connsiteX20" fmla="*/ 157278 w 429127"/>
+                    <a:gd name="connsiteY20" fmla="*/ 815546 h 2125362"/>
+                    <a:gd name="connsiteX21" fmla="*/ 280846 w 429127"/>
+                    <a:gd name="connsiteY21" fmla="*/ 753762 h 2125362"/>
+                    <a:gd name="connsiteX22" fmla="*/ 317916 w 429127"/>
+                    <a:gd name="connsiteY22" fmla="*/ 729048 h 2125362"/>
+                    <a:gd name="connsiteX23" fmla="*/ 379700 w 429127"/>
+                    <a:gd name="connsiteY23" fmla="*/ 617838 h 2125362"/>
+                    <a:gd name="connsiteX24" fmla="*/ 367343 w 429127"/>
+                    <a:gd name="connsiteY24" fmla="*/ 556054 h 2125362"/>
+                    <a:gd name="connsiteX25" fmla="*/ 219062 w 429127"/>
+                    <a:gd name="connsiteY25" fmla="*/ 481913 h 2125362"/>
+                    <a:gd name="connsiteX26" fmla="*/ 181992 w 429127"/>
+                    <a:gd name="connsiteY26" fmla="*/ 469556 h 2125362"/>
+                    <a:gd name="connsiteX27" fmla="*/ 144922 w 429127"/>
+                    <a:gd name="connsiteY27" fmla="*/ 457200 h 2125362"/>
+                    <a:gd name="connsiteX28" fmla="*/ 46068 w 429127"/>
+                    <a:gd name="connsiteY28" fmla="*/ 345989 h 2125362"/>
+                    <a:gd name="connsiteX29" fmla="*/ 33711 w 429127"/>
+                    <a:gd name="connsiteY29" fmla="*/ 308919 h 2125362"/>
+                    <a:gd name="connsiteX30" fmla="*/ 58424 w 429127"/>
+                    <a:gd name="connsiteY30" fmla="*/ 135924 h 2125362"/>
+                    <a:gd name="connsiteX31" fmla="*/ 157278 w 429127"/>
+                    <a:gd name="connsiteY31" fmla="*/ 49427 h 2125362"/>
+                    <a:gd name="connsiteX32" fmla="*/ 231419 w 429127"/>
+                    <a:gd name="connsiteY32" fmla="*/ 24713 h 2125362"/>
+                    <a:gd name="connsiteX33" fmla="*/ 268489 w 429127"/>
+                    <a:gd name="connsiteY33" fmla="*/ 12356 h 2125362"/>
+                    <a:gd name="connsiteX34" fmla="*/ 293203 w 429127"/>
+                    <a:gd name="connsiteY34" fmla="*/ 0 h 2125362"/>
+                    <a:gd name="connsiteX0" fmla="*/ 429724 w 429724"/>
+                    <a:gd name="connsiteY0" fmla="*/ 2125362 h 2125362"/>
+                    <a:gd name="connsiteX1" fmla="*/ 417367 w 429724"/>
+                    <a:gd name="connsiteY1" fmla="*/ 2051221 h 2125362"/>
+                    <a:gd name="connsiteX2" fmla="*/ 293800 w 429724"/>
+                    <a:gd name="connsiteY2" fmla="*/ 1927654 h 2125362"/>
+                    <a:gd name="connsiteX3" fmla="*/ 219659 w 429724"/>
+                    <a:gd name="connsiteY3" fmla="*/ 1878227 h 2125362"/>
+                    <a:gd name="connsiteX4" fmla="*/ 182589 w 429724"/>
+                    <a:gd name="connsiteY4" fmla="*/ 1865870 h 2125362"/>
+                    <a:gd name="connsiteX5" fmla="*/ 120805 w 429724"/>
+                    <a:gd name="connsiteY5" fmla="*/ 1841156 h 2125362"/>
+                    <a:gd name="connsiteX6" fmla="*/ 34309 w 429724"/>
+                    <a:gd name="connsiteY6" fmla="*/ 1754659 h 2125362"/>
+                    <a:gd name="connsiteX7" fmla="*/ 34308 w 429724"/>
+                    <a:gd name="connsiteY7" fmla="*/ 1668162 h 2125362"/>
+                    <a:gd name="connsiteX8" fmla="*/ 71378 w 429724"/>
+                    <a:gd name="connsiteY8" fmla="*/ 1594021 h 2125362"/>
+                    <a:gd name="connsiteX9" fmla="*/ 108448 w 429724"/>
+                    <a:gd name="connsiteY9" fmla="*/ 1556951 h 2125362"/>
+                    <a:gd name="connsiteX10" fmla="*/ 157875 w 429724"/>
+                    <a:gd name="connsiteY10" fmla="*/ 1532238 h 2125362"/>
+                    <a:gd name="connsiteX11" fmla="*/ 194946 w 429724"/>
+                    <a:gd name="connsiteY11" fmla="*/ 1507524 h 2125362"/>
+                    <a:gd name="connsiteX12" fmla="*/ 281443 w 429724"/>
+                    <a:gd name="connsiteY12" fmla="*/ 1482811 h 2125362"/>
+                    <a:gd name="connsiteX13" fmla="*/ 330870 w 429724"/>
+                    <a:gd name="connsiteY13" fmla="*/ 1458097 h 2125362"/>
+                    <a:gd name="connsiteX14" fmla="*/ 367940 w 429724"/>
+                    <a:gd name="connsiteY14" fmla="*/ 1445740 h 2125362"/>
+                    <a:gd name="connsiteX15" fmla="*/ 392654 w 429724"/>
+                    <a:gd name="connsiteY15" fmla="*/ 1408670 h 2125362"/>
+                    <a:gd name="connsiteX16" fmla="*/ 380297 w 429724"/>
+                    <a:gd name="connsiteY16" fmla="*/ 1223319 h 2125362"/>
+                    <a:gd name="connsiteX17" fmla="*/ 269086 w 429724"/>
+                    <a:gd name="connsiteY17" fmla="*/ 1136821 h 2125362"/>
+                    <a:gd name="connsiteX18" fmla="*/ 157875 w 429724"/>
+                    <a:gd name="connsiteY18" fmla="*/ 1037967 h 2125362"/>
+                    <a:gd name="connsiteX19" fmla="*/ 133162 w 429724"/>
+                    <a:gd name="connsiteY19" fmla="*/ 1000897 h 2125362"/>
+                    <a:gd name="connsiteX20" fmla="*/ 157875 w 429724"/>
+                    <a:gd name="connsiteY20" fmla="*/ 815546 h 2125362"/>
+                    <a:gd name="connsiteX21" fmla="*/ 281443 w 429724"/>
+                    <a:gd name="connsiteY21" fmla="*/ 753762 h 2125362"/>
+                    <a:gd name="connsiteX22" fmla="*/ 318513 w 429724"/>
+                    <a:gd name="connsiteY22" fmla="*/ 729048 h 2125362"/>
+                    <a:gd name="connsiteX23" fmla="*/ 380297 w 429724"/>
+                    <a:gd name="connsiteY23" fmla="*/ 617838 h 2125362"/>
+                    <a:gd name="connsiteX24" fmla="*/ 367940 w 429724"/>
+                    <a:gd name="connsiteY24" fmla="*/ 556054 h 2125362"/>
+                    <a:gd name="connsiteX25" fmla="*/ 219659 w 429724"/>
+                    <a:gd name="connsiteY25" fmla="*/ 481913 h 2125362"/>
+                    <a:gd name="connsiteX26" fmla="*/ 182589 w 429724"/>
+                    <a:gd name="connsiteY26" fmla="*/ 469556 h 2125362"/>
+                    <a:gd name="connsiteX27" fmla="*/ 145519 w 429724"/>
+                    <a:gd name="connsiteY27" fmla="*/ 457200 h 2125362"/>
+                    <a:gd name="connsiteX28" fmla="*/ 46665 w 429724"/>
+                    <a:gd name="connsiteY28" fmla="*/ 345989 h 2125362"/>
+                    <a:gd name="connsiteX29" fmla="*/ 34308 w 429724"/>
+                    <a:gd name="connsiteY29" fmla="*/ 308919 h 2125362"/>
+                    <a:gd name="connsiteX30" fmla="*/ 59021 w 429724"/>
+                    <a:gd name="connsiteY30" fmla="*/ 135924 h 2125362"/>
+                    <a:gd name="connsiteX31" fmla="*/ 157875 w 429724"/>
+                    <a:gd name="connsiteY31" fmla="*/ 49427 h 2125362"/>
+                    <a:gd name="connsiteX32" fmla="*/ 232016 w 429724"/>
+                    <a:gd name="connsiteY32" fmla="*/ 24713 h 2125362"/>
+                    <a:gd name="connsiteX33" fmla="*/ 269086 w 429724"/>
+                    <a:gd name="connsiteY33" fmla="*/ 12356 h 2125362"/>
+                    <a:gd name="connsiteX34" fmla="*/ 293800 w 429724"/>
+                    <a:gd name="connsiteY34" fmla="*/ 0 h 2125362"/>
+                  </a:gdLst>
+                  <a:ahLst/>
+                  <a:cxnLst>
+                    <a:cxn ang="0">
+                      <a:pos x="connsiteX0" y="connsiteY0"/>
+                    </a:cxn>
+                    <a:cxn ang="0">
+                      <a:pos x="connsiteX1" y="connsiteY1"/>
+                    </a:cxn>
+                    <a:cxn ang="0">
+                      <a:pos x="connsiteX2" y="connsiteY2"/>
+                    </a:cxn>
+                    <a:cxn ang="0">
+                      <a:pos x="connsiteX3" y="connsiteY3"/>
+                    </a:cxn>
+                    <a:cxn ang="0">
+                      <a:pos x="connsiteX4" y="connsiteY4"/>
+                    </a:cxn>
+                    <a:cxn ang="0">
+                      <a:pos x="connsiteX5" y="connsiteY5"/>
+                    </a:cxn>
+                    <a:cxn ang="0">
+                      <a:pos x="connsiteX6" y="connsiteY6"/>
+                    </a:cxn>
+                    <a:cxn ang="0">
+                      <a:pos x="connsiteX7" y="connsiteY7"/>
+                    </a:cxn>
+                    <a:cxn ang="0">
+                      <a:pos x="connsiteX8" y="connsiteY8"/>
+                    </a:cxn>
+                    <a:cxn ang="0">
+                      <a:pos x="connsiteX9" y="connsiteY9"/>
+                    </a:cxn>
+                    <a:cxn ang="0">
+                      <a:pos x="connsiteX10" y="connsiteY10"/>
+                    </a:cxn>
+                    <a:cxn ang="0">
+                      <a:pos x="connsiteX11" y="connsiteY11"/>
+                    </a:cxn>
+                    <a:cxn ang="0">
+                      <a:pos x="connsiteX12" y="connsiteY12"/>
+                    </a:cxn>
+                    <a:cxn ang="0">
+                      <a:pos x="connsiteX13" y="connsiteY13"/>
+                    </a:cxn>
+                    <a:cxn ang="0">
+                      <a:pos x="connsiteX14" y="connsiteY14"/>
+                    </a:cxn>
+                    <a:cxn ang="0">
+                      <a:pos x="connsiteX15" y="connsiteY15"/>
+                    </a:cxn>
+                    <a:cxn ang="0">
+                      <a:pos x="connsiteX16" y="connsiteY16"/>
+                    </a:cxn>
+                    <a:cxn ang="0">
+                      <a:pos x="connsiteX17" y="connsiteY17"/>
+                    </a:cxn>
+                    <a:cxn ang="0">
+                      <a:pos x="connsiteX18" y="connsiteY18"/>
+                    </a:cxn>
+                    <a:cxn ang="0">
+                      <a:pos x="connsiteX19" y="connsiteY19"/>
+                    </a:cxn>
+                    <a:cxn ang="0">
+                      <a:pos x="connsiteX20" y="connsiteY20"/>
+                    </a:cxn>
+                    <a:cxn ang="0">
+                      <a:pos x="connsiteX21" y="connsiteY21"/>
+                    </a:cxn>
+                    <a:cxn ang="0">
+                      <a:pos x="connsiteX22" y="connsiteY22"/>
+                    </a:cxn>
+                    <a:cxn ang="0">
+                      <a:pos x="connsiteX23" y="connsiteY23"/>
+                    </a:cxn>
+                    <a:cxn ang="0">
+                      <a:pos x="connsiteX24" y="connsiteY24"/>
+                    </a:cxn>
+                    <a:cxn ang="0">
+                      <a:pos x="connsiteX25" y="connsiteY25"/>
+                    </a:cxn>
+                    <a:cxn ang="0">
+                      <a:pos x="connsiteX26" y="connsiteY26"/>
+                    </a:cxn>
+                    <a:cxn ang="0">
+                      <a:pos x="connsiteX27" y="connsiteY27"/>
+                    </a:cxn>
+                    <a:cxn ang="0">
+                      <a:pos x="connsiteX28" y="connsiteY28"/>
+                    </a:cxn>
+                    <a:cxn ang="0">
+                      <a:pos x="connsiteX29" y="connsiteY29"/>
+                    </a:cxn>
+                    <a:cxn ang="0">
+                      <a:pos x="connsiteX30" y="connsiteY30"/>
+                    </a:cxn>
+                    <a:cxn ang="0">
+                      <a:pos x="connsiteX31" y="connsiteY31"/>
+                    </a:cxn>
+                    <a:cxn ang="0">
+                      <a:pos x="connsiteX32" y="connsiteY32"/>
+                    </a:cxn>
+                    <a:cxn ang="0">
+                      <a:pos x="connsiteX33" y="connsiteY33"/>
+                    </a:cxn>
+                    <a:cxn ang="0">
+                      <a:pos x="connsiteX34" y="connsiteY34"/>
+                    </a:cxn>
+                  </a:cxnLst>
+                  <a:rect l="l" t="t" r="r" b="b"/>
+                  <a:pathLst>
+                    <a:path w="429724" h="2125362">
+                      <a:moveTo>
+                        <a:pt x="429724" y="2125362"/>
+                      </a:moveTo>
+                      <a:cubicBezTo>
+                        <a:pt x="425605" y="2100648"/>
+                        <a:pt x="427003" y="2074348"/>
+                        <a:pt x="417367" y="2051221"/>
+                      </a:cubicBezTo>
+                      <a:cubicBezTo>
+                        <a:pt x="385683" y="1975180"/>
+                        <a:pt x="358435" y="1970744"/>
+                        <a:pt x="293800" y="1927654"/>
+                      </a:cubicBezTo>
+                      <a:lnTo>
+                        <a:pt x="219659" y="1878227"/>
+                      </a:lnTo>
+                      <a:cubicBezTo>
+                        <a:pt x="207302" y="1874108"/>
+                        <a:pt x="194785" y="1870444"/>
+                        <a:pt x="182589" y="1865870"/>
+                      </a:cubicBezTo>
+                      <a:cubicBezTo>
+                        <a:pt x="161820" y="1858082"/>
+                        <a:pt x="145518" y="1859691"/>
+                        <a:pt x="120805" y="1841156"/>
+                      </a:cubicBezTo>
+                      <a:cubicBezTo>
+                        <a:pt x="96092" y="1822621"/>
+                        <a:pt x="59022" y="1758778"/>
+                        <a:pt x="34309" y="1754659"/>
+                      </a:cubicBezTo>
+                      <a:cubicBezTo>
+                        <a:pt x="-39699" y="1705320"/>
+                        <a:pt x="28130" y="1694935"/>
+                        <a:pt x="34308" y="1668162"/>
+                      </a:cubicBezTo>
+                      <a:cubicBezTo>
+                        <a:pt x="40486" y="1641389"/>
+                        <a:pt x="51553" y="1617812"/>
+                        <a:pt x="71378" y="1594021"/>
+                      </a:cubicBezTo>
+                      <a:cubicBezTo>
+                        <a:pt x="82565" y="1580596"/>
+                        <a:pt x="94228" y="1567108"/>
+                        <a:pt x="108448" y="1556951"/>
+                      </a:cubicBezTo>
+                      <a:cubicBezTo>
+                        <a:pt x="123437" y="1546244"/>
+                        <a:pt x="141882" y="1541377"/>
+                        <a:pt x="157875" y="1532238"/>
+                      </a:cubicBezTo>
+                      <a:cubicBezTo>
+                        <a:pt x="170770" y="1524870"/>
+                        <a:pt x="181663" y="1514166"/>
+                        <a:pt x="194946" y="1507524"/>
+                      </a:cubicBezTo>
+                      <a:cubicBezTo>
+                        <a:pt x="212677" y="1498659"/>
+                        <a:pt x="265602" y="1486771"/>
+                        <a:pt x="281443" y="1482811"/>
+                      </a:cubicBezTo>
+                      <a:cubicBezTo>
+                        <a:pt x="297919" y="1474573"/>
+                        <a:pt x="313939" y="1465353"/>
+                        <a:pt x="330870" y="1458097"/>
+                      </a:cubicBezTo>
+                      <a:cubicBezTo>
+                        <a:pt x="342842" y="1452966"/>
+                        <a:pt x="357769" y="1453877"/>
+                        <a:pt x="367940" y="1445740"/>
+                      </a:cubicBezTo>
+                      <a:cubicBezTo>
+                        <a:pt x="379537" y="1436463"/>
+                        <a:pt x="384416" y="1421027"/>
+                        <a:pt x="392654" y="1408670"/>
+                      </a:cubicBezTo>
+                      <a:cubicBezTo>
+                        <a:pt x="388535" y="1346886"/>
+                        <a:pt x="399878" y="1282062"/>
+                        <a:pt x="380297" y="1223319"/>
+                      </a:cubicBezTo>
+                      <a:cubicBezTo>
+                        <a:pt x="359459" y="1160805"/>
+                        <a:pt x="316016" y="1152464"/>
+                        <a:pt x="269086" y="1136821"/>
+                      </a:cubicBezTo>
+                      <a:cubicBezTo>
+                        <a:pt x="184445" y="1052180"/>
+                        <a:pt x="224026" y="1082068"/>
+                        <a:pt x="157875" y="1037967"/>
+                      </a:cubicBezTo>
+                      <a:cubicBezTo>
+                        <a:pt x="149637" y="1025610"/>
+                        <a:pt x="133162" y="1015748"/>
+                        <a:pt x="133162" y="1000897"/>
+                      </a:cubicBezTo>
+                      <a:cubicBezTo>
+                        <a:pt x="133162" y="938567"/>
+                        <a:pt x="133687" y="872992"/>
+                        <a:pt x="157875" y="815546"/>
+                      </a:cubicBezTo>
+                      <a:cubicBezTo>
+                        <a:pt x="175183" y="774440"/>
+                        <a:pt x="243776" y="763179"/>
+                        <a:pt x="281443" y="753762"/>
+                      </a:cubicBezTo>
+                      <a:cubicBezTo>
+                        <a:pt x="293800" y="745524"/>
+                        <a:pt x="308734" y="740225"/>
+                        <a:pt x="318513" y="729048"/>
+                      </a:cubicBezTo>
+                      <a:cubicBezTo>
+                        <a:pt x="364270" y="676754"/>
+                        <a:pt x="363325" y="668753"/>
+                        <a:pt x="380297" y="617838"/>
+                      </a:cubicBezTo>
+                      <a:cubicBezTo>
+                        <a:pt x="376178" y="597243"/>
+                        <a:pt x="380834" y="572632"/>
+                        <a:pt x="367940" y="556054"/>
+                      </a:cubicBezTo>
+                      <a:cubicBezTo>
+                        <a:pt x="334405" y="512937"/>
+                        <a:pt x="267354" y="497812"/>
+                        <a:pt x="219659" y="481913"/>
+                      </a:cubicBezTo>
+                      <a:lnTo>
+                        <a:pt x="182589" y="469556"/>
+                      </a:lnTo>
+                      <a:lnTo>
+                        <a:pt x="145519" y="457200"/>
+                      </a:lnTo>
+                      <a:cubicBezTo>
+                        <a:pt x="112768" y="424449"/>
+                        <a:pt x="68716" y="390091"/>
+                        <a:pt x="46665" y="345989"/>
+                      </a:cubicBezTo>
+                      <a:cubicBezTo>
+                        <a:pt x="40840" y="334339"/>
+                        <a:pt x="38427" y="321276"/>
+                        <a:pt x="34308" y="308919"/>
+                      </a:cubicBezTo>
+                      <a:cubicBezTo>
+                        <a:pt x="36112" y="292680"/>
+                        <a:pt x="46599" y="169050"/>
+                        <a:pt x="59021" y="135924"/>
+                      </a:cubicBezTo>
+                      <a:cubicBezTo>
+                        <a:pt x="73437" y="97482"/>
+                        <a:pt x="124926" y="60410"/>
+                        <a:pt x="157875" y="49427"/>
+                      </a:cubicBezTo>
+                      <a:lnTo>
+                        <a:pt x="232016" y="24713"/>
+                      </a:lnTo>
+                      <a:cubicBezTo>
+                        <a:pt x="244373" y="20594"/>
+                        <a:pt x="257436" y="18181"/>
+                        <a:pt x="269086" y="12356"/>
+                      </a:cubicBezTo>
+                      <a:lnTo>
+                        <a:pt x="293800" y="0"/>
+                      </a:lnTo>
+                    </a:path>
+                  </a:pathLst>
+                </a:custGeom>
+                <a:noFill/>
+                <a:ln w="38100"/>
+              </p:spPr>
+              <p:style>
+                <a:lnRef idx="2">
+                  <a:schemeClr val="accent1">
+                    <a:shade val="50000"/>
+                  </a:schemeClr>
+                </a:lnRef>
+                <a:fillRef idx="1">
+                  <a:schemeClr val="accent1"/>
+                </a:fillRef>
+                <a:effectRef idx="0">
+                  <a:schemeClr val="accent1"/>
+                </a:effectRef>
+                <a:fontRef idx="minor">
+                  <a:schemeClr val="lt1"/>
+                </a:fontRef>
+              </p:style>
+              <p:txBody>
+                <a:bodyPr rtlCol="0" anchor="ctr"/>
+                <a:lstStyle/>
+                <a:p>
+                  <a:pPr algn="ctr"/>
+                  <a:endParaRPr lang="en-US"/>
+                </a:p>
+              </p:txBody>
+            </p:sp>
+            <p:sp>
+              <p:nvSpPr>
+                <p:cNvPr id="15" name="Freeform 14">
+                  <a:extLst>
+                    <a:ext uri="{FF2B5EF4-FFF2-40B4-BE49-F238E27FC236}">
+                      <a16:creationId xmlns:a16="http://schemas.microsoft.com/office/drawing/2014/main" id="{AF913316-3B5A-4247-AB6A-2C0C5C039C06}"/>
+                    </a:ext>
+                  </a:extLst>
+                </p:cNvPr>
+                <p:cNvSpPr/>
+                <p:nvPr/>
+              </p:nvSpPr>
+              <p:spPr>
+                <a:xfrm>
+                  <a:off x="2928551" y="420130"/>
+                  <a:ext cx="333632" cy="2125362"/>
+                </a:xfrm>
+                <a:custGeom>
+                  <a:avLst/>
+                  <a:gdLst>
+                    <a:gd name="connsiteX0" fmla="*/ 429127 w 429127"/>
+                    <a:gd name="connsiteY0" fmla="*/ 2125362 h 2125362"/>
+                    <a:gd name="connsiteX1" fmla="*/ 416770 w 429127"/>
+                    <a:gd name="connsiteY1" fmla="*/ 2051221 h 2125362"/>
+                    <a:gd name="connsiteX2" fmla="*/ 293203 w 429127"/>
+                    <a:gd name="connsiteY2" fmla="*/ 1927654 h 2125362"/>
+                    <a:gd name="connsiteX3" fmla="*/ 219062 w 429127"/>
+                    <a:gd name="connsiteY3" fmla="*/ 1878227 h 2125362"/>
+                    <a:gd name="connsiteX4" fmla="*/ 181992 w 429127"/>
+                    <a:gd name="connsiteY4" fmla="*/ 1865870 h 2125362"/>
+                    <a:gd name="connsiteX5" fmla="*/ 120208 w 429127"/>
+                    <a:gd name="connsiteY5" fmla="*/ 1841156 h 2125362"/>
+                    <a:gd name="connsiteX6" fmla="*/ 46068 w 429127"/>
+                    <a:gd name="connsiteY6" fmla="*/ 1828800 h 2125362"/>
+                    <a:gd name="connsiteX7" fmla="*/ 33711 w 429127"/>
+                    <a:gd name="connsiteY7" fmla="*/ 1668162 h 2125362"/>
+                    <a:gd name="connsiteX8" fmla="*/ 70781 w 429127"/>
+                    <a:gd name="connsiteY8" fmla="*/ 1594021 h 2125362"/>
+                    <a:gd name="connsiteX9" fmla="*/ 107851 w 429127"/>
+                    <a:gd name="connsiteY9" fmla="*/ 1556951 h 2125362"/>
+                    <a:gd name="connsiteX10" fmla="*/ 157278 w 429127"/>
+                    <a:gd name="connsiteY10" fmla="*/ 1532238 h 2125362"/>
+                    <a:gd name="connsiteX11" fmla="*/ 194349 w 429127"/>
+                    <a:gd name="connsiteY11" fmla="*/ 1507524 h 2125362"/>
+                    <a:gd name="connsiteX12" fmla="*/ 280846 w 429127"/>
+                    <a:gd name="connsiteY12" fmla="*/ 1482811 h 2125362"/>
+                    <a:gd name="connsiteX13" fmla="*/ 330273 w 429127"/>
+                    <a:gd name="connsiteY13" fmla="*/ 1458097 h 2125362"/>
+                    <a:gd name="connsiteX14" fmla="*/ 367343 w 429127"/>
+                    <a:gd name="connsiteY14" fmla="*/ 1445740 h 2125362"/>
+                    <a:gd name="connsiteX15" fmla="*/ 392057 w 429127"/>
+                    <a:gd name="connsiteY15" fmla="*/ 1408670 h 2125362"/>
+                    <a:gd name="connsiteX16" fmla="*/ 379700 w 429127"/>
+                    <a:gd name="connsiteY16" fmla="*/ 1223319 h 2125362"/>
+                    <a:gd name="connsiteX17" fmla="*/ 268489 w 429127"/>
+                    <a:gd name="connsiteY17" fmla="*/ 1136821 h 2125362"/>
+                    <a:gd name="connsiteX18" fmla="*/ 157278 w 429127"/>
+                    <a:gd name="connsiteY18" fmla="*/ 1037967 h 2125362"/>
+                    <a:gd name="connsiteX19" fmla="*/ 132565 w 429127"/>
+                    <a:gd name="connsiteY19" fmla="*/ 1000897 h 2125362"/>
+                    <a:gd name="connsiteX20" fmla="*/ 157278 w 429127"/>
+                    <a:gd name="connsiteY20" fmla="*/ 815546 h 2125362"/>
+                    <a:gd name="connsiteX21" fmla="*/ 280846 w 429127"/>
+                    <a:gd name="connsiteY21" fmla="*/ 753762 h 2125362"/>
+                    <a:gd name="connsiteX22" fmla="*/ 317916 w 429127"/>
+                    <a:gd name="connsiteY22" fmla="*/ 729048 h 2125362"/>
+                    <a:gd name="connsiteX23" fmla="*/ 379700 w 429127"/>
+                    <a:gd name="connsiteY23" fmla="*/ 617838 h 2125362"/>
+                    <a:gd name="connsiteX24" fmla="*/ 367343 w 429127"/>
+                    <a:gd name="connsiteY24" fmla="*/ 556054 h 2125362"/>
+                    <a:gd name="connsiteX25" fmla="*/ 219062 w 429127"/>
+                    <a:gd name="connsiteY25" fmla="*/ 481913 h 2125362"/>
+                    <a:gd name="connsiteX26" fmla="*/ 181992 w 429127"/>
+                    <a:gd name="connsiteY26" fmla="*/ 469556 h 2125362"/>
+                    <a:gd name="connsiteX27" fmla="*/ 144922 w 429127"/>
+                    <a:gd name="connsiteY27" fmla="*/ 457200 h 2125362"/>
+                    <a:gd name="connsiteX28" fmla="*/ 46068 w 429127"/>
+                    <a:gd name="connsiteY28" fmla="*/ 345989 h 2125362"/>
+                    <a:gd name="connsiteX29" fmla="*/ 33711 w 429127"/>
+                    <a:gd name="connsiteY29" fmla="*/ 308919 h 2125362"/>
+                    <a:gd name="connsiteX30" fmla="*/ 58424 w 429127"/>
+                    <a:gd name="connsiteY30" fmla="*/ 135924 h 2125362"/>
+                    <a:gd name="connsiteX31" fmla="*/ 157278 w 429127"/>
+                    <a:gd name="connsiteY31" fmla="*/ 49427 h 2125362"/>
+                    <a:gd name="connsiteX32" fmla="*/ 231419 w 429127"/>
+                    <a:gd name="connsiteY32" fmla="*/ 24713 h 2125362"/>
+                    <a:gd name="connsiteX33" fmla="*/ 268489 w 429127"/>
+                    <a:gd name="connsiteY33" fmla="*/ 12356 h 2125362"/>
+                    <a:gd name="connsiteX34" fmla="*/ 293203 w 429127"/>
+                    <a:gd name="connsiteY34" fmla="*/ 0 h 2125362"/>
+                    <a:gd name="connsiteX0" fmla="*/ 429724 w 429724"/>
+                    <a:gd name="connsiteY0" fmla="*/ 2125362 h 2125362"/>
+                    <a:gd name="connsiteX1" fmla="*/ 417367 w 429724"/>
+                    <a:gd name="connsiteY1" fmla="*/ 2051221 h 2125362"/>
+                    <a:gd name="connsiteX2" fmla="*/ 293800 w 429724"/>
+                    <a:gd name="connsiteY2" fmla="*/ 1927654 h 2125362"/>
+                    <a:gd name="connsiteX3" fmla="*/ 219659 w 429724"/>
+                    <a:gd name="connsiteY3" fmla="*/ 1878227 h 2125362"/>
+                    <a:gd name="connsiteX4" fmla="*/ 182589 w 429724"/>
+                    <a:gd name="connsiteY4" fmla="*/ 1865870 h 2125362"/>
+                    <a:gd name="connsiteX5" fmla="*/ 120805 w 429724"/>
+                    <a:gd name="connsiteY5" fmla="*/ 1841156 h 2125362"/>
+                    <a:gd name="connsiteX6" fmla="*/ 34309 w 429724"/>
+                    <a:gd name="connsiteY6" fmla="*/ 1754659 h 2125362"/>
+                    <a:gd name="connsiteX7" fmla="*/ 34308 w 429724"/>
+                    <a:gd name="connsiteY7" fmla="*/ 1668162 h 2125362"/>
+                    <a:gd name="connsiteX8" fmla="*/ 71378 w 429724"/>
+                    <a:gd name="connsiteY8" fmla="*/ 1594021 h 2125362"/>
+                    <a:gd name="connsiteX9" fmla="*/ 108448 w 429724"/>
+                    <a:gd name="connsiteY9" fmla="*/ 1556951 h 2125362"/>
+                    <a:gd name="connsiteX10" fmla="*/ 157875 w 429724"/>
+                    <a:gd name="connsiteY10" fmla="*/ 1532238 h 2125362"/>
+                    <a:gd name="connsiteX11" fmla="*/ 194946 w 429724"/>
+                    <a:gd name="connsiteY11" fmla="*/ 1507524 h 2125362"/>
+                    <a:gd name="connsiteX12" fmla="*/ 281443 w 429724"/>
+                    <a:gd name="connsiteY12" fmla="*/ 1482811 h 2125362"/>
+                    <a:gd name="connsiteX13" fmla="*/ 330870 w 429724"/>
+                    <a:gd name="connsiteY13" fmla="*/ 1458097 h 2125362"/>
+                    <a:gd name="connsiteX14" fmla="*/ 367940 w 429724"/>
+                    <a:gd name="connsiteY14" fmla="*/ 1445740 h 2125362"/>
+                    <a:gd name="connsiteX15" fmla="*/ 392654 w 429724"/>
+                    <a:gd name="connsiteY15" fmla="*/ 1408670 h 2125362"/>
+                    <a:gd name="connsiteX16" fmla="*/ 380297 w 429724"/>
+                    <a:gd name="connsiteY16" fmla="*/ 1223319 h 2125362"/>
+                    <a:gd name="connsiteX17" fmla="*/ 269086 w 429724"/>
+                    <a:gd name="connsiteY17" fmla="*/ 1136821 h 2125362"/>
+                    <a:gd name="connsiteX18" fmla="*/ 157875 w 429724"/>
+                    <a:gd name="connsiteY18" fmla="*/ 1037967 h 2125362"/>
+                    <a:gd name="connsiteX19" fmla="*/ 133162 w 429724"/>
+                    <a:gd name="connsiteY19" fmla="*/ 1000897 h 2125362"/>
+                    <a:gd name="connsiteX20" fmla="*/ 157875 w 429724"/>
+                    <a:gd name="connsiteY20" fmla="*/ 815546 h 2125362"/>
+                    <a:gd name="connsiteX21" fmla="*/ 281443 w 429724"/>
+                    <a:gd name="connsiteY21" fmla="*/ 753762 h 2125362"/>
+                    <a:gd name="connsiteX22" fmla="*/ 318513 w 429724"/>
+                    <a:gd name="connsiteY22" fmla="*/ 729048 h 2125362"/>
+                    <a:gd name="connsiteX23" fmla="*/ 380297 w 429724"/>
+                    <a:gd name="connsiteY23" fmla="*/ 617838 h 2125362"/>
+                    <a:gd name="connsiteX24" fmla="*/ 367940 w 429724"/>
+                    <a:gd name="connsiteY24" fmla="*/ 556054 h 2125362"/>
+                    <a:gd name="connsiteX25" fmla="*/ 219659 w 429724"/>
+                    <a:gd name="connsiteY25" fmla="*/ 481913 h 2125362"/>
+                    <a:gd name="connsiteX26" fmla="*/ 182589 w 429724"/>
+                    <a:gd name="connsiteY26" fmla="*/ 469556 h 2125362"/>
+                    <a:gd name="connsiteX27" fmla="*/ 145519 w 429724"/>
+                    <a:gd name="connsiteY27" fmla="*/ 457200 h 2125362"/>
+                    <a:gd name="connsiteX28" fmla="*/ 46665 w 429724"/>
+                    <a:gd name="connsiteY28" fmla="*/ 345989 h 2125362"/>
+                    <a:gd name="connsiteX29" fmla="*/ 34308 w 429724"/>
+                    <a:gd name="connsiteY29" fmla="*/ 308919 h 2125362"/>
+                    <a:gd name="connsiteX30" fmla="*/ 59021 w 429724"/>
+                    <a:gd name="connsiteY30" fmla="*/ 135924 h 2125362"/>
+                    <a:gd name="connsiteX31" fmla="*/ 157875 w 429724"/>
+                    <a:gd name="connsiteY31" fmla="*/ 49427 h 2125362"/>
+                    <a:gd name="connsiteX32" fmla="*/ 232016 w 429724"/>
+                    <a:gd name="connsiteY32" fmla="*/ 24713 h 2125362"/>
+                    <a:gd name="connsiteX33" fmla="*/ 269086 w 429724"/>
+                    <a:gd name="connsiteY33" fmla="*/ 12356 h 2125362"/>
+                    <a:gd name="connsiteX34" fmla="*/ 293800 w 429724"/>
+                    <a:gd name="connsiteY34" fmla="*/ 0 h 2125362"/>
+                  </a:gdLst>
+                  <a:ahLst/>
+                  <a:cxnLst>
+                    <a:cxn ang="0">
+                      <a:pos x="connsiteX0" y="connsiteY0"/>
+                    </a:cxn>
+                    <a:cxn ang="0">
+                      <a:pos x="connsiteX1" y="connsiteY1"/>
+                    </a:cxn>
+                    <a:cxn ang="0">
+                      <a:pos x="connsiteX2" y="connsiteY2"/>
+                    </a:cxn>
+                    <a:cxn ang="0">
+                      <a:pos x="connsiteX3" y="connsiteY3"/>
+                    </a:cxn>
+                    <a:cxn ang="0">
+                      <a:pos x="connsiteX4" y="connsiteY4"/>
+                    </a:cxn>
+                    <a:cxn ang="0">
+                      <a:pos x="connsiteX5" y="connsiteY5"/>
+                    </a:cxn>
+                    <a:cxn ang="0">
+                      <a:pos x="connsiteX6" y="connsiteY6"/>
+                    </a:cxn>
+                    <a:cxn ang="0">
+                      <a:pos x="connsiteX7" y="connsiteY7"/>
+                    </a:cxn>
+                    <a:cxn ang="0">
+                      <a:pos x="connsiteX8" y="connsiteY8"/>
+                    </a:cxn>
+                    <a:cxn ang="0">
+                      <a:pos x="connsiteX9" y="connsiteY9"/>
+                    </a:cxn>
+                    <a:cxn ang="0">
+                      <a:pos x="connsiteX10" y="connsiteY10"/>
+                    </a:cxn>
+                    <a:cxn ang="0">
+                      <a:pos x="connsiteX11" y="connsiteY11"/>
+                    </a:cxn>
+                    <a:cxn ang="0">
+                      <a:pos x="connsiteX12" y="connsiteY12"/>
+                    </a:cxn>
+                    <a:cxn ang="0">
+                      <a:pos x="connsiteX13" y="connsiteY13"/>
+                    </a:cxn>
+                    <a:cxn ang="0">
+                      <a:pos x="connsiteX14" y="connsiteY14"/>
+                    </a:cxn>
+                    <a:cxn ang="0">
+                      <a:pos x="connsiteX15" y="connsiteY15"/>
+                    </a:cxn>
+                    <a:cxn ang="0">
+                      <a:pos x="connsiteX16" y="connsiteY16"/>
+                    </a:cxn>
+                    <a:cxn ang="0">
+                      <a:pos x="connsiteX17" y="connsiteY17"/>
+                    </a:cxn>
+                    <a:cxn ang="0">
+                      <a:pos x="connsiteX18" y="connsiteY18"/>
+                    </a:cxn>
+                    <a:cxn ang="0">
+                      <a:pos x="connsiteX19" y="connsiteY19"/>
+                    </a:cxn>
+                    <a:cxn ang="0">
+                      <a:pos x="connsiteX20" y="connsiteY20"/>
+                    </a:cxn>
+                    <a:cxn ang="0">
+                      <a:pos x="connsiteX21" y="connsiteY21"/>
+                    </a:cxn>
+                    <a:cxn ang="0">
+                      <a:pos x="connsiteX22" y="connsiteY22"/>
+                    </a:cxn>
+                    <a:cxn ang="0">
+                      <a:pos x="connsiteX23" y="connsiteY23"/>
+                    </a:cxn>
+                    <a:cxn ang="0">
+                      <a:pos x="connsiteX24" y="connsiteY24"/>
+                    </a:cxn>
+                    <a:cxn ang="0">
+                      <a:pos x="connsiteX25" y="connsiteY25"/>
+                    </a:cxn>
+                    <a:cxn ang="0">
+                      <a:pos x="connsiteX26" y="connsiteY26"/>
+                    </a:cxn>
+                    <a:cxn ang="0">
+                      <a:pos x="connsiteX27" y="connsiteY27"/>
+                    </a:cxn>
+                    <a:cxn ang="0">
+                      <a:pos x="connsiteX28" y="connsiteY28"/>
+                    </a:cxn>
+                    <a:cxn ang="0">
+                      <a:pos x="connsiteX29" y="connsiteY29"/>
+                    </a:cxn>
+                    <a:cxn ang="0">
+                      <a:pos x="connsiteX30" y="connsiteY30"/>
+                    </a:cxn>
+                    <a:cxn ang="0">
+                      <a:pos x="connsiteX31" y="connsiteY31"/>
+                    </a:cxn>
+                    <a:cxn ang="0">
+                      <a:pos x="connsiteX32" y="connsiteY32"/>
+                    </a:cxn>
+                    <a:cxn ang="0">
+                      <a:pos x="connsiteX33" y="connsiteY33"/>
+                    </a:cxn>
+                    <a:cxn ang="0">
+                      <a:pos x="connsiteX34" y="connsiteY34"/>
+                    </a:cxn>
+                  </a:cxnLst>
+                  <a:rect l="l" t="t" r="r" b="b"/>
+                  <a:pathLst>
+                    <a:path w="429724" h="2125362">
+                      <a:moveTo>
+                        <a:pt x="429724" y="2125362"/>
+                      </a:moveTo>
+                      <a:cubicBezTo>
+                        <a:pt x="425605" y="2100648"/>
+                        <a:pt x="427003" y="2074348"/>
+                        <a:pt x="417367" y="2051221"/>
+                      </a:cubicBezTo>
+                      <a:cubicBezTo>
+                        <a:pt x="385683" y="1975180"/>
+                        <a:pt x="358435" y="1970744"/>
+                        <a:pt x="293800" y="1927654"/>
+                      </a:cubicBezTo>
+                      <a:lnTo>
+                        <a:pt x="219659" y="1878227"/>
+                      </a:lnTo>
+                      <a:cubicBezTo>
+                        <a:pt x="207302" y="1874108"/>
+                        <a:pt x="194785" y="1870444"/>
+                        <a:pt x="182589" y="1865870"/>
+                      </a:cubicBezTo>
+                      <a:cubicBezTo>
+                        <a:pt x="161820" y="1858082"/>
+                        <a:pt x="145518" y="1859691"/>
+                        <a:pt x="120805" y="1841156"/>
+                      </a:cubicBezTo>
+                      <a:cubicBezTo>
+                        <a:pt x="96092" y="1822621"/>
+                        <a:pt x="59022" y="1758778"/>
+                        <a:pt x="34309" y="1754659"/>
+                      </a:cubicBezTo>
+                      <a:cubicBezTo>
+                        <a:pt x="-39699" y="1705320"/>
+                        <a:pt x="28130" y="1694935"/>
+                        <a:pt x="34308" y="1668162"/>
+                      </a:cubicBezTo>
+                      <a:cubicBezTo>
+                        <a:pt x="40486" y="1641389"/>
+                        <a:pt x="51553" y="1617812"/>
+                        <a:pt x="71378" y="1594021"/>
+                      </a:cubicBezTo>
+                      <a:cubicBezTo>
+                        <a:pt x="82565" y="1580596"/>
+                        <a:pt x="94228" y="1567108"/>
+                        <a:pt x="108448" y="1556951"/>
+                      </a:cubicBezTo>
+                      <a:cubicBezTo>
+                        <a:pt x="123437" y="1546244"/>
+                        <a:pt x="141882" y="1541377"/>
+                        <a:pt x="157875" y="1532238"/>
+                      </a:cubicBezTo>
+                      <a:cubicBezTo>
+                        <a:pt x="170770" y="1524870"/>
+                        <a:pt x="181663" y="1514166"/>
+                        <a:pt x="194946" y="1507524"/>
+                      </a:cubicBezTo>
+                      <a:cubicBezTo>
+                        <a:pt x="212677" y="1498659"/>
+                        <a:pt x="265602" y="1486771"/>
+                        <a:pt x="281443" y="1482811"/>
+                      </a:cubicBezTo>
+                      <a:cubicBezTo>
+                        <a:pt x="297919" y="1474573"/>
+                        <a:pt x="313939" y="1465353"/>
+                        <a:pt x="330870" y="1458097"/>
+                      </a:cubicBezTo>
+                      <a:cubicBezTo>
+                        <a:pt x="342842" y="1452966"/>
+                        <a:pt x="357769" y="1453877"/>
+                        <a:pt x="367940" y="1445740"/>
+                      </a:cubicBezTo>
+                      <a:cubicBezTo>
+                        <a:pt x="379537" y="1436463"/>
+                        <a:pt x="384416" y="1421027"/>
+                        <a:pt x="392654" y="1408670"/>
+                      </a:cubicBezTo>
+                      <a:cubicBezTo>
+                        <a:pt x="388535" y="1346886"/>
+                        <a:pt x="399878" y="1282062"/>
+                        <a:pt x="380297" y="1223319"/>
+                      </a:cubicBezTo>
+                      <a:cubicBezTo>
+                        <a:pt x="359459" y="1160805"/>
+                        <a:pt x="316016" y="1152464"/>
+                        <a:pt x="269086" y="1136821"/>
+                      </a:cubicBezTo>
+                      <a:cubicBezTo>
+                        <a:pt x="184445" y="1052180"/>
+                        <a:pt x="224026" y="1082068"/>
+                        <a:pt x="157875" y="1037967"/>
+                      </a:cubicBezTo>
+                      <a:cubicBezTo>
+                        <a:pt x="149637" y="1025610"/>
+                        <a:pt x="133162" y="1015748"/>
+                        <a:pt x="133162" y="1000897"/>
+                      </a:cubicBezTo>
+                      <a:cubicBezTo>
+                        <a:pt x="133162" y="938567"/>
+                        <a:pt x="133687" y="872992"/>
+                        <a:pt x="157875" y="815546"/>
+                      </a:cubicBezTo>
+                      <a:cubicBezTo>
+                        <a:pt x="175183" y="774440"/>
+                        <a:pt x="243776" y="763179"/>
+                        <a:pt x="281443" y="753762"/>
+                      </a:cubicBezTo>
+                      <a:cubicBezTo>
+                        <a:pt x="293800" y="745524"/>
+                        <a:pt x="308734" y="740225"/>
+                        <a:pt x="318513" y="729048"/>
+                      </a:cubicBezTo>
+                      <a:cubicBezTo>
+                        <a:pt x="364270" y="676754"/>
+                        <a:pt x="363325" y="668753"/>
+                        <a:pt x="380297" y="617838"/>
+                      </a:cubicBezTo>
+                      <a:cubicBezTo>
+                        <a:pt x="376178" y="597243"/>
+                        <a:pt x="380834" y="572632"/>
+                        <a:pt x="367940" y="556054"/>
+                      </a:cubicBezTo>
+                      <a:cubicBezTo>
+                        <a:pt x="334405" y="512937"/>
+                        <a:pt x="267354" y="497812"/>
+                        <a:pt x="219659" y="481913"/>
+                      </a:cubicBezTo>
+                      <a:lnTo>
+                        <a:pt x="182589" y="469556"/>
+                      </a:lnTo>
+                      <a:lnTo>
+                        <a:pt x="145519" y="457200"/>
+                      </a:lnTo>
+                      <a:cubicBezTo>
+                        <a:pt x="112768" y="424449"/>
+                        <a:pt x="68716" y="390091"/>
+                        <a:pt x="46665" y="345989"/>
+                      </a:cubicBezTo>
+                      <a:cubicBezTo>
+                        <a:pt x="40840" y="334339"/>
+                        <a:pt x="38427" y="321276"/>
+                        <a:pt x="34308" y="308919"/>
+                      </a:cubicBezTo>
+                      <a:cubicBezTo>
+                        <a:pt x="36112" y="292680"/>
+                        <a:pt x="46599" y="169050"/>
+                        <a:pt x="59021" y="135924"/>
+                      </a:cubicBezTo>
+                      <a:cubicBezTo>
+                        <a:pt x="73437" y="97482"/>
+                        <a:pt x="124926" y="60410"/>
+                        <a:pt x="157875" y="49427"/>
+                      </a:cubicBezTo>
+                      <a:lnTo>
+                        <a:pt x="232016" y="24713"/>
+                      </a:lnTo>
+                      <a:cubicBezTo>
+                        <a:pt x="244373" y="20594"/>
+                        <a:pt x="257436" y="18181"/>
+                        <a:pt x="269086" y="12356"/>
+                      </a:cubicBezTo>
+                      <a:lnTo>
+                        <a:pt x="293800" y="0"/>
+                      </a:lnTo>
+                    </a:path>
+                  </a:pathLst>
+                </a:custGeom>
+                <a:noFill/>
+                <a:ln w="38100"/>
+              </p:spPr>
+              <p:style>
+                <a:lnRef idx="2">
+                  <a:schemeClr val="accent1">
+                    <a:shade val="50000"/>
+                  </a:schemeClr>
+                </a:lnRef>
+                <a:fillRef idx="1">
+                  <a:schemeClr val="accent1"/>
+                </a:fillRef>
+                <a:effectRef idx="0">
+                  <a:schemeClr val="accent1"/>
+                </a:effectRef>
+                <a:fontRef idx="minor">
+                  <a:schemeClr val="lt1"/>
+                </a:fontRef>
+              </p:style>
+              <p:txBody>
+                <a:bodyPr rtlCol="0" anchor="ctr"/>
+                <a:lstStyle/>
+                <a:p>
+                  <a:pPr algn="ctr"/>
+                  <a:endParaRPr lang="en-US"/>
+                </a:p>
+              </p:txBody>
+            </p:sp>
+          </p:grpSp>
+          <p:grpSp>
+            <p:nvGrpSpPr>
+              <p:cNvPr id="16" name="Group 15">
+                <a:extLst>
+                  <a:ext uri="{FF2B5EF4-FFF2-40B4-BE49-F238E27FC236}">
+                    <a16:creationId xmlns:a16="http://schemas.microsoft.com/office/drawing/2014/main" id="{0D7ABD81-09F9-E94C-9D63-F16D1967AA2E}"/>
+                  </a:ext>
+                </a:extLst>
+              </p:cNvPr>
+              <p:cNvGrpSpPr/>
+              <p:nvPr/>
+            </p:nvGrpSpPr>
+            <p:grpSpPr>
+              <a:xfrm>
+                <a:off x="4464914" y="1783489"/>
+                <a:ext cx="729048" cy="2619632"/>
+                <a:chOff x="2656703" y="420130"/>
+                <a:chExt cx="729048" cy="2619632"/>
+              </a:xfrm>
+            </p:grpSpPr>
+            <p:sp>
+              <p:nvSpPr>
+                <p:cNvPr id="17" name="Oval 16">
+                  <a:extLst>
+                    <a:ext uri="{FF2B5EF4-FFF2-40B4-BE49-F238E27FC236}">
+                      <a16:creationId xmlns:a16="http://schemas.microsoft.com/office/drawing/2014/main" id="{50948CD6-29CF-014B-87C6-A5E79826DA09}"/>
+                    </a:ext>
+                  </a:extLst>
+                </p:cNvPr>
+                <p:cNvSpPr/>
+                <p:nvPr/>
+              </p:nvSpPr>
+              <p:spPr>
+                <a:xfrm>
+                  <a:off x="2804984" y="2483708"/>
+                  <a:ext cx="580767" cy="556054"/>
+                </a:xfrm>
+                <a:prstGeom prst="ellipse">
+                  <a:avLst/>
+                </a:prstGeom>
+                <a:solidFill>
+                  <a:schemeClr val="accent6">
+                    <a:lumMod val="40000"/>
+                    <a:lumOff val="60000"/>
+                  </a:schemeClr>
+                </a:solidFill>
+              </p:spPr>
+              <p:style>
+                <a:lnRef idx="2">
+                  <a:schemeClr val="accent1">
+                    <a:shade val="50000"/>
+                  </a:schemeClr>
+                </a:lnRef>
+                <a:fillRef idx="1">
+                  <a:schemeClr val="accent1"/>
+                </a:fillRef>
+                <a:effectRef idx="0">
+                  <a:schemeClr val="accent1"/>
+                </a:effectRef>
+                <a:fontRef idx="minor">
+                  <a:schemeClr val="lt1"/>
+                </a:fontRef>
+              </p:style>
+              <p:txBody>
+                <a:bodyPr rtlCol="0" anchor="ctr"/>
+                <a:lstStyle/>
+                <a:p>
+                  <a:pPr algn="ctr"/>
+                  <a:endParaRPr lang="en-US"/>
+                </a:p>
+              </p:txBody>
+            </p:sp>
+            <p:sp>
+              <p:nvSpPr>
+                <p:cNvPr id="18" name="Freeform 17">
+                  <a:extLst>
+                    <a:ext uri="{FF2B5EF4-FFF2-40B4-BE49-F238E27FC236}">
+                      <a16:creationId xmlns:a16="http://schemas.microsoft.com/office/drawing/2014/main" id="{E66861F4-874D-734D-9F19-39D4288F0978}"/>
+                    </a:ext>
+                  </a:extLst>
+                </p:cNvPr>
+                <p:cNvSpPr/>
+                <p:nvPr/>
+              </p:nvSpPr>
+              <p:spPr>
+                <a:xfrm>
+                  <a:off x="2656703" y="420130"/>
+                  <a:ext cx="333632" cy="2125362"/>
+                </a:xfrm>
+                <a:custGeom>
+                  <a:avLst/>
+                  <a:gdLst>
+                    <a:gd name="connsiteX0" fmla="*/ 429127 w 429127"/>
+                    <a:gd name="connsiteY0" fmla="*/ 2125362 h 2125362"/>
+                    <a:gd name="connsiteX1" fmla="*/ 416770 w 429127"/>
+                    <a:gd name="connsiteY1" fmla="*/ 2051221 h 2125362"/>
+                    <a:gd name="connsiteX2" fmla="*/ 293203 w 429127"/>
+                    <a:gd name="connsiteY2" fmla="*/ 1927654 h 2125362"/>
+                    <a:gd name="connsiteX3" fmla="*/ 219062 w 429127"/>
+                    <a:gd name="connsiteY3" fmla="*/ 1878227 h 2125362"/>
+                    <a:gd name="connsiteX4" fmla="*/ 181992 w 429127"/>
+                    <a:gd name="connsiteY4" fmla="*/ 1865870 h 2125362"/>
+                    <a:gd name="connsiteX5" fmla="*/ 120208 w 429127"/>
+                    <a:gd name="connsiteY5" fmla="*/ 1841156 h 2125362"/>
+                    <a:gd name="connsiteX6" fmla="*/ 46068 w 429127"/>
+                    <a:gd name="connsiteY6" fmla="*/ 1828800 h 2125362"/>
+                    <a:gd name="connsiteX7" fmla="*/ 33711 w 429127"/>
+                    <a:gd name="connsiteY7" fmla="*/ 1668162 h 2125362"/>
+                    <a:gd name="connsiteX8" fmla="*/ 70781 w 429127"/>
+                    <a:gd name="connsiteY8" fmla="*/ 1594021 h 2125362"/>
+                    <a:gd name="connsiteX9" fmla="*/ 107851 w 429127"/>
+                    <a:gd name="connsiteY9" fmla="*/ 1556951 h 2125362"/>
+                    <a:gd name="connsiteX10" fmla="*/ 157278 w 429127"/>
+                    <a:gd name="connsiteY10" fmla="*/ 1532238 h 2125362"/>
+                    <a:gd name="connsiteX11" fmla="*/ 194349 w 429127"/>
+                    <a:gd name="connsiteY11" fmla="*/ 1507524 h 2125362"/>
+                    <a:gd name="connsiteX12" fmla="*/ 280846 w 429127"/>
+                    <a:gd name="connsiteY12" fmla="*/ 1482811 h 2125362"/>
+                    <a:gd name="connsiteX13" fmla="*/ 330273 w 429127"/>
+                    <a:gd name="connsiteY13" fmla="*/ 1458097 h 2125362"/>
+                    <a:gd name="connsiteX14" fmla="*/ 367343 w 429127"/>
+                    <a:gd name="connsiteY14" fmla="*/ 1445740 h 2125362"/>
+                    <a:gd name="connsiteX15" fmla="*/ 392057 w 429127"/>
+                    <a:gd name="connsiteY15" fmla="*/ 1408670 h 2125362"/>
+                    <a:gd name="connsiteX16" fmla="*/ 379700 w 429127"/>
+                    <a:gd name="connsiteY16" fmla="*/ 1223319 h 2125362"/>
+                    <a:gd name="connsiteX17" fmla="*/ 268489 w 429127"/>
+                    <a:gd name="connsiteY17" fmla="*/ 1136821 h 2125362"/>
+                    <a:gd name="connsiteX18" fmla="*/ 157278 w 429127"/>
+                    <a:gd name="connsiteY18" fmla="*/ 1037967 h 2125362"/>
+                    <a:gd name="connsiteX19" fmla="*/ 132565 w 429127"/>
+                    <a:gd name="connsiteY19" fmla="*/ 1000897 h 2125362"/>
+                    <a:gd name="connsiteX20" fmla="*/ 157278 w 429127"/>
+                    <a:gd name="connsiteY20" fmla="*/ 815546 h 2125362"/>
+                    <a:gd name="connsiteX21" fmla="*/ 280846 w 429127"/>
+                    <a:gd name="connsiteY21" fmla="*/ 753762 h 2125362"/>
+                    <a:gd name="connsiteX22" fmla="*/ 317916 w 429127"/>
+                    <a:gd name="connsiteY22" fmla="*/ 729048 h 2125362"/>
+                    <a:gd name="connsiteX23" fmla="*/ 379700 w 429127"/>
+                    <a:gd name="connsiteY23" fmla="*/ 617838 h 2125362"/>
+                    <a:gd name="connsiteX24" fmla="*/ 367343 w 429127"/>
+                    <a:gd name="connsiteY24" fmla="*/ 556054 h 2125362"/>
+                    <a:gd name="connsiteX25" fmla="*/ 219062 w 429127"/>
+                    <a:gd name="connsiteY25" fmla="*/ 481913 h 2125362"/>
+                    <a:gd name="connsiteX26" fmla="*/ 181992 w 429127"/>
+                    <a:gd name="connsiteY26" fmla="*/ 469556 h 2125362"/>
+                    <a:gd name="connsiteX27" fmla="*/ 144922 w 429127"/>
+                    <a:gd name="connsiteY27" fmla="*/ 457200 h 2125362"/>
+                    <a:gd name="connsiteX28" fmla="*/ 46068 w 429127"/>
+                    <a:gd name="connsiteY28" fmla="*/ 345989 h 2125362"/>
+                    <a:gd name="connsiteX29" fmla="*/ 33711 w 429127"/>
+                    <a:gd name="connsiteY29" fmla="*/ 308919 h 2125362"/>
+                    <a:gd name="connsiteX30" fmla="*/ 58424 w 429127"/>
+                    <a:gd name="connsiteY30" fmla="*/ 135924 h 2125362"/>
+                    <a:gd name="connsiteX31" fmla="*/ 157278 w 429127"/>
+                    <a:gd name="connsiteY31" fmla="*/ 49427 h 2125362"/>
+                    <a:gd name="connsiteX32" fmla="*/ 231419 w 429127"/>
+                    <a:gd name="connsiteY32" fmla="*/ 24713 h 2125362"/>
+                    <a:gd name="connsiteX33" fmla="*/ 268489 w 429127"/>
+                    <a:gd name="connsiteY33" fmla="*/ 12356 h 2125362"/>
+                    <a:gd name="connsiteX34" fmla="*/ 293203 w 429127"/>
+                    <a:gd name="connsiteY34" fmla="*/ 0 h 2125362"/>
+                    <a:gd name="connsiteX0" fmla="*/ 429724 w 429724"/>
+                    <a:gd name="connsiteY0" fmla="*/ 2125362 h 2125362"/>
+                    <a:gd name="connsiteX1" fmla="*/ 417367 w 429724"/>
+                    <a:gd name="connsiteY1" fmla="*/ 2051221 h 2125362"/>
+                    <a:gd name="connsiteX2" fmla="*/ 293800 w 429724"/>
+                    <a:gd name="connsiteY2" fmla="*/ 1927654 h 2125362"/>
+                    <a:gd name="connsiteX3" fmla="*/ 219659 w 429724"/>
+                    <a:gd name="connsiteY3" fmla="*/ 1878227 h 2125362"/>
+                    <a:gd name="connsiteX4" fmla="*/ 182589 w 429724"/>
+                    <a:gd name="connsiteY4" fmla="*/ 1865870 h 2125362"/>
+                    <a:gd name="connsiteX5" fmla="*/ 120805 w 429724"/>
+                    <a:gd name="connsiteY5" fmla="*/ 1841156 h 2125362"/>
+                    <a:gd name="connsiteX6" fmla="*/ 34309 w 429724"/>
+                    <a:gd name="connsiteY6" fmla="*/ 1754659 h 2125362"/>
+                    <a:gd name="connsiteX7" fmla="*/ 34308 w 429724"/>
+                    <a:gd name="connsiteY7" fmla="*/ 1668162 h 2125362"/>
+                    <a:gd name="connsiteX8" fmla="*/ 71378 w 429724"/>
+                    <a:gd name="connsiteY8" fmla="*/ 1594021 h 2125362"/>
+                    <a:gd name="connsiteX9" fmla="*/ 108448 w 429724"/>
+                    <a:gd name="connsiteY9" fmla="*/ 1556951 h 2125362"/>
+                    <a:gd name="connsiteX10" fmla="*/ 157875 w 429724"/>
+                    <a:gd name="connsiteY10" fmla="*/ 1532238 h 2125362"/>
+                    <a:gd name="connsiteX11" fmla="*/ 194946 w 429724"/>
+                    <a:gd name="connsiteY11" fmla="*/ 1507524 h 2125362"/>
+                    <a:gd name="connsiteX12" fmla="*/ 281443 w 429724"/>
+                    <a:gd name="connsiteY12" fmla="*/ 1482811 h 2125362"/>
+                    <a:gd name="connsiteX13" fmla="*/ 330870 w 429724"/>
+                    <a:gd name="connsiteY13" fmla="*/ 1458097 h 2125362"/>
+                    <a:gd name="connsiteX14" fmla="*/ 367940 w 429724"/>
+                    <a:gd name="connsiteY14" fmla="*/ 1445740 h 2125362"/>
+                    <a:gd name="connsiteX15" fmla="*/ 392654 w 429724"/>
+                    <a:gd name="connsiteY15" fmla="*/ 1408670 h 2125362"/>
+                    <a:gd name="connsiteX16" fmla="*/ 380297 w 429724"/>
+                    <a:gd name="connsiteY16" fmla="*/ 1223319 h 2125362"/>
+                    <a:gd name="connsiteX17" fmla="*/ 269086 w 429724"/>
+                    <a:gd name="connsiteY17" fmla="*/ 1136821 h 2125362"/>
+                    <a:gd name="connsiteX18" fmla="*/ 157875 w 429724"/>
+                    <a:gd name="connsiteY18" fmla="*/ 1037967 h 2125362"/>
+                    <a:gd name="connsiteX19" fmla="*/ 133162 w 429724"/>
+                    <a:gd name="connsiteY19" fmla="*/ 1000897 h 2125362"/>
+                    <a:gd name="connsiteX20" fmla="*/ 157875 w 429724"/>
+                    <a:gd name="connsiteY20" fmla="*/ 815546 h 2125362"/>
+                    <a:gd name="connsiteX21" fmla="*/ 281443 w 429724"/>
+                    <a:gd name="connsiteY21" fmla="*/ 753762 h 2125362"/>
+                    <a:gd name="connsiteX22" fmla="*/ 318513 w 429724"/>
+                    <a:gd name="connsiteY22" fmla="*/ 729048 h 2125362"/>
+                    <a:gd name="connsiteX23" fmla="*/ 380297 w 429724"/>
+                    <a:gd name="connsiteY23" fmla="*/ 617838 h 2125362"/>
+                    <a:gd name="connsiteX24" fmla="*/ 367940 w 429724"/>
+                    <a:gd name="connsiteY24" fmla="*/ 556054 h 2125362"/>
+                    <a:gd name="connsiteX25" fmla="*/ 219659 w 429724"/>
+                    <a:gd name="connsiteY25" fmla="*/ 481913 h 2125362"/>
+                    <a:gd name="connsiteX26" fmla="*/ 182589 w 429724"/>
+                    <a:gd name="connsiteY26" fmla="*/ 469556 h 2125362"/>
+                    <a:gd name="connsiteX27" fmla="*/ 145519 w 429724"/>
+                    <a:gd name="connsiteY27" fmla="*/ 457200 h 2125362"/>
+                    <a:gd name="connsiteX28" fmla="*/ 46665 w 429724"/>
+                    <a:gd name="connsiteY28" fmla="*/ 345989 h 2125362"/>
+                    <a:gd name="connsiteX29" fmla="*/ 34308 w 429724"/>
+                    <a:gd name="connsiteY29" fmla="*/ 308919 h 2125362"/>
+                    <a:gd name="connsiteX30" fmla="*/ 59021 w 429724"/>
+                    <a:gd name="connsiteY30" fmla="*/ 135924 h 2125362"/>
+                    <a:gd name="connsiteX31" fmla="*/ 157875 w 429724"/>
+                    <a:gd name="connsiteY31" fmla="*/ 49427 h 2125362"/>
+                    <a:gd name="connsiteX32" fmla="*/ 232016 w 429724"/>
+                    <a:gd name="connsiteY32" fmla="*/ 24713 h 2125362"/>
+                    <a:gd name="connsiteX33" fmla="*/ 269086 w 429724"/>
+                    <a:gd name="connsiteY33" fmla="*/ 12356 h 2125362"/>
+                    <a:gd name="connsiteX34" fmla="*/ 293800 w 429724"/>
+                    <a:gd name="connsiteY34" fmla="*/ 0 h 2125362"/>
+                  </a:gdLst>
+                  <a:ahLst/>
+                  <a:cxnLst>
+                    <a:cxn ang="0">
+                      <a:pos x="connsiteX0" y="connsiteY0"/>
+                    </a:cxn>
+                    <a:cxn ang="0">
+                      <a:pos x="connsiteX1" y="connsiteY1"/>
+                    </a:cxn>
+                    <a:cxn ang="0">
+                      <a:pos x="connsiteX2" y="connsiteY2"/>
+                    </a:cxn>
+                    <a:cxn ang="0">
+                      <a:pos x="connsiteX3" y="connsiteY3"/>
+                    </a:cxn>
+                    <a:cxn ang="0">
+                      <a:pos x="connsiteX4" y="connsiteY4"/>
+                    </a:cxn>
+                    <a:cxn ang="0">
+                      <a:pos x="connsiteX5" y="connsiteY5"/>
+                    </a:cxn>
+                    <a:cxn ang="0">
+                      <a:pos x="connsiteX6" y="connsiteY6"/>
+                    </a:cxn>
+                    <a:cxn ang="0">
+                      <a:pos x="connsiteX7" y="connsiteY7"/>
+                    </a:cxn>
+                    <a:cxn ang="0">
+                      <a:pos x="connsiteX8" y="connsiteY8"/>
+                    </a:cxn>
+                    <a:cxn ang="0">
+                      <a:pos x="connsiteX9" y="connsiteY9"/>
+                    </a:cxn>
+                    <a:cxn ang="0">
+                      <a:pos x="connsiteX10" y="connsiteY10"/>
+                    </a:cxn>
+                    <a:cxn ang="0">
+                      <a:pos x="connsiteX11" y="connsiteY11"/>
+                    </a:cxn>
+                    <a:cxn ang="0">
+                      <a:pos x="connsiteX12" y="connsiteY12"/>
+                    </a:cxn>
+                    <a:cxn ang="0">
+                      <a:pos x="connsiteX13" y="connsiteY13"/>
+                    </a:cxn>
+                    <a:cxn ang="0">
+                      <a:pos x="connsiteX14" y="connsiteY14"/>
+                    </a:cxn>
+                    <a:cxn ang="0">
+                      <a:pos x="connsiteX15" y="connsiteY15"/>
+                    </a:cxn>
+                    <a:cxn ang="0">
+                      <a:pos x="connsiteX16" y="connsiteY16"/>
+                    </a:cxn>
+                    <a:cxn ang="0">
+                      <a:pos x="connsiteX17" y="connsiteY17"/>
+                    </a:cxn>
+                    <a:cxn ang="0">
+                      <a:pos x="connsiteX18" y="connsiteY18"/>
+                    </a:cxn>
+                    <a:cxn ang="0">
+                      <a:pos x="connsiteX19" y="connsiteY19"/>
+                    </a:cxn>
+                    <a:cxn ang="0">
+                      <a:pos x="connsiteX20" y="connsiteY20"/>
+                    </a:cxn>
+                    <a:cxn ang="0">
+                      <a:pos x="connsiteX21" y="connsiteY21"/>
+                    </a:cxn>
+                    <a:cxn ang="0">
+                      <a:pos x="connsiteX22" y="connsiteY22"/>
+                    </a:cxn>
+                    <a:cxn ang="0">
+                      <a:pos x="connsiteX23" y="connsiteY23"/>
+                    </a:cxn>
+                    <a:cxn ang="0">
+                      <a:pos x="connsiteX24" y="connsiteY24"/>
+                    </a:cxn>
+                    <a:cxn ang="0">
+                      <a:pos x="connsiteX25" y="connsiteY25"/>
+                    </a:cxn>
+                    <a:cxn ang="0">
+                      <a:pos x="connsiteX26" y="connsiteY26"/>
+                    </a:cxn>
+                    <a:cxn ang="0">
+                      <a:pos x="connsiteX27" y="connsiteY27"/>
+                    </a:cxn>
+                    <a:cxn ang="0">
+                      <a:pos x="connsiteX28" y="connsiteY28"/>
+                    </a:cxn>
+                    <a:cxn ang="0">
+                      <a:pos x="connsiteX29" y="connsiteY29"/>
+                    </a:cxn>
+                    <a:cxn ang="0">
+                      <a:pos x="connsiteX30" y="connsiteY30"/>
+                    </a:cxn>
+                    <a:cxn ang="0">
+                      <a:pos x="connsiteX31" y="connsiteY31"/>
+                    </a:cxn>
+                    <a:cxn ang="0">
+                      <a:pos x="connsiteX32" y="connsiteY32"/>
+                    </a:cxn>
+                    <a:cxn ang="0">
+                      <a:pos x="connsiteX33" y="connsiteY33"/>
+                    </a:cxn>
+                    <a:cxn ang="0">
+                      <a:pos x="connsiteX34" y="connsiteY34"/>
+                    </a:cxn>
+                  </a:cxnLst>
+                  <a:rect l="l" t="t" r="r" b="b"/>
+                  <a:pathLst>
+                    <a:path w="429724" h="2125362">
+                      <a:moveTo>
+                        <a:pt x="429724" y="2125362"/>
+                      </a:moveTo>
+                      <a:cubicBezTo>
+                        <a:pt x="425605" y="2100648"/>
+                        <a:pt x="427003" y="2074348"/>
+                        <a:pt x="417367" y="2051221"/>
+                      </a:cubicBezTo>
+                      <a:cubicBezTo>
+                        <a:pt x="385683" y="1975180"/>
+                        <a:pt x="358435" y="1970744"/>
+                        <a:pt x="293800" y="1927654"/>
+                      </a:cubicBezTo>
+                      <a:lnTo>
+                        <a:pt x="219659" y="1878227"/>
+                      </a:lnTo>
+                      <a:cubicBezTo>
+                        <a:pt x="207302" y="1874108"/>
+                        <a:pt x="194785" y="1870444"/>
+                        <a:pt x="182589" y="1865870"/>
+                      </a:cubicBezTo>
+                      <a:cubicBezTo>
+                        <a:pt x="161820" y="1858082"/>
+                        <a:pt x="145518" y="1859691"/>
+                        <a:pt x="120805" y="1841156"/>
+                      </a:cubicBezTo>
+                      <a:cubicBezTo>
+                        <a:pt x="96092" y="1822621"/>
+                        <a:pt x="59022" y="1758778"/>
+                        <a:pt x="34309" y="1754659"/>
+                      </a:cubicBezTo>
+                      <a:cubicBezTo>
+                        <a:pt x="-39699" y="1705320"/>
+                        <a:pt x="28130" y="1694935"/>
+                        <a:pt x="34308" y="1668162"/>
+                      </a:cubicBezTo>
+                      <a:cubicBezTo>
+                        <a:pt x="40486" y="1641389"/>
+                        <a:pt x="51553" y="1617812"/>
+                        <a:pt x="71378" y="1594021"/>
+                      </a:cubicBezTo>
+                      <a:cubicBezTo>
+                        <a:pt x="82565" y="1580596"/>
+                        <a:pt x="94228" y="1567108"/>
+                        <a:pt x="108448" y="1556951"/>
+                      </a:cubicBezTo>
+                      <a:cubicBezTo>
+                        <a:pt x="123437" y="1546244"/>
+                        <a:pt x="141882" y="1541377"/>
+                        <a:pt x="157875" y="1532238"/>
+                      </a:cubicBezTo>
+                      <a:cubicBezTo>
+                        <a:pt x="170770" y="1524870"/>
+                        <a:pt x="181663" y="1514166"/>
+                        <a:pt x="194946" y="1507524"/>
+                      </a:cubicBezTo>
+                      <a:cubicBezTo>
+                        <a:pt x="212677" y="1498659"/>
+                        <a:pt x="265602" y="1486771"/>
+                        <a:pt x="281443" y="1482811"/>
+                      </a:cubicBezTo>
+                      <a:cubicBezTo>
+                        <a:pt x="297919" y="1474573"/>
+                        <a:pt x="313939" y="1465353"/>
+                        <a:pt x="330870" y="1458097"/>
+                      </a:cubicBezTo>
+                      <a:cubicBezTo>
+                        <a:pt x="342842" y="1452966"/>
+                        <a:pt x="357769" y="1453877"/>
+                        <a:pt x="367940" y="1445740"/>
+                      </a:cubicBezTo>
+                      <a:cubicBezTo>
+                        <a:pt x="379537" y="1436463"/>
+                        <a:pt x="384416" y="1421027"/>
+                        <a:pt x="392654" y="1408670"/>
+                      </a:cubicBezTo>
+                      <a:cubicBezTo>
+                        <a:pt x="388535" y="1346886"/>
+                        <a:pt x="399878" y="1282062"/>
+                        <a:pt x="380297" y="1223319"/>
+                      </a:cubicBezTo>
+                      <a:cubicBezTo>
+                        <a:pt x="359459" y="1160805"/>
+                        <a:pt x="316016" y="1152464"/>
+                        <a:pt x="269086" y="1136821"/>
+                      </a:cubicBezTo>
+                      <a:cubicBezTo>
+                        <a:pt x="184445" y="1052180"/>
+                        <a:pt x="224026" y="1082068"/>
+                        <a:pt x="157875" y="1037967"/>
+                      </a:cubicBezTo>
+                      <a:cubicBezTo>
+                        <a:pt x="149637" y="1025610"/>
+                        <a:pt x="133162" y="1015748"/>
+                        <a:pt x="133162" y="1000897"/>
+                      </a:cubicBezTo>
+                      <a:cubicBezTo>
+                        <a:pt x="133162" y="938567"/>
+                        <a:pt x="133687" y="872992"/>
+                        <a:pt x="157875" y="815546"/>
+                      </a:cubicBezTo>
+                      <a:cubicBezTo>
+                        <a:pt x="175183" y="774440"/>
+                        <a:pt x="243776" y="763179"/>
+                        <a:pt x="281443" y="753762"/>
+                      </a:cubicBezTo>
+                      <a:cubicBezTo>
+                        <a:pt x="293800" y="745524"/>
+                        <a:pt x="308734" y="740225"/>
+                        <a:pt x="318513" y="729048"/>
+                      </a:cubicBezTo>
+                      <a:cubicBezTo>
+                        <a:pt x="364270" y="676754"/>
+                        <a:pt x="363325" y="668753"/>
+                        <a:pt x="380297" y="617838"/>
+                      </a:cubicBezTo>
+                      <a:cubicBezTo>
+                        <a:pt x="376178" y="597243"/>
+                        <a:pt x="380834" y="572632"/>
+                        <a:pt x="367940" y="556054"/>
+                      </a:cubicBezTo>
+                      <a:cubicBezTo>
+                        <a:pt x="334405" y="512937"/>
+                        <a:pt x="267354" y="497812"/>
+                        <a:pt x="219659" y="481913"/>
+                      </a:cubicBezTo>
+                      <a:lnTo>
+                        <a:pt x="182589" y="469556"/>
+                      </a:lnTo>
+                      <a:lnTo>
+                        <a:pt x="145519" y="457200"/>
+                      </a:lnTo>
+                      <a:cubicBezTo>
+                        <a:pt x="112768" y="424449"/>
+                        <a:pt x="68716" y="390091"/>
+                        <a:pt x="46665" y="345989"/>
+                      </a:cubicBezTo>
+                      <a:cubicBezTo>
+                        <a:pt x="40840" y="334339"/>
+                        <a:pt x="38427" y="321276"/>
+                        <a:pt x="34308" y="308919"/>
+                      </a:cubicBezTo>
+                      <a:cubicBezTo>
+                        <a:pt x="36112" y="292680"/>
+                        <a:pt x="46599" y="169050"/>
+                        <a:pt x="59021" y="135924"/>
+                      </a:cubicBezTo>
+                      <a:cubicBezTo>
+                        <a:pt x="73437" y="97482"/>
+                        <a:pt x="124926" y="60410"/>
+                        <a:pt x="157875" y="49427"/>
+                      </a:cubicBezTo>
+                      <a:lnTo>
+                        <a:pt x="232016" y="24713"/>
+                      </a:lnTo>
+                      <a:cubicBezTo>
+                        <a:pt x="244373" y="20594"/>
+                        <a:pt x="257436" y="18181"/>
+                        <a:pt x="269086" y="12356"/>
+                      </a:cubicBezTo>
+                      <a:lnTo>
+                        <a:pt x="293800" y="0"/>
+                      </a:lnTo>
+                    </a:path>
+                  </a:pathLst>
+                </a:custGeom>
+                <a:noFill/>
+                <a:ln w="38100"/>
+              </p:spPr>
+              <p:style>
+                <a:lnRef idx="2">
+                  <a:schemeClr val="accent1">
+                    <a:shade val="50000"/>
+                  </a:schemeClr>
+                </a:lnRef>
+                <a:fillRef idx="1">
+                  <a:schemeClr val="accent1"/>
+                </a:fillRef>
+                <a:effectRef idx="0">
+                  <a:schemeClr val="accent1"/>
+                </a:effectRef>
+                <a:fontRef idx="minor">
+                  <a:schemeClr val="lt1"/>
+                </a:fontRef>
+              </p:style>
+              <p:txBody>
+                <a:bodyPr rtlCol="0" anchor="ctr"/>
+                <a:lstStyle/>
+                <a:p>
+                  <a:pPr algn="ctr"/>
+                  <a:endParaRPr lang="en-US"/>
+                </a:p>
+              </p:txBody>
+            </p:sp>
+            <p:sp>
+              <p:nvSpPr>
+                <p:cNvPr id="19" name="Freeform 18">
+                  <a:extLst>
+                    <a:ext uri="{FF2B5EF4-FFF2-40B4-BE49-F238E27FC236}">
+                      <a16:creationId xmlns:a16="http://schemas.microsoft.com/office/drawing/2014/main" id="{21C52FB1-8841-8A44-89D6-C1714194DCC7}"/>
+                    </a:ext>
+                  </a:extLst>
+                </p:cNvPr>
+                <p:cNvSpPr/>
+                <p:nvPr/>
+              </p:nvSpPr>
+              <p:spPr>
+                <a:xfrm>
+                  <a:off x="2928551" y="420130"/>
+                  <a:ext cx="333632" cy="2125362"/>
+                </a:xfrm>
+                <a:custGeom>
+                  <a:avLst/>
+                  <a:gdLst>
+                    <a:gd name="connsiteX0" fmla="*/ 429127 w 429127"/>
+                    <a:gd name="connsiteY0" fmla="*/ 2125362 h 2125362"/>
+                    <a:gd name="connsiteX1" fmla="*/ 416770 w 429127"/>
+                    <a:gd name="connsiteY1" fmla="*/ 2051221 h 2125362"/>
+                    <a:gd name="connsiteX2" fmla="*/ 293203 w 429127"/>
+                    <a:gd name="connsiteY2" fmla="*/ 1927654 h 2125362"/>
+                    <a:gd name="connsiteX3" fmla="*/ 219062 w 429127"/>
+                    <a:gd name="connsiteY3" fmla="*/ 1878227 h 2125362"/>
+                    <a:gd name="connsiteX4" fmla="*/ 181992 w 429127"/>
+                    <a:gd name="connsiteY4" fmla="*/ 1865870 h 2125362"/>
+                    <a:gd name="connsiteX5" fmla="*/ 120208 w 429127"/>
+                    <a:gd name="connsiteY5" fmla="*/ 1841156 h 2125362"/>
+                    <a:gd name="connsiteX6" fmla="*/ 46068 w 429127"/>
+                    <a:gd name="connsiteY6" fmla="*/ 1828800 h 2125362"/>
+                    <a:gd name="connsiteX7" fmla="*/ 33711 w 429127"/>
+                    <a:gd name="connsiteY7" fmla="*/ 1668162 h 2125362"/>
+                    <a:gd name="connsiteX8" fmla="*/ 70781 w 429127"/>
+                    <a:gd name="connsiteY8" fmla="*/ 1594021 h 2125362"/>
+                    <a:gd name="connsiteX9" fmla="*/ 107851 w 429127"/>
+                    <a:gd name="connsiteY9" fmla="*/ 1556951 h 2125362"/>
+                    <a:gd name="connsiteX10" fmla="*/ 157278 w 429127"/>
+                    <a:gd name="connsiteY10" fmla="*/ 1532238 h 2125362"/>
+                    <a:gd name="connsiteX11" fmla="*/ 194349 w 429127"/>
+                    <a:gd name="connsiteY11" fmla="*/ 1507524 h 2125362"/>
+                    <a:gd name="connsiteX12" fmla="*/ 280846 w 429127"/>
+                    <a:gd name="connsiteY12" fmla="*/ 1482811 h 2125362"/>
+                    <a:gd name="connsiteX13" fmla="*/ 330273 w 429127"/>
+                    <a:gd name="connsiteY13" fmla="*/ 1458097 h 2125362"/>
+                    <a:gd name="connsiteX14" fmla="*/ 367343 w 429127"/>
+                    <a:gd name="connsiteY14" fmla="*/ 1445740 h 2125362"/>
+                    <a:gd name="connsiteX15" fmla="*/ 392057 w 429127"/>
+                    <a:gd name="connsiteY15" fmla="*/ 1408670 h 2125362"/>
+                    <a:gd name="connsiteX16" fmla="*/ 379700 w 429127"/>
+                    <a:gd name="connsiteY16" fmla="*/ 1223319 h 2125362"/>
+                    <a:gd name="connsiteX17" fmla="*/ 268489 w 429127"/>
+                    <a:gd name="connsiteY17" fmla="*/ 1136821 h 2125362"/>
+                    <a:gd name="connsiteX18" fmla="*/ 157278 w 429127"/>
+                    <a:gd name="connsiteY18" fmla="*/ 1037967 h 2125362"/>
+                    <a:gd name="connsiteX19" fmla="*/ 132565 w 429127"/>
+                    <a:gd name="connsiteY19" fmla="*/ 1000897 h 2125362"/>
+                    <a:gd name="connsiteX20" fmla="*/ 157278 w 429127"/>
+                    <a:gd name="connsiteY20" fmla="*/ 815546 h 2125362"/>
+                    <a:gd name="connsiteX21" fmla="*/ 280846 w 429127"/>
+                    <a:gd name="connsiteY21" fmla="*/ 753762 h 2125362"/>
+                    <a:gd name="connsiteX22" fmla="*/ 317916 w 429127"/>
+                    <a:gd name="connsiteY22" fmla="*/ 729048 h 2125362"/>
+                    <a:gd name="connsiteX23" fmla="*/ 379700 w 429127"/>
+                    <a:gd name="connsiteY23" fmla="*/ 617838 h 2125362"/>
+                    <a:gd name="connsiteX24" fmla="*/ 367343 w 429127"/>
+                    <a:gd name="connsiteY24" fmla="*/ 556054 h 2125362"/>
+                    <a:gd name="connsiteX25" fmla="*/ 219062 w 429127"/>
+                    <a:gd name="connsiteY25" fmla="*/ 481913 h 2125362"/>
+                    <a:gd name="connsiteX26" fmla="*/ 181992 w 429127"/>
+                    <a:gd name="connsiteY26" fmla="*/ 469556 h 2125362"/>
+                    <a:gd name="connsiteX27" fmla="*/ 144922 w 429127"/>
+                    <a:gd name="connsiteY27" fmla="*/ 457200 h 2125362"/>
+                    <a:gd name="connsiteX28" fmla="*/ 46068 w 429127"/>
+                    <a:gd name="connsiteY28" fmla="*/ 345989 h 2125362"/>
+                    <a:gd name="connsiteX29" fmla="*/ 33711 w 429127"/>
+                    <a:gd name="connsiteY29" fmla="*/ 308919 h 2125362"/>
+                    <a:gd name="connsiteX30" fmla="*/ 58424 w 429127"/>
+                    <a:gd name="connsiteY30" fmla="*/ 135924 h 2125362"/>
+                    <a:gd name="connsiteX31" fmla="*/ 157278 w 429127"/>
+                    <a:gd name="connsiteY31" fmla="*/ 49427 h 2125362"/>
+                    <a:gd name="connsiteX32" fmla="*/ 231419 w 429127"/>
+                    <a:gd name="connsiteY32" fmla="*/ 24713 h 2125362"/>
+                    <a:gd name="connsiteX33" fmla="*/ 268489 w 429127"/>
+                    <a:gd name="connsiteY33" fmla="*/ 12356 h 2125362"/>
+                    <a:gd name="connsiteX34" fmla="*/ 293203 w 429127"/>
+                    <a:gd name="connsiteY34" fmla="*/ 0 h 2125362"/>
+                    <a:gd name="connsiteX0" fmla="*/ 429724 w 429724"/>
+                    <a:gd name="connsiteY0" fmla="*/ 2125362 h 2125362"/>
+                    <a:gd name="connsiteX1" fmla="*/ 417367 w 429724"/>
+                    <a:gd name="connsiteY1" fmla="*/ 2051221 h 2125362"/>
+                    <a:gd name="connsiteX2" fmla="*/ 293800 w 429724"/>
+                    <a:gd name="connsiteY2" fmla="*/ 1927654 h 2125362"/>
+                    <a:gd name="connsiteX3" fmla="*/ 219659 w 429724"/>
+                    <a:gd name="connsiteY3" fmla="*/ 1878227 h 2125362"/>
+                    <a:gd name="connsiteX4" fmla="*/ 182589 w 429724"/>
+                    <a:gd name="connsiteY4" fmla="*/ 1865870 h 2125362"/>
+                    <a:gd name="connsiteX5" fmla="*/ 120805 w 429724"/>
+                    <a:gd name="connsiteY5" fmla="*/ 1841156 h 2125362"/>
+                    <a:gd name="connsiteX6" fmla="*/ 34309 w 429724"/>
+                    <a:gd name="connsiteY6" fmla="*/ 1754659 h 2125362"/>
+                    <a:gd name="connsiteX7" fmla="*/ 34308 w 429724"/>
+                    <a:gd name="connsiteY7" fmla="*/ 1668162 h 2125362"/>
+                    <a:gd name="connsiteX8" fmla="*/ 71378 w 429724"/>
+                    <a:gd name="connsiteY8" fmla="*/ 1594021 h 2125362"/>
+                    <a:gd name="connsiteX9" fmla="*/ 108448 w 429724"/>
+                    <a:gd name="connsiteY9" fmla="*/ 1556951 h 2125362"/>
+                    <a:gd name="connsiteX10" fmla="*/ 157875 w 429724"/>
+                    <a:gd name="connsiteY10" fmla="*/ 1532238 h 2125362"/>
+                    <a:gd name="connsiteX11" fmla="*/ 194946 w 429724"/>
+                    <a:gd name="connsiteY11" fmla="*/ 1507524 h 2125362"/>
+                    <a:gd name="connsiteX12" fmla="*/ 281443 w 429724"/>
+                    <a:gd name="connsiteY12" fmla="*/ 1482811 h 2125362"/>
+                    <a:gd name="connsiteX13" fmla="*/ 330870 w 429724"/>
+                    <a:gd name="connsiteY13" fmla="*/ 1458097 h 2125362"/>
+                    <a:gd name="connsiteX14" fmla="*/ 367940 w 429724"/>
+                    <a:gd name="connsiteY14" fmla="*/ 1445740 h 2125362"/>
+                    <a:gd name="connsiteX15" fmla="*/ 392654 w 429724"/>
+                    <a:gd name="connsiteY15" fmla="*/ 1408670 h 2125362"/>
+                    <a:gd name="connsiteX16" fmla="*/ 380297 w 429724"/>
+                    <a:gd name="connsiteY16" fmla="*/ 1223319 h 2125362"/>
+                    <a:gd name="connsiteX17" fmla="*/ 269086 w 429724"/>
+                    <a:gd name="connsiteY17" fmla="*/ 1136821 h 2125362"/>
+                    <a:gd name="connsiteX18" fmla="*/ 157875 w 429724"/>
+                    <a:gd name="connsiteY18" fmla="*/ 1037967 h 2125362"/>
+                    <a:gd name="connsiteX19" fmla="*/ 133162 w 429724"/>
+                    <a:gd name="connsiteY19" fmla="*/ 1000897 h 2125362"/>
+                    <a:gd name="connsiteX20" fmla="*/ 157875 w 429724"/>
+                    <a:gd name="connsiteY20" fmla="*/ 815546 h 2125362"/>
+                    <a:gd name="connsiteX21" fmla="*/ 281443 w 429724"/>
+                    <a:gd name="connsiteY21" fmla="*/ 753762 h 2125362"/>
+                    <a:gd name="connsiteX22" fmla="*/ 318513 w 429724"/>
+                    <a:gd name="connsiteY22" fmla="*/ 729048 h 2125362"/>
+                    <a:gd name="connsiteX23" fmla="*/ 380297 w 429724"/>
+                    <a:gd name="connsiteY23" fmla="*/ 617838 h 2125362"/>
+                    <a:gd name="connsiteX24" fmla="*/ 367940 w 429724"/>
+                    <a:gd name="connsiteY24" fmla="*/ 556054 h 2125362"/>
+                    <a:gd name="connsiteX25" fmla="*/ 219659 w 429724"/>
+                    <a:gd name="connsiteY25" fmla="*/ 481913 h 2125362"/>
+                    <a:gd name="connsiteX26" fmla="*/ 182589 w 429724"/>
+                    <a:gd name="connsiteY26" fmla="*/ 469556 h 2125362"/>
+                    <a:gd name="connsiteX27" fmla="*/ 145519 w 429724"/>
+                    <a:gd name="connsiteY27" fmla="*/ 457200 h 2125362"/>
+                    <a:gd name="connsiteX28" fmla="*/ 46665 w 429724"/>
+                    <a:gd name="connsiteY28" fmla="*/ 345989 h 2125362"/>
+                    <a:gd name="connsiteX29" fmla="*/ 34308 w 429724"/>
+                    <a:gd name="connsiteY29" fmla="*/ 308919 h 2125362"/>
+                    <a:gd name="connsiteX30" fmla="*/ 59021 w 429724"/>
+                    <a:gd name="connsiteY30" fmla="*/ 135924 h 2125362"/>
+                    <a:gd name="connsiteX31" fmla="*/ 157875 w 429724"/>
+                    <a:gd name="connsiteY31" fmla="*/ 49427 h 2125362"/>
+                    <a:gd name="connsiteX32" fmla="*/ 232016 w 429724"/>
+                    <a:gd name="connsiteY32" fmla="*/ 24713 h 2125362"/>
+                    <a:gd name="connsiteX33" fmla="*/ 269086 w 429724"/>
+                    <a:gd name="connsiteY33" fmla="*/ 12356 h 2125362"/>
+                    <a:gd name="connsiteX34" fmla="*/ 293800 w 429724"/>
+                    <a:gd name="connsiteY34" fmla="*/ 0 h 2125362"/>
+                  </a:gdLst>
+                  <a:ahLst/>
+                  <a:cxnLst>
+                    <a:cxn ang="0">
+                      <a:pos x="connsiteX0" y="connsiteY0"/>
+                    </a:cxn>
+                    <a:cxn ang="0">
+                      <a:pos x="connsiteX1" y="connsiteY1"/>
+                    </a:cxn>
+                    <a:cxn ang="0">
+                      <a:pos x="connsiteX2" y="connsiteY2"/>
+                    </a:cxn>
+                    <a:cxn ang="0">
+                      <a:pos x="connsiteX3" y="connsiteY3"/>
+                    </a:cxn>
+                    <a:cxn ang="0">
+                      <a:pos x="connsiteX4" y="connsiteY4"/>
+                    </a:cxn>
+                    <a:cxn ang="0">
+                      <a:pos x="connsiteX5" y="connsiteY5"/>
+                    </a:cxn>
+                    <a:cxn ang="0">
+                      <a:pos x="connsiteX6" y="connsiteY6"/>
+                    </a:cxn>
+                    <a:cxn ang="0">
+                      <a:pos x="connsiteX7" y="connsiteY7"/>
+                    </a:cxn>
+                    <a:cxn ang="0">
+                      <a:pos x="connsiteX8" y="connsiteY8"/>
+                    </a:cxn>
+                    <a:cxn ang="0">
+                      <a:pos x="connsiteX9" y="connsiteY9"/>
+                    </a:cxn>
+                    <a:cxn ang="0">
+                      <a:pos x="connsiteX10" y="connsiteY10"/>
+                    </a:cxn>
+                    <a:cxn ang="0">
+                      <a:pos x="connsiteX11" y="connsiteY11"/>
+                    </a:cxn>
+                    <a:cxn ang="0">
+                      <a:pos x="connsiteX12" y="connsiteY12"/>
+                    </a:cxn>
+                    <a:cxn ang="0">
+                      <a:pos x="connsiteX13" y="connsiteY13"/>
+                    </a:cxn>
+                    <a:cxn ang="0">
+                      <a:pos x="connsiteX14" y="connsiteY14"/>
+                    </a:cxn>
+                    <a:cxn ang="0">
+                      <a:pos x="connsiteX15" y="connsiteY15"/>
+                    </a:cxn>
+                    <a:cxn ang="0">
+                      <a:pos x="connsiteX16" y="connsiteY16"/>
+                    </a:cxn>
+                    <a:cxn ang="0">
+                      <a:pos x="connsiteX17" y="connsiteY17"/>
+                    </a:cxn>
+                    <a:cxn ang="0">
+                      <a:pos x="connsiteX18" y="connsiteY18"/>
+                    </a:cxn>
+                    <a:cxn ang="0">
+                      <a:pos x="connsiteX19" y="connsiteY19"/>
+                    </a:cxn>
+                    <a:cxn ang="0">
+                      <a:pos x="connsiteX20" y="connsiteY20"/>
+                    </a:cxn>
+                    <a:cxn ang="0">
+                      <a:pos x="connsiteX21" y="connsiteY21"/>
+                    </a:cxn>
+                    <a:cxn ang="0">
+                      <a:pos x="connsiteX22" y="connsiteY22"/>
+                    </a:cxn>
+                    <a:cxn ang="0">
+                      <a:pos x="connsiteX23" y="connsiteY23"/>
+                    </a:cxn>
+                    <a:cxn ang="0">
+                      <a:pos x="connsiteX24" y="connsiteY24"/>
+                    </a:cxn>
+                    <a:cxn ang="0">
+                      <a:pos x="connsiteX25" y="connsiteY25"/>
+                    </a:cxn>
+                    <a:cxn ang="0">
+                      <a:pos x="connsiteX26" y="connsiteY26"/>
+                    </a:cxn>
+                    <a:cxn ang="0">
+                      <a:pos x="connsiteX27" y="connsiteY27"/>
+                    </a:cxn>
+                    <a:cxn ang="0">
+                      <a:pos x="connsiteX28" y="connsiteY28"/>
+                    </a:cxn>
+                    <a:cxn ang="0">
+                      <a:pos x="connsiteX29" y="connsiteY29"/>
+                    </a:cxn>
+                    <a:cxn ang="0">
+                      <a:pos x="connsiteX30" y="connsiteY30"/>
+                    </a:cxn>
+                    <a:cxn ang="0">
+                      <a:pos x="connsiteX31" y="connsiteY31"/>
+                    </a:cxn>
+                    <a:cxn ang="0">
+                      <a:pos x="connsiteX32" y="connsiteY32"/>
+                    </a:cxn>
+                    <a:cxn ang="0">
+                      <a:pos x="connsiteX33" y="connsiteY33"/>
+                    </a:cxn>
+                    <a:cxn ang="0">
+                      <a:pos x="connsiteX34" y="connsiteY34"/>
+                    </a:cxn>
+                  </a:cxnLst>
+                  <a:rect l="l" t="t" r="r" b="b"/>
+                  <a:pathLst>
+                    <a:path w="429724" h="2125362">
+                      <a:moveTo>
+                        <a:pt x="429724" y="2125362"/>
+                      </a:moveTo>
+                      <a:cubicBezTo>
+                        <a:pt x="425605" y="2100648"/>
+                        <a:pt x="427003" y="2074348"/>
+                        <a:pt x="417367" y="2051221"/>
+                      </a:cubicBezTo>
+                      <a:cubicBezTo>
+                        <a:pt x="385683" y="1975180"/>
+                        <a:pt x="358435" y="1970744"/>
+                        <a:pt x="293800" y="1927654"/>
+                      </a:cubicBezTo>
+                      <a:lnTo>
+                        <a:pt x="219659" y="1878227"/>
+                      </a:lnTo>
+                      <a:cubicBezTo>
+                        <a:pt x="207302" y="1874108"/>
+                        <a:pt x="194785" y="1870444"/>
+                        <a:pt x="182589" y="1865870"/>
+                      </a:cubicBezTo>
+                      <a:cubicBezTo>
+                        <a:pt x="161820" y="1858082"/>
+                        <a:pt x="145518" y="1859691"/>
+                        <a:pt x="120805" y="1841156"/>
+                      </a:cubicBezTo>
+                      <a:cubicBezTo>
+                        <a:pt x="96092" y="1822621"/>
+                        <a:pt x="59022" y="1758778"/>
+                        <a:pt x="34309" y="1754659"/>
+                      </a:cubicBezTo>
+                      <a:cubicBezTo>
+                        <a:pt x="-39699" y="1705320"/>
+                        <a:pt x="28130" y="1694935"/>
+                        <a:pt x="34308" y="1668162"/>
+                      </a:cubicBezTo>
+                      <a:cubicBezTo>
+                        <a:pt x="40486" y="1641389"/>
+                        <a:pt x="51553" y="1617812"/>
+                        <a:pt x="71378" y="1594021"/>
+                      </a:cubicBezTo>
+                      <a:cubicBezTo>
+                        <a:pt x="82565" y="1580596"/>
+                        <a:pt x="94228" y="1567108"/>
+                        <a:pt x="108448" y="1556951"/>
+                      </a:cubicBezTo>
+                      <a:cubicBezTo>
+                        <a:pt x="123437" y="1546244"/>
+                        <a:pt x="141882" y="1541377"/>
+                        <a:pt x="157875" y="1532238"/>
+                      </a:cubicBezTo>
+                      <a:cubicBezTo>
+                        <a:pt x="170770" y="1524870"/>
+                        <a:pt x="181663" y="1514166"/>
+                        <a:pt x="194946" y="1507524"/>
+                      </a:cubicBezTo>
+                      <a:cubicBezTo>
+                        <a:pt x="212677" y="1498659"/>
+                        <a:pt x="265602" y="1486771"/>
+                        <a:pt x="281443" y="1482811"/>
+                      </a:cubicBezTo>
+                      <a:cubicBezTo>
+                        <a:pt x="297919" y="1474573"/>
+                        <a:pt x="313939" y="1465353"/>
+                        <a:pt x="330870" y="1458097"/>
+                      </a:cubicBezTo>
+                      <a:cubicBezTo>
+                        <a:pt x="342842" y="1452966"/>
+                        <a:pt x="357769" y="1453877"/>
+                        <a:pt x="367940" y="1445740"/>
+                      </a:cubicBezTo>
+                      <a:cubicBezTo>
+                        <a:pt x="379537" y="1436463"/>
+                        <a:pt x="384416" y="1421027"/>
+                        <a:pt x="392654" y="1408670"/>
+                      </a:cubicBezTo>
+                      <a:cubicBezTo>
+                        <a:pt x="388535" y="1346886"/>
+                        <a:pt x="399878" y="1282062"/>
+                        <a:pt x="380297" y="1223319"/>
+                      </a:cubicBezTo>
+                      <a:cubicBezTo>
+                        <a:pt x="359459" y="1160805"/>
+                        <a:pt x="316016" y="1152464"/>
+                        <a:pt x="269086" y="1136821"/>
+                      </a:cubicBezTo>
+                      <a:cubicBezTo>
+                        <a:pt x="184445" y="1052180"/>
+                        <a:pt x="224026" y="1082068"/>
+                        <a:pt x="157875" y="1037967"/>
+                      </a:cubicBezTo>
+                      <a:cubicBezTo>
+                        <a:pt x="149637" y="1025610"/>
+                        <a:pt x="133162" y="1015748"/>
+                        <a:pt x="133162" y="1000897"/>
+                      </a:cubicBezTo>
+                      <a:cubicBezTo>
+                        <a:pt x="133162" y="938567"/>
+                        <a:pt x="133687" y="872992"/>
+                        <a:pt x="157875" y="815546"/>
+                      </a:cubicBezTo>
+                      <a:cubicBezTo>
+                        <a:pt x="175183" y="774440"/>
+                        <a:pt x="243776" y="763179"/>
+                        <a:pt x="281443" y="753762"/>
+                      </a:cubicBezTo>
+                      <a:cubicBezTo>
+                        <a:pt x="293800" y="745524"/>
+                        <a:pt x="308734" y="740225"/>
+                        <a:pt x="318513" y="729048"/>
+                      </a:cubicBezTo>
+                      <a:cubicBezTo>
+                        <a:pt x="364270" y="676754"/>
+                        <a:pt x="363325" y="668753"/>
+                        <a:pt x="380297" y="617838"/>
+                      </a:cubicBezTo>
+                      <a:cubicBezTo>
+                        <a:pt x="376178" y="597243"/>
+                        <a:pt x="380834" y="572632"/>
+                        <a:pt x="367940" y="556054"/>
+                      </a:cubicBezTo>
+                      <a:cubicBezTo>
+                        <a:pt x="334405" y="512937"/>
+                        <a:pt x="267354" y="497812"/>
+                        <a:pt x="219659" y="481913"/>
+                      </a:cubicBezTo>
+                      <a:lnTo>
+                        <a:pt x="182589" y="469556"/>
+                      </a:lnTo>
+                      <a:lnTo>
+                        <a:pt x="145519" y="457200"/>
+                      </a:lnTo>
+                      <a:cubicBezTo>
+                        <a:pt x="112768" y="424449"/>
+                        <a:pt x="68716" y="390091"/>
+                        <a:pt x="46665" y="345989"/>
+                      </a:cubicBezTo>
+                      <a:cubicBezTo>
+                        <a:pt x="40840" y="334339"/>
+                        <a:pt x="38427" y="321276"/>
+                        <a:pt x="34308" y="308919"/>
+                      </a:cubicBezTo>
+                      <a:cubicBezTo>
+                        <a:pt x="36112" y="292680"/>
+                        <a:pt x="46599" y="169050"/>
+                        <a:pt x="59021" y="135924"/>
+                      </a:cubicBezTo>
+                      <a:cubicBezTo>
+                        <a:pt x="73437" y="97482"/>
+                        <a:pt x="124926" y="60410"/>
+                        <a:pt x="157875" y="49427"/>
+                      </a:cubicBezTo>
+                      <a:lnTo>
+                        <a:pt x="232016" y="24713"/>
+                      </a:lnTo>
+                      <a:cubicBezTo>
+                        <a:pt x="244373" y="20594"/>
+                        <a:pt x="257436" y="18181"/>
+                        <a:pt x="269086" y="12356"/>
+                      </a:cubicBezTo>
+                      <a:lnTo>
+                        <a:pt x="293800" y="0"/>
+                      </a:lnTo>
+                    </a:path>
+                  </a:pathLst>
+                </a:custGeom>
+                <a:noFill/>
+                <a:ln w="38100"/>
+              </p:spPr>
+              <p:style>
+                <a:lnRef idx="2">
+                  <a:schemeClr val="accent1">
+                    <a:shade val="50000"/>
+                  </a:schemeClr>
+                </a:lnRef>
+                <a:fillRef idx="1">
+                  <a:schemeClr val="accent1"/>
+                </a:fillRef>
+                <a:effectRef idx="0">
+                  <a:schemeClr val="accent1"/>
+                </a:effectRef>
+                <a:fontRef idx="minor">
+                  <a:schemeClr val="lt1"/>
+                </a:fontRef>
+              </p:style>
+              <p:txBody>
+                <a:bodyPr rtlCol="0" anchor="ctr"/>
+                <a:lstStyle/>
+                <a:p>
+                  <a:pPr algn="ctr"/>
+                  <a:endParaRPr lang="en-US"/>
+                </a:p>
+              </p:txBody>
+            </p:sp>
+          </p:grpSp>
+          <p:grpSp>
+            <p:nvGrpSpPr>
+              <p:cNvPr id="20" name="Group 19">
+                <a:extLst>
+                  <a:ext uri="{FF2B5EF4-FFF2-40B4-BE49-F238E27FC236}">
+                    <a16:creationId xmlns:a16="http://schemas.microsoft.com/office/drawing/2014/main" id="{C7BCBA05-73CE-B54B-8B97-3B46820D38EA}"/>
+                  </a:ext>
+                </a:extLst>
+              </p:cNvPr>
+              <p:cNvGrpSpPr/>
+              <p:nvPr/>
+            </p:nvGrpSpPr>
+            <p:grpSpPr>
+              <a:xfrm>
+                <a:off x="5101286" y="1734066"/>
+                <a:ext cx="729048" cy="2619632"/>
+                <a:chOff x="2656703" y="420130"/>
+                <a:chExt cx="729048" cy="2619632"/>
+              </a:xfrm>
+            </p:grpSpPr>
+            <p:sp>
+              <p:nvSpPr>
+                <p:cNvPr id="21" name="Oval 20">
+                  <a:extLst>
+                    <a:ext uri="{FF2B5EF4-FFF2-40B4-BE49-F238E27FC236}">
+                      <a16:creationId xmlns:a16="http://schemas.microsoft.com/office/drawing/2014/main" id="{67FD0C30-9939-074F-BDC5-D1C875E4EAED}"/>
+                    </a:ext>
+                  </a:extLst>
+                </p:cNvPr>
+                <p:cNvSpPr/>
+                <p:nvPr/>
+              </p:nvSpPr>
+              <p:spPr>
+                <a:xfrm>
+                  <a:off x="2804984" y="2483708"/>
+                  <a:ext cx="580767" cy="556054"/>
+                </a:xfrm>
+                <a:prstGeom prst="ellipse">
+                  <a:avLst/>
+                </a:prstGeom>
+                <a:solidFill>
+                  <a:schemeClr val="accent6">
+                    <a:lumMod val="40000"/>
+                    <a:lumOff val="60000"/>
+                  </a:schemeClr>
+                </a:solidFill>
+              </p:spPr>
+              <p:style>
+                <a:lnRef idx="2">
+                  <a:schemeClr val="accent1">
+                    <a:shade val="50000"/>
+                  </a:schemeClr>
+                </a:lnRef>
+                <a:fillRef idx="1">
+                  <a:schemeClr val="accent1"/>
+                </a:fillRef>
+                <a:effectRef idx="0">
+                  <a:schemeClr val="accent1"/>
+                </a:effectRef>
+                <a:fontRef idx="minor">
+                  <a:schemeClr val="lt1"/>
+                </a:fontRef>
+              </p:style>
+              <p:txBody>
+                <a:bodyPr rtlCol="0" anchor="ctr"/>
+                <a:lstStyle/>
+                <a:p>
+                  <a:pPr algn="ctr"/>
+                  <a:endParaRPr lang="en-US"/>
+                </a:p>
+              </p:txBody>
+            </p:sp>
+            <p:sp>
+              <p:nvSpPr>
+                <p:cNvPr id="22" name="Freeform 21">
+                  <a:extLst>
+                    <a:ext uri="{FF2B5EF4-FFF2-40B4-BE49-F238E27FC236}">
+                      <a16:creationId xmlns:a16="http://schemas.microsoft.com/office/drawing/2014/main" id="{477F3209-5BDA-2249-A6EF-E997ECA5B42A}"/>
+                    </a:ext>
+                  </a:extLst>
+                </p:cNvPr>
+                <p:cNvSpPr/>
+                <p:nvPr/>
+              </p:nvSpPr>
+              <p:spPr>
+                <a:xfrm>
+                  <a:off x="2656703" y="420130"/>
+                  <a:ext cx="333632" cy="2125362"/>
+                </a:xfrm>
+                <a:custGeom>
+                  <a:avLst/>
+                  <a:gdLst>
+                    <a:gd name="connsiteX0" fmla="*/ 429127 w 429127"/>
+                    <a:gd name="connsiteY0" fmla="*/ 2125362 h 2125362"/>
+                    <a:gd name="connsiteX1" fmla="*/ 416770 w 429127"/>
+                    <a:gd name="connsiteY1" fmla="*/ 2051221 h 2125362"/>
+                    <a:gd name="connsiteX2" fmla="*/ 293203 w 429127"/>
+                    <a:gd name="connsiteY2" fmla="*/ 1927654 h 2125362"/>
+                    <a:gd name="connsiteX3" fmla="*/ 219062 w 429127"/>
+                    <a:gd name="connsiteY3" fmla="*/ 1878227 h 2125362"/>
+                    <a:gd name="connsiteX4" fmla="*/ 181992 w 429127"/>
+                    <a:gd name="connsiteY4" fmla="*/ 1865870 h 2125362"/>
+                    <a:gd name="connsiteX5" fmla="*/ 120208 w 429127"/>
+                    <a:gd name="connsiteY5" fmla="*/ 1841156 h 2125362"/>
+                    <a:gd name="connsiteX6" fmla="*/ 46068 w 429127"/>
+                    <a:gd name="connsiteY6" fmla="*/ 1828800 h 2125362"/>
+                    <a:gd name="connsiteX7" fmla="*/ 33711 w 429127"/>
+                    <a:gd name="connsiteY7" fmla="*/ 1668162 h 2125362"/>
+                    <a:gd name="connsiteX8" fmla="*/ 70781 w 429127"/>
+                    <a:gd name="connsiteY8" fmla="*/ 1594021 h 2125362"/>
+                    <a:gd name="connsiteX9" fmla="*/ 107851 w 429127"/>
+                    <a:gd name="connsiteY9" fmla="*/ 1556951 h 2125362"/>
+                    <a:gd name="connsiteX10" fmla="*/ 157278 w 429127"/>
+                    <a:gd name="connsiteY10" fmla="*/ 1532238 h 2125362"/>
+                    <a:gd name="connsiteX11" fmla="*/ 194349 w 429127"/>
+                    <a:gd name="connsiteY11" fmla="*/ 1507524 h 2125362"/>
+                    <a:gd name="connsiteX12" fmla="*/ 280846 w 429127"/>
+                    <a:gd name="connsiteY12" fmla="*/ 1482811 h 2125362"/>
+                    <a:gd name="connsiteX13" fmla="*/ 330273 w 429127"/>
+                    <a:gd name="connsiteY13" fmla="*/ 1458097 h 2125362"/>
+                    <a:gd name="connsiteX14" fmla="*/ 367343 w 429127"/>
+                    <a:gd name="connsiteY14" fmla="*/ 1445740 h 2125362"/>
+                    <a:gd name="connsiteX15" fmla="*/ 392057 w 429127"/>
+                    <a:gd name="connsiteY15" fmla="*/ 1408670 h 2125362"/>
+                    <a:gd name="connsiteX16" fmla="*/ 379700 w 429127"/>
+                    <a:gd name="connsiteY16" fmla="*/ 1223319 h 2125362"/>
+                    <a:gd name="connsiteX17" fmla="*/ 268489 w 429127"/>
+                    <a:gd name="connsiteY17" fmla="*/ 1136821 h 2125362"/>
+                    <a:gd name="connsiteX18" fmla="*/ 157278 w 429127"/>
+                    <a:gd name="connsiteY18" fmla="*/ 1037967 h 2125362"/>
+                    <a:gd name="connsiteX19" fmla="*/ 132565 w 429127"/>
+                    <a:gd name="connsiteY19" fmla="*/ 1000897 h 2125362"/>
+                    <a:gd name="connsiteX20" fmla="*/ 157278 w 429127"/>
+                    <a:gd name="connsiteY20" fmla="*/ 815546 h 2125362"/>
+                    <a:gd name="connsiteX21" fmla="*/ 280846 w 429127"/>
+                    <a:gd name="connsiteY21" fmla="*/ 753762 h 2125362"/>
+                    <a:gd name="connsiteX22" fmla="*/ 317916 w 429127"/>
+                    <a:gd name="connsiteY22" fmla="*/ 729048 h 2125362"/>
+                    <a:gd name="connsiteX23" fmla="*/ 379700 w 429127"/>
+                    <a:gd name="connsiteY23" fmla="*/ 617838 h 2125362"/>
+                    <a:gd name="connsiteX24" fmla="*/ 367343 w 429127"/>
+                    <a:gd name="connsiteY24" fmla="*/ 556054 h 2125362"/>
+                    <a:gd name="connsiteX25" fmla="*/ 219062 w 429127"/>
+                    <a:gd name="connsiteY25" fmla="*/ 481913 h 2125362"/>
+                    <a:gd name="connsiteX26" fmla="*/ 181992 w 429127"/>
+                    <a:gd name="connsiteY26" fmla="*/ 469556 h 2125362"/>
+                    <a:gd name="connsiteX27" fmla="*/ 144922 w 429127"/>
+                    <a:gd name="connsiteY27" fmla="*/ 457200 h 2125362"/>
+                    <a:gd name="connsiteX28" fmla="*/ 46068 w 429127"/>
+                    <a:gd name="connsiteY28" fmla="*/ 345989 h 2125362"/>
+                    <a:gd name="connsiteX29" fmla="*/ 33711 w 429127"/>
+                    <a:gd name="connsiteY29" fmla="*/ 308919 h 2125362"/>
+                    <a:gd name="connsiteX30" fmla="*/ 58424 w 429127"/>
+                    <a:gd name="connsiteY30" fmla="*/ 135924 h 2125362"/>
+                    <a:gd name="connsiteX31" fmla="*/ 157278 w 429127"/>
+                    <a:gd name="connsiteY31" fmla="*/ 49427 h 2125362"/>
+                    <a:gd name="connsiteX32" fmla="*/ 231419 w 429127"/>
+                    <a:gd name="connsiteY32" fmla="*/ 24713 h 2125362"/>
+                    <a:gd name="connsiteX33" fmla="*/ 268489 w 429127"/>
+                    <a:gd name="connsiteY33" fmla="*/ 12356 h 2125362"/>
+                    <a:gd name="connsiteX34" fmla="*/ 293203 w 429127"/>
+                    <a:gd name="connsiteY34" fmla="*/ 0 h 2125362"/>
+                    <a:gd name="connsiteX0" fmla="*/ 429724 w 429724"/>
+                    <a:gd name="connsiteY0" fmla="*/ 2125362 h 2125362"/>
+                    <a:gd name="connsiteX1" fmla="*/ 417367 w 429724"/>
+                    <a:gd name="connsiteY1" fmla="*/ 2051221 h 2125362"/>
+                    <a:gd name="connsiteX2" fmla="*/ 293800 w 429724"/>
+                    <a:gd name="connsiteY2" fmla="*/ 1927654 h 2125362"/>
+                    <a:gd name="connsiteX3" fmla="*/ 219659 w 429724"/>
+                    <a:gd name="connsiteY3" fmla="*/ 1878227 h 2125362"/>
+                    <a:gd name="connsiteX4" fmla="*/ 182589 w 429724"/>
+                    <a:gd name="connsiteY4" fmla="*/ 1865870 h 2125362"/>
+                    <a:gd name="connsiteX5" fmla="*/ 120805 w 429724"/>
+                    <a:gd name="connsiteY5" fmla="*/ 1841156 h 2125362"/>
+                    <a:gd name="connsiteX6" fmla="*/ 34309 w 429724"/>
+                    <a:gd name="connsiteY6" fmla="*/ 1754659 h 2125362"/>
+                    <a:gd name="connsiteX7" fmla="*/ 34308 w 429724"/>
+                    <a:gd name="connsiteY7" fmla="*/ 1668162 h 2125362"/>
+                    <a:gd name="connsiteX8" fmla="*/ 71378 w 429724"/>
+                    <a:gd name="connsiteY8" fmla="*/ 1594021 h 2125362"/>
+                    <a:gd name="connsiteX9" fmla="*/ 108448 w 429724"/>
+                    <a:gd name="connsiteY9" fmla="*/ 1556951 h 2125362"/>
+                    <a:gd name="connsiteX10" fmla="*/ 157875 w 429724"/>
+                    <a:gd name="connsiteY10" fmla="*/ 1532238 h 2125362"/>
+                    <a:gd name="connsiteX11" fmla="*/ 194946 w 429724"/>
+                    <a:gd name="connsiteY11" fmla="*/ 1507524 h 2125362"/>
+                    <a:gd name="connsiteX12" fmla="*/ 281443 w 429724"/>
+                    <a:gd name="connsiteY12" fmla="*/ 1482811 h 2125362"/>
+                    <a:gd name="connsiteX13" fmla="*/ 330870 w 429724"/>
+                    <a:gd name="connsiteY13" fmla="*/ 1458097 h 2125362"/>
+                    <a:gd name="connsiteX14" fmla="*/ 367940 w 429724"/>
+                    <a:gd name="connsiteY14" fmla="*/ 1445740 h 2125362"/>
+                    <a:gd name="connsiteX15" fmla="*/ 392654 w 429724"/>
+                    <a:gd name="connsiteY15" fmla="*/ 1408670 h 2125362"/>
+                    <a:gd name="connsiteX16" fmla="*/ 380297 w 429724"/>
+                    <a:gd name="connsiteY16" fmla="*/ 1223319 h 2125362"/>
+                    <a:gd name="connsiteX17" fmla="*/ 269086 w 429724"/>
+                    <a:gd name="connsiteY17" fmla="*/ 1136821 h 2125362"/>
+                    <a:gd name="connsiteX18" fmla="*/ 157875 w 429724"/>
+                    <a:gd name="connsiteY18" fmla="*/ 1037967 h 2125362"/>
+                    <a:gd name="connsiteX19" fmla="*/ 133162 w 429724"/>
+                    <a:gd name="connsiteY19" fmla="*/ 1000897 h 2125362"/>
+                    <a:gd name="connsiteX20" fmla="*/ 157875 w 429724"/>
+                    <a:gd name="connsiteY20" fmla="*/ 815546 h 2125362"/>
+                    <a:gd name="connsiteX21" fmla="*/ 281443 w 429724"/>
+                    <a:gd name="connsiteY21" fmla="*/ 753762 h 2125362"/>
+                    <a:gd name="connsiteX22" fmla="*/ 318513 w 429724"/>
+                    <a:gd name="connsiteY22" fmla="*/ 729048 h 2125362"/>
+                    <a:gd name="connsiteX23" fmla="*/ 380297 w 429724"/>
+                    <a:gd name="connsiteY23" fmla="*/ 617838 h 2125362"/>
+                    <a:gd name="connsiteX24" fmla="*/ 367940 w 429724"/>
+                    <a:gd name="connsiteY24" fmla="*/ 556054 h 2125362"/>
+                    <a:gd name="connsiteX25" fmla="*/ 219659 w 429724"/>
+                    <a:gd name="connsiteY25" fmla="*/ 481913 h 2125362"/>
+                    <a:gd name="connsiteX26" fmla="*/ 182589 w 429724"/>
+                    <a:gd name="connsiteY26" fmla="*/ 469556 h 2125362"/>
+                    <a:gd name="connsiteX27" fmla="*/ 145519 w 429724"/>
+                    <a:gd name="connsiteY27" fmla="*/ 457200 h 2125362"/>
+                    <a:gd name="connsiteX28" fmla="*/ 46665 w 429724"/>
+                    <a:gd name="connsiteY28" fmla="*/ 345989 h 2125362"/>
+                    <a:gd name="connsiteX29" fmla="*/ 34308 w 429724"/>
+                    <a:gd name="connsiteY29" fmla="*/ 308919 h 2125362"/>
+                    <a:gd name="connsiteX30" fmla="*/ 59021 w 429724"/>
+                    <a:gd name="connsiteY30" fmla="*/ 135924 h 2125362"/>
+                    <a:gd name="connsiteX31" fmla="*/ 157875 w 429724"/>
+                    <a:gd name="connsiteY31" fmla="*/ 49427 h 2125362"/>
+                    <a:gd name="connsiteX32" fmla="*/ 232016 w 429724"/>
+                    <a:gd name="connsiteY32" fmla="*/ 24713 h 2125362"/>
+                    <a:gd name="connsiteX33" fmla="*/ 269086 w 429724"/>
+                    <a:gd name="connsiteY33" fmla="*/ 12356 h 2125362"/>
+                    <a:gd name="connsiteX34" fmla="*/ 293800 w 429724"/>
+                    <a:gd name="connsiteY34" fmla="*/ 0 h 2125362"/>
+                  </a:gdLst>
+                  <a:ahLst/>
+                  <a:cxnLst>
+                    <a:cxn ang="0">
+                      <a:pos x="connsiteX0" y="connsiteY0"/>
+                    </a:cxn>
+                    <a:cxn ang="0">
+                      <a:pos x="connsiteX1" y="connsiteY1"/>
+                    </a:cxn>
+                    <a:cxn ang="0">
+                      <a:pos x="connsiteX2" y="connsiteY2"/>
+                    </a:cxn>
+                    <a:cxn ang="0">
+                      <a:pos x="connsiteX3" y="connsiteY3"/>
+                    </a:cxn>
+                    <a:cxn ang="0">
+                      <a:pos x="connsiteX4" y="connsiteY4"/>
+                    </a:cxn>
+                    <a:cxn ang="0">
+                      <a:pos x="connsiteX5" y="connsiteY5"/>
+                    </a:cxn>
+                    <a:cxn ang="0">
+                      <a:pos x="connsiteX6" y="connsiteY6"/>
+                    </a:cxn>
+                    <a:cxn ang="0">
+                      <a:pos x="connsiteX7" y="connsiteY7"/>
+                    </a:cxn>
+                    <a:cxn ang="0">
+                      <a:pos x="connsiteX8" y="connsiteY8"/>
+                    </a:cxn>
+                    <a:cxn ang="0">
+                      <a:pos x="connsiteX9" y="connsiteY9"/>
+                    </a:cxn>
+                    <a:cxn ang="0">
+                      <a:pos x="connsiteX10" y="connsiteY10"/>
+                    </a:cxn>
+                    <a:cxn ang="0">
+                      <a:pos x="connsiteX11" y="connsiteY11"/>
+                    </a:cxn>
+                    <a:cxn ang="0">
+                      <a:pos x="connsiteX12" y="connsiteY12"/>
+                    </a:cxn>
+                    <a:cxn ang="0">
+                      <a:pos x="connsiteX13" y="connsiteY13"/>
+                    </a:cxn>
+                    <a:cxn ang="0">
+                      <a:pos x="connsiteX14" y="connsiteY14"/>
+                    </a:cxn>
+                    <a:cxn ang="0">
+                      <a:pos x="connsiteX15" y="connsiteY15"/>
+                    </a:cxn>
+                    <a:cxn ang="0">
+                      <a:pos x="connsiteX16" y="connsiteY16"/>
+                    </a:cxn>
+                    <a:cxn ang="0">
+                      <a:pos x="connsiteX17" y="connsiteY17"/>
+                    </a:cxn>
+                    <a:cxn ang="0">
+                      <a:pos x="connsiteX18" y="connsiteY18"/>
+                    </a:cxn>
+                    <a:cxn ang="0">
+                      <a:pos x="connsiteX19" y="connsiteY19"/>
+                    </a:cxn>
+                    <a:cxn ang="0">
+                      <a:pos x="connsiteX20" y="connsiteY20"/>
+                    </a:cxn>
+                    <a:cxn ang="0">
+                      <a:pos x="connsiteX21" y="connsiteY21"/>
+                    </a:cxn>
+                    <a:cxn ang="0">
+                      <a:pos x="connsiteX22" y="connsiteY22"/>
+                    </a:cxn>
+                    <a:cxn ang="0">
+                      <a:pos x="connsiteX23" y="connsiteY23"/>
+                    </a:cxn>
+                    <a:cxn ang="0">
+                      <a:pos x="connsiteX24" y="connsiteY24"/>
+                    </a:cxn>
+                    <a:cxn ang="0">
+                      <a:pos x="connsiteX25" y="connsiteY25"/>
+                    </a:cxn>
+                    <a:cxn ang="0">
+                      <a:pos x="connsiteX26" y="connsiteY26"/>
+                    </a:cxn>
+                    <a:cxn ang="0">
+                      <a:pos x="connsiteX27" y="connsiteY27"/>
+                    </a:cxn>
+                    <a:cxn ang="0">
+                      <a:pos x="connsiteX28" y="connsiteY28"/>
+                    </a:cxn>
+                    <a:cxn ang="0">
+                      <a:pos x="connsiteX29" y="connsiteY29"/>
+                    </a:cxn>
+                    <a:cxn ang="0">
+                      <a:pos x="connsiteX30" y="connsiteY30"/>
+                    </a:cxn>
+                    <a:cxn ang="0">
+                      <a:pos x="connsiteX31" y="connsiteY31"/>
+                    </a:cxn>
+                    <a:cxn ang="0">
+                      <a:pos x="connsiteX32" y="connsiteY32"/>
+                    </a:cxn>
+                    <a:cxn ang="0">
+                      <a:pos x="connsiteX33" y="connsiteY33"/>
+                    </a:cxn>
+                    <a:cxn ang="0">
+                      <a:pos x="connsiteX34" y="connsiteY34"/>
+                    </a:cxn>
+                  </a:cxnLst>
+                  <a:rect l="l" t="t" r="r" b="b"/>
+                  <a:pathLst>
+                    <a:path w="429724" h="2125362">
+                      <a:moveTo>
+                        <a:pt x="429724" y="2125362"/>
+                      </a:moveTo>
+                      <a:cubicBezTo>
+                        <a:pt x="425605" y="2100648"/>
+                        <a:pt x="427003" y="2074348"/>
+                        <a:pt x="417367" y="2051221"/>
+                      </a:cubicBezTo>
+                      <a:cubicBezTo>
+                        <a:pt x="385683" y="1975180"/>
+                        <a:pt x="358435" y="1970744"/>
+                        <a:pt x="293800" y="1927654"/>
+                      </a:cubicBezTo>
+                      <a:lnTo>
+                        <a:pt x="219659" y="1878227"/>
+                      </a:lnTo>
+                      <a:cubicBezTo>
+                        <a:pt x="207302" y="1874108"/>
+                        <a:pt x="194785" y="1870444"/>
+                        <a:pt x="182589" y="1865870"/>
+                      </a:cubicBezTo>
+                      <a:cubicBezTo>
+                        <a:pt x="161820" y="1858082"/>
+                        <a:pt x="145518" y="1859691"/>
+                        <a:pt x="120805" y="1841156"/>
+                      </a:cubicBezTo>
+                      <a:cubicBezTo>
+                        <a:pt x="96092" y="1822621"/>
+                        <a:pt x="59022" y="1758778"/>
+                        <a:pt x="34309" y="1754659"/>
+                      </a:cubicBezTo>
+                      <a:cubicBezTo>
+                        <a:pt x="-39699" y="1705320"/>
+                        <a:pt x="28130" y="1694935"/>
+                        <a:pt x="34308" y="1668162"/>
+                      </a:cubicBezTo>
+                      <a:cubicBezTo>
+                        <a:pt x="40486" y="1641389"/>
+                        <a:pt x="51553" y="1617812"/>
+                        <a:pt x="71378" y="1594021"/>
+                      </a:cubicBezTo>
+                      <a:cubicBezTo>
+                        <a:pt x="82565" y="1580596"/>
+                        <a:pt x="94228" y="1567108"/>
+                        <a:pt x="108448" y="1556951"/>
+                      </a:cubicBezTo>
+                      <a:cubicBezTo>
+                        <a:pt x="123437" y="1546244"/>
+                        <a:pt x="141882" y="1541377"/>
+                        <a:pt x="157875" y="1532238"/>
+                      </a:cubicBezTo>
+                      <a:cubicBezTo>
+                        <a:pt x="170770" y="1524870"/>
+                        <a:pt x="181663" y="1514166"/>
+                        <a:pt x="194946" y="1507524"/>
+                      </a:cubicBezTo>
+                      <a:cubicBezTo>
+                        <a:pt x="212677" y="1498659"/>
+                        <a:pt x="265602" y="1486771"/>
+                        <a:pt x="281443" y="1482811"/>
+                      </a:cubicBezTo>
+                      <a:cubicBezTo>
+                        <a:pt x="297919" y="1474573"/>
+                        <a:pt x="313939" y="1465353"/>
+                        <a:pt x="330870" y="1458097"/>
+                      </a:cubicBezTo>
+                      <a:cubicBezTo>
+                        <a:pt x="342842" y="1452966"/>
+                        <a:pt x="357769" y="1453877"/>
+                        <a:pt x="367940" y="1445740"/>
+                      </a:cubicBezTo>
+                      <a:cubicBezTo>
+                        <a:pt x="379537" y="1436463"/>
+                        <a:pt x="384416" y="1421027"/>
+                        <a:pt x="392654" y="1408670"/>
+                      </a:cubicBezTo>
+                      <a:cubicBezTo>
+                        <a:pt x="388535" y="1346886"/>
+                        <a:pt x="399878" y="1282062"/>
+                        <a:pt x="380297" y="1223319"/>
+                      </a:cubicBezTo>
+                      <a:cubicBezTo>
+                        <a:pt x="359459" y="1160805"/>
+                        <a:pt x="316016" y="1152464"/>
+                        <a:pt x="269086" y="1136821"/>
+                      </a:cubicBezTo>
+                      <a:cubicBezTo>
+                        <a:pt x="184445" y="1052180"/>
+                        <a:pt x="224026" y="1082068"/>
+                        <a:pt x="157875" y="1037967"/>
+                      </a:cubicBezTo>
+                      <a:cubicBezTo>
+                        <a:pt x="149637" y="1025610"/>
+                        <a:pt x="133162" y="1015748"/>
+                        <a:pt x="133162" y="1000897"/>
+                      </a:cubicBezTo>
+                      <a:cubicBezTo>
+                        <a:pt x="133162" y="938567"/>
+                        <a:pt x="133687" y="872992"/>
+                        <a:pt x="157875" y="815546"/>
+                      </a:cubicBezTo>
+                      <a:cubicBezTo>
+                        <a:pt x="175183" y="774440"/>
+                        <a:pt x="243776" y="763179"/>
+                        <a:pt x="281443" y="753762"/>
+                      </a:cubicBezTo>
+                      <a:cubicBezTo>
+                        <a:pt x="293800" y="745524"/>
+                        <a:pt x="308734" y="740225"/>
+                        <a:pt x="318513" y="729048"/>
+                      </a:cubicBezTo>
+                      <a:cubicBezTo>
+                        <a:pt x="364270" y="676754"/>
+                        <a:pt x="363325" y="668753"/>
+                        <a:pt x="380297" y="617838"/>
+                      </a:cubicBezTo>
+                      <a:cubicBezTo>
+                        <a:pt x="376178" y="597243"/>
+                        <a:pt x="380834" y="572632"/>
+                        <a:pt x="367940" y="556054"/>
+                      </a:cubicBezTo>
+                      <a:cubicBezTo>
+                        <a:pt x="334405" y="512937"/>
+                        <a:pt x="267354" y="497812"/>
+                        <a:pt x="219659" y="481913"/>
+                      </a:cubicBezTo>
+                      <a:lnTo>
+                        <a:pt x="182589" y="469556"/>
+                      </a:lnTo>
+                      <a:lnTo>
+                        <a:pt x="145519" y="457200"/>
+                      </a:lnTo>
+                      <a:cubicBezTo>
+                        <a:pt x="112768" y="424449"/>
+                        <a:pt x="68716" y="390091"/>
+                        <a:pt x="46665" y="345989"/>
+                      </a:cubicBezTo>
+                      <a:cubicBezTo>
+                        <a:pt x="40840" y="334339"/>
+                        <a:pt x="38427" y="321276"/>
+                        <a:pt x="34308" y="308919"/>
+                      </a:cubicBezTo>
+                      <a:cubicBezTo>
+                        <a:pt x="36112" y="292680"/>
+                        <a:pt x="46599" y="169050"/>
+                        <a:pt x="59021" y="135924"/>
+                      </a:cubicBezTo>
+                      <a:cubicBezTo>
+                        <a:pt x="73437" y="97482"/>
+                        <a:pt x="124926" y="60410"/>
+                        <a:pt x="157875" y="49427"/>
+                      </a:cubicBezTo>
+                      <a:lnTo>
+                        <a:pt x="232016" y="24713"/>
+                      </a:lnTo>
+                      <a:cubicBezTo>
+                        <a:pt x="244373" y="20594"/>
+                        <a:pt x="257436" y="18181"/>
+                        <a:pt x="269086" y="12356"/>
+                      </a:cubicBezTo>
+                      <a:lnTo>
+                        <a:pt x="293800" y="0"/>
+                      </a:lnTo>
+                    </a:path>
+                  </a:pathLst>
+                </a:custGeom>
+                <a:noFill/>
+                <a:ln w="38100"/>
+              </p:spPr>
+              <p:style>
+                <a:lnRef idx="2">
+                  <a:schemeClr val="accent1">
+                    <a:shade val="50000"/>
+                  </a:schemeClr>
+                </a:lnRef>
+                <a:fillRef idx="1">
+                  <a:schemeClr val="accent1"/>
+                </a:fillRef>
+                <a:effectRef idx="0">
+                  <a:schemeClr val="accent1"/>
+                </a:effectRef>
+                <a:fontRef idx="minor">
+                  <a:schemeClr val="lt1"/>
+                </a:fontRef>
+              </p:style>
+              <p:txBody>
+                <a:bodyPr rtlCol="0" anchor="ctr"/>
+                <a:lstStyle/>
+                <a:p>
+                  <a:pPr algn="ctr"/>
+                  <a:endParaRPr lang="en-US"/>
+                </a:p>
+              </p:txBody>
+            </p:sp>
+            <p:sp>
+              <p:nvSpPr>
+                <p:cNvPr id="23" name="Freeform 22">
+                  <a:extLst>
+                    <a:ext uri="{FF2B5EF4-FFF2-40B4-BE49-F238E27FC236}">
+                      <a16:creationId xmlns:a16="http://schemas.microsoft.com/office/drawing/2014/main" id="{0ED3C055-124C-584C-955F-6C161DAFF7B0}"/>
+                    </a:ext>
+                  </a:extLst>
+                </p:cNvPr>
+                <p:cNvSpPr/>
+                <p:nvPr/>
+              </p:nvSpPr>
+              <p:spPr>
+                <a:xfrm>
+                  <a:off x="2928551" y="420130"/>
+                  <a:ext cx="333632" cy="2125362"/>
+                </a:xfrm>
+                <a:custGeom>
+                  <a:avLst/>
+                  <a:gdLst>
+                    <a:gd name="connsiteX0" fmla="*/ 429127 w 429127"/>
+                    <a:gd name="connsiteY0" fmla="*/ 2125362 h 2125362"/>
+                    <a:gd name="connsiteX1" fmla="*/ 416770 w 429127"/>
+                    <a:gd name="connsiteY1" fmla="*/ 2051221 h 2125362"/>
+                    <a:gd name="connsiteX2" fmla="*/ 293203 w 429127"/>
+                    <a:gd name="connsiteY2" fmla="*/ 1927654 h 2125362"/>
+                    <a:gd name="connsiteX3" fmla="*/ 219062 w 429127"/>
+                    <a:gd name="connsiteY3" fmla="*/ 1878227 h 2125362"/>
+                    <a:gd name="connsiteX4" fmla="*/ 181992 w 429127"/>
+                    <a:gd name="connsiteY4" fmla="*/ 1865870 h 2125362"/>
+                    <a:gd name="connsiteX5" fmla="*/ 120208 w 429127"/>
+                    <a:gd name="connsiteY5" fmla="*/ 1841156 h 2125362"/>
+                    <a:gd name="connsiteX6" fmla="*/ 46068 w 429127"/>
+                    <a:gd name="connsiteY6" fmla="*/ 1828800 h 2125362"/>
+                    <a:gd name="connsiteX7" fmla="*/ 33711 w 429127"/>
+                    <a:gd name="connsiteY7" fmla="*/ 1668162 h 2125362"/>
+                    <a:gd name="connsiteX8" fmla="*/ 70781 w 429127"/>
+                    <a:gd name="connsiteY8" fmla="*/ 1594021 h 2125362"/>
+                    <a:gd name="connsiteX9" fmla="*/ 107851 w 429127"/>
+                    <a:gd name="connsiteY9" fmla="*/ 1556951 h 2125362"/>
+                    <a:gd name="connsiteX10" fmla="*/ 157278 w 429127"/>
+                    <a:gd name="connsiteY10" fmla="*/ 1532238 h 2125362"/>
+                    <a:gd name="connsiteX11" fmla="*/ 194349 w 429127"/>
+                    <a:gd name="connsiteY11" fmla="*/ 1507524 h 2125362"/>
+                    <a:gd name="connsiteX12" fmla="*/ 280846 w 429127"/>
+                    <a:gd name="connsiteY12" fmla="*/ 1482811 h 2125362"/>
+                    <a:gd name="connsiteX13" fmla="*/ 330273 w 429127"/>
+                    <a:gd name="connsiteY13" fmla="*/ 1458097 h 2125362"/>
+                    <a:gd name="connsiteX14" fmla="*/ 367343 w 429127"/>
+                    <a:gd name="connsiteY14" fmla="*/ 1445740 h 2125362"/>
+                    <a:gd name="connsiteX15" fmla="*/ 392057 w 429127"/>
+                    <a:gd name="connsiteY15" fmla="*/ 1408670 h 2125362"/>
+                    <a:gd name="connsiteX16" fmla="*/ 379700 w 429127"/>
+                    <a:gd name="connsiteY16" fmla="*/ 1223319 h 2125362"/>
+                    <a:gd name="connsiteX17" fmla="*/ 268489 w 429127"/>
+                    <a:gd name="connsiteY17" fmla="*/ 1136821 h 2125362"/>
+                    <a:gd name="connsiteX18" fmla="*/ 157278 w 429127"/>
+                    <a:gd name="connsiteY18" fmla="*/ 1037967 h 2125362"/>
+                    <a:gd name="connsiteX19" fmla="*/ 132565 w 429127"/>
+                    <a:gd name="connsiteY19" fmla="*/ 1000897 h 2125362"/>
+                    <a:gd name="connsiteX20" fmla="*/ 157278 w 429127"/>
+                    <a:gd name="connsiteY20" fmla="*/ 815546 h 2125362"/>
+                    <a:gd name="connsiteX21" fmla="*/ 280846 w 429127"/>
+                    <a:gd name="connsiteY21" fmla="*/ 753762 h 2125362"/>
+                    <a:gd name="connsiteX22" fmla="*/ 317916 w 429127"/>
+                    <a:gd name="connsiteY22" fmla="*/ 729048 h 2125362"/>
+                    <a:gd name="connsiteX23" fmla="*/ 379700 w 429127"/>
+                    <a:gd name="connsiteY23" fmla="*/ 617838 h 2125362"/>
+                    <a:gd name="connsiteX24" fmla="*/ 367343 w 429127"/>
+                    <a:gd name="connsiteY24" fmla="*/ 556054 h 2125362"/>
+                    <a:gd name="connsiteX25" fmla="*/ 219062 w 429127"/>
+                    <a:gd name="connsiteY25" fmla="*/ 481913 h 2125362"/>
+                    <a:gd name="connsiteX26" fmla="*/ 181992 w 429127"/>
+                    <a:gd name="connsiteY26" fmla="*/ 469556 h 2125362"/>
+                    <a:gd name="connsiteX27" fmla="*/ 144922 w 429127"/>
+                    <a:gd name="connsiteY27" fmla="*/ 457200 h 2125362"/>
+                    <a:gd name="connsiteX28" fmla="*/ 46068 w 429127"/>
+                    <a:gd name="connsiteY28" fmla="*/ 345989 h 2125362"/>
+                    <a:gd name="connsiteX29" fmla="*/ 33711 w 429127"/>
+                    <a:gd name="connsiteY29" fmla="*/ 308919 h 2125362"/>
+                    <a:gd name="connsiteX30" fmla="*/ 58424 w 429127"/>
+                    <a:gd name="connsiteY30" fmla="*/ 135924 h 2125362"/>
+                    <a:gd name="connsiteX31" fmla="*/ 157278 w 429127"/>
+                    <a:gd name="connsiteY31" fmla="*/ 49427 h 2125362"/>
+                    <a:gd name="connsiteX32" fmla="*/ 231419 w 429127"/>
+                    <a:gd name="connsiteY32" fmla="*/ 24713 h 2125362"/>
+                    <a:gd name="connsiteX33" fmla="*/ 268489 w 429127"/>
+                    <a:gd name="connsiteY33" fmla="*/ 12356 h 2125362"/>
+                    <a:gd name="connsiteX34" fmla="*/ 293203 w 429127"/>
+                    <a:gd name="connsiteY34" fmla="*/ 0 h 2125362"/>
+                    <a:gd name="connsiteX0" fmla="*/ 429724 w 429724"/>
+                    <a:gd name="connsiteY0" fmla="*/ 2125362 h 2125362"/>
+                    <a:gd name="connsiteX1" fmla="*/ 417367 w 429724"/>
+                    <a:gd name="connsiteY1" fmla="*/ 2051221 h 2125362"/>
+                    <a:gd name="connsiteX2" fmla="*/ 293800 w 429724"/>
+                    <a:gd name="connsiteY2" fmla="*/ 1927654 h 2125362"/>
+                    <a:gd name="connsiteX3" fmla="*/ 219659 w 429724"/>
+                    <a:gd name="connsiteY3" fmla="*/ 1878227 h 2125362"/>
+                    <a:gd name="connsiteX4" fmla="*/ 182589 w 429724"/>
+                    <a:gd name="connsiteY4" fmla="*/ 1865870 h 2125362"/>
+                    <a:gd name="connsiteX5" fmla="*/ 120805 w 429724"/>
+                    <a:gd name="connsiteY5" fmla="*/ 1841156 h 2125362"/>
+                    <a:gd name="connsiteX6" fmla="*/ 34309 w 429724"/>
+                    <a:gd name="connsiteY6" fmla="*/ 1754659 h 2125362"/>
+                    <a:gd name="connsiteX7" fmla="*/ 34308 w 429724"/>
+                    <a:gd name="connsiteY7" fmla="*/ 1668162 h 2125362"/>
+                    <a:gd name="connsiteX8" fmla="*/ 71378 w 429724"/>
+                    <a:gd name="connsiteY8" fmla="*/ 1594021 h 2125362"/>
+                    <a:gd name="connsiteX9" fmla="*/ 108448 w 429724"/>
+                    <a:gd name="connsiteY9" fmla="*/ 1556951 h 2125362"/>
+                    <a:gd name="connsiteX10" fmla="*/ 157875 w 429724"/>
+                    <a:gd name="connsiteY10" fmla="*/ 1532238 h 2125362"/>
+                    <a:gd name="connsiteX11" fmla="*/ 194946 w 429724"/>
+                    <a:gd name="connsiteY11" fmla="*/ 1507524 h 2125362"/>
+                    <a:gd name="connsiteX12" fmla="*/ 281443 w 429724"/>
+                    <a:gd name="connsiteY12" fmla="*/ 1482811 h 2125362"/>
+                    <a:gd name="connsiteX13" fmla="*/ 330870 w 429724"/>
+                    <a:gd name="connsiteY13" fmla="*/ 1458097 h 2125362"/>
+                    <a:gd name="connsiteX14" fmla="*/ 367940 w 429724"/>
+                    <a:gd name="connsiteY14" fmla="*/ 1445740 h 2125362"/>
+                    <a:gd name="connsiteX15" fmla="*/ 392654 w 429724"/>
+                    <a:gd name="connsiteY15" fmla="*/ 1408670 h 2125362"/>
+                    <a:gd name="connsiteX16" fmla="*/ 380297 w 429724"/>
+                    <a:gd name="connsiteY16" fmla="*/ 1223319 h 2125362"/>
+                    <a:gd name="connsiteX17" fmla="*/ 269086 w 429724"/>
+                    <a:gd name="connsiteY17" fmla="*/ 1136821 h 2125362"/>
+                    <a:gd name="connsiteX18" fmla="*/ 157875 w 429724"/>
+                    <a:gd name="connsiteY18" fmla="*/ 1037967 h 2125362"/>
+                    <a:gd name="connsiteX19" fmla="*/ 133162 w 429724"/>
+                    <a:gd name="connsiteY19" fmla="*/ 1000897 h 2125362"/>
+                    <a:gd name="connsiteX20" fmla="*/ 157875 w 429724"/>
+                    <a:gd name="connsiteY20" fmla="*/ 815546 h 2125362"/>
+                    <a:gd name="connsiteX21" fmla="*/ 281443 w 429724"/>
+                    <a:gd name="connsiteY21" fmla="*/ 753762 h 2125362"/>
+                    <a:gd name="connsiteX22" fmla="*/ 318513 w 429724"/>
+                    <a:gd name="connsiteY22" fmla="*/ 729048 h 2125362"/>
+                    <a:gd name="connsiteX23" fmla="*/ 380297 w 429724"/>
+                    <a:gd name="connsiteY23" fmla="*/ 617838 h 2125362"/>
+                    <a:gd name="connsiteX24" fmla="*/ 367940 w 429724"/>
+                    <a:gd name="connsiteY24" fmla="*/ 556054 h 2125362"/>
+                    <a:gd name="connsiteX25" fmla="*/ 219659 w 429724"/>
+                    <a:gd name="connsiteY25" fmla="*/ 481913 h 2125362"/>
+                    <a:gd name="connsiteX26" fmla="*/ 182589 w 429724"/>
+                    <a:gd name="connsiteY26" fmla="*/ 469556 h 2125362"/>
+                    <a:gd name="connsiteX27" fmla="*/ 145519 w 429724"/>
+                    <a:gd name="connsiteY27" fmla="*/ 457200 h 2125362"/>
+                    <a:gd name="connsiteX28" fmla="*/ 46665 w 429724"/>
+                    <a:gd name="connsiteY28" fmla="*/ 345989 h 2125362"/>
+                    <a:gd name="connsiteX29" fmla="*/ 34308 w 429724"/>
+                    <a:gd name="connsiteY29" fmla="*/ 308919 h 2125362"/>
+                    <a:gd name="connsiteX30" fmla="*/ 59021 w 429724"/>
+                    <a:gd name="connsiteY30" fmla="*/ 135924 h 2125362"/>
+                    <a:gd name="connsiteX31" fmla="*/ 157875 w 429724"/>
+                    <a:gd name="connsiteY31" fmla="*/ 49427 h 2125362"/>
+                    <a:gd name="connsiteX32" fmla="*/ 232016 w 429724"/>
+                    <a:gd name="connsiteY32" fmla="*/ 24713 h 2125362"/>
+                    <a:gd name="connsiteX33" fmla="*/ 269086 w 429724"/>
+                    <a:gd name="connsiteY33" fmla="*/ 12356 h 2125362"/>
+                    <a:gd name="connsiteX34" fmla="*/ 293800 w 429724"/>
+                    <a:gd name="connsiteY34" fmla="*/ 0 h 2125362"/>
+                  </a:gdLst>
+                  <a:ahLst/>
+                  <a:cxnLst>
+                    <a:cxn ang="0">
+                      <a:pos x="connsiteX0" y="connsiteY0"/>
+                    </a:cxn>
+                    <a:cxn ang="0">
+                      <a:pos x="connsiteX1" y="connsiteY1"/>
+                    </a:cxn>
+                    <a:cxn ang="0">
+                      <a:pos x="connsiteX2" y="connsiteY2"/>
+                    </a:cxn>
+                    <a:cxn ang="0">
+                      <a:pos x="connsiteX3" y="connsiteY3"/>
+                    </a:cxn>
+                    <a:cxn ang="0">
+                      <a:pos x="connsiteX4" y="connsiteY4"/>
+                    </a:cxn>
+                    <a:cxn ang="0">
+                      <a:pos x="connsiteX5" y="connsiteY5"/>
+                    </a:cxn>
+                    <a:cxn ang="0">
+                      <a:pos x="connsiteX6" y="connsiteY6"/>
+                    </a:cxn>
+                    <a:cxn ang="0">
+                      <a:pos x="connsiteX7" y="connsiteY7"/>
+                    </a:cxn>
+                    <a:cxn ang="0">
+                      <a:pos x="connsiteX8" y="connsiteY8"/>
+                    </a:cxn>
+                    <a:cxn ang="0">
+                      <a:pos x="connsiteX9" y="connsiteY9"/>
+                    </a:cxn>
+                    <a:cxn ang="0">
+                      <a:pos x="connsiteX10" y="connsiteY10"/>
+                    </a:cxn>
+                    <a:cxn ang="0">
+                      <a:pos x="connsiteX11" y="connsiteY11"/>
+                    </a:cxn>
+                    <a:cxn ang="0">
+                      <a:pos x="connsiteX12" y="connsiteY12"/>
+                    </a:cxn>
+                    <a:cxn ang="0">
+                      <a:pos x="connsiteX13" y="connsiteY13"/>
+                    </a:cxn>
+                    <a:cxn ang="0">
+                      <a:pos x="connsiteX14" y="connsiteY14"/>
+                    </a:cxn>
+                    <a:cxn ang="0">
+                      <a:pos x="connsiteX15" y="connsiteY15"/>
+                    </a:cxn>
+                    <a:cxn ang="0">
+                      <a:pos x="connsiteX16" y="connsiteY16"/>
+                    </a:cxn>
+                    <a:cxn ang="0">
+                      <a:pos x="connsiteX17" y="connsiteY17"/>
+                    </a:cxn>
+                    <a:cxn ang="0">
+                      <a:pos x="connsiteX18" y="connsiteY18"/>
+                    </a:cxn>
+                    <a:cxn ang="0">
+                      <a:pos x="connsiteX19" y="connsiteY19"/>
+                    </a:cxn>
+                    <a:cxn ang="0">
+                      <a:pos x="connsiteX20" y="connsiteY20"/>
+                    </a:cxn>
+                    <a:cxn ang="0">
+                      <a:pos x="connsiteX21" y="connsiteY21"/>
+                    </a:cxn>
+                    <a:cxn ang="0">
+                      <a:pos x="connsiteX22" y="connsiteY22"/>
+                    </a:cxn>
+                    <a:cxn ang="0">
+                      <a:pos x="connsiteX23" y="connsiteY23"/>
+                    </a:cxn>
+                    <a:cxn ang="0">
+                      <a:pos x="connsiteX24" y="connsiteY24"/>
+                    </a:cxn>
+                    <a:cxn ang="0">
+                      <a:pos x="connsiteX25" y="connsiteY25"/>
+                    </a:cxn>
+                    <a:cxn ang="0">
+                      <a:pos x="connsiteX26" y="connsiteY26"/>
+                    </a:cxn>
+                    <a:cxn ang="0">
+                      <a:pos x="connsiteX27" y="connsiteY27"/>
+                    </a:cxn>
+                    <a:cxn ang="0">
+                      <a:pos x="connsiteX28" y="connsiteY28"/>
+                    </a:cxn>
+                    <a:cxn ang="0">
+                      <a:pos x="connsiteX29" y="connsiteY29"/>
+                    </a:cxn>
+                    <a:cxn ang="0">
+                      <a:pos x="connsiteX30" y="connsiteY30"/>
+                    </a:cxn>
+                    <a:cxn ang="0">
+                      <a:pos x="connsiteX31" y="connsiteY31"/>
+                    </a:cxn>
+                    <a:cxn ang="0">
+                      <a:pos x="connsiteX32" y="connsiteY32"/>
+                    </a:cxn>
+                    <a:cxn ang="0">
+                      <a:pos x="connsiteX33" y="connsiteY33"/>
+                    </a:cxn>
+                    <a:cxn ang="0">
+                      <a:pos x="connsiteX34" y="connsiteY34"/>
+                    </a:cxn>
+                  </a:cxnLst>
+                  <a:rect l="l" t="t" r="r" b="b"/>
+                  <a:pathLst>
+                    <a:path w="429724" h="2125362">
+                      <a:moveTo>
+                        <a:pt x="429724" y="2125362"/>
+                      </a:moveTo>
+                      <a:cubicBezTo>
+                        <a:pt x="425605" y="2100648"/>
+                        <a:pt x="427003" y="2074348"/>
+                        <a:pt x="417367" y="2051221"/>
+                      </a:cubicBezTo>
+                      <a:cubicBezTo>
+                        <a:pt x="385683" y="1975180"/>
+                        <a:pt x="358435" y="1970744"/>
+                        <a:pt x="293800" y="1927654"/>
+                      </a:cubicBezTo>
+                      <a:lnTo>
+                        <a:pt x="219659" y="1878227"/>
+                      </a:lnTo>
+                      <a:cubicBezTo>
+                        <a:pt x="207302" y="1874108"/>
+                        <a:pt x="194785" y="1870444"/>
+                        <a:pt x="182589" y="1865870"/>
+                      </a:cubicBezTo>
+                      <a:cubicBezTo>
+                        <a:pt x="161820" y="1858082"/>
+                        <a:pt x="145518" y="1859691"/>
+                        <a:pt x="120805" y="1841156"/>
+                      </a:cubicBezTo>
+                      <a:cubicBezTo>
+                        <a:pt x="96092" y="1822621"/>
+                        <a:pt x="59022" y="1758778"/>
+                        <a:pt x="34309" y="1754659"/>
+                      </a:cubicBezTo>
+                      <a:cubicBezTo>
+                        <a:pt x="-39699" y="1705320"/>
+                        <a:pt x="28130" y="1694935"/>
+                        <a:pt x="34308" y="1668162"/>
+                      </a:cubicBezTo>
+                      <a:cubicBezTo>
+                        <a:pt x="40486" y="1641389"/>
+                        <a:pt x="51553" y="1617812"/>
+                        <a:pt x="71378" y="1594021"/>
+                      </a:cubicBezTo>
+                      <a:cubicBezTo>
+                        <a:pt x="82565" y="1580596"/>
+                        <a:pt x="94228" y="1567108"/>
+                        <a:pt x="108448" y="1556951"/>
+                      </a:cubicBezTo>
+                      <a:cubicBezTo>
+                        <a:pt x="123437" y="1546244"/>
+                        <a:pt x="141882" y="1541377"/>
+                        <a:pt x="157875" y="1532238"/>
+                      </a:cubicBezTo>
+                      <a:cubicBezTo>
+                        <a:pt x="170770" y="1524870"/>
+                        <a:pt x="181663" y="1514166"/>
+                        <a:pt x="194946" y="1507524"/>
+                      </a:cubicBezTo>
+                      <a:cubicBezTo>
+                        <a:pt x="212677" y="1498659"/>
+                        <a:pt x="265602" y="1486771"/>
+                        <a:pt x="281443" y="1482811"/>
+                      </a:cubicBezTo>
+                      <a:cubicBezTo>
+                        <a:pt x="297919" y="1474573"/>
+                        <a:pt x="313939" y="1465353"/>
+                        <a:pt x="330870" y="1458097"/>
+                      </a:cubicBezTo>
+                      <a:cubicBezTo>
+                        <a:pt x="342842" y="1452966"/>
+                        <a:pt x="357769" y="1453877"/>
+                        <a:pt x="367940" y="1445740"/>
+                      </a:cubicBezTo>
+                      <a:cubicBezTo>
+                        <a:pt x="379537" y="1436463"/>
+                        <a:pt x="384416" y="1421027"/>
+                        <a:pt x="392654" y="1408670"/>
+                      </a:cubicBezTo>
+                      <a:cubicBezTo>
+                        <a:pt x="388535" y="1346886"/>
+                        <a:pt x="399878" y="1282062"/>
+                        <a:pt x="380297" y="1223319"/>
+                      </a:cubicBezTo>
+                      <a:cubicBezTo>
+                        <a:pt x="359459" y="1160805"/>
+                        <a:pt x="316016" y="1152464"/>
+                        <a:pt x="269086" y="1136821"/>
+                      </a:cubicBezTo>
+                      <a:cubicBezTo>
+                        <a:pt x="184445" y="1052180"/>
+                        <a:pt x="224026" y="1082068"/>
+                        <a:pt x="157875" y="1037967"/>
+                      </a:cubicBezTo>
+                      <a:cubicBezTo>
+                        <a:pt x="149637" y="1025610"/>
+                        <a:pt x="133162" y="1015748"/>
+                        <a:pt x="133162" y="1000897"/>
+                      </a:cubicBezTo>
+                      <a:cubicBezTo>
+                        <a:pt x="133162" y="938567"/>
+                        <a:pt x="133687" y="872992"/>
+                        <a:pt x="157875" y="815546"/>
+                      </a:cubicBezTo>
+                      <a:cubicBezTo>
+                        <a:pt x="175183" y="774440"/>
+                        <a:pt x="243776" y="763179"/>
+                        <a:pt x="281443" y="753762"/>
+                      </a:cubicBezTo>
+                      <a:cubicBezTo>
+                        <a:pt x="293800" y="745524"/>
+                        <a:pt x="308734" y="740225"/>
+                        <a:pt x="318513" y="729048"/>
+                      </a:cubicBezTo>
+                      <a:cubicBezTo>
+                        <a:pt x="364270" y="676754"/>
+                        <a:pt x="363325" y="668753"/>
+                        <a:pt x="380297" y="617838"/>
+                      </a:cubicBezTo>
+                      <a:cubicBezTo>
+                        <a:pt x="376178" y="597243"/>
+                        <a:pt x="380834" y="572632"/>
+                        <a:pt x="367940" y="556054"/>
+                      </a:cubicBezTo>
+                      <a:cubicBezTo>
+                        <a:pt x="334405" y="512937"/>
+                        <a:pt x="267354" y="497812"/>
+                        <a:pt x="219659" y="481913"/>
+                      </a:cubicBezTo>
+                      <a:lnTo>
+                        <a:pt x="182589" y="469556"/>
+                      </a:lnTo>
+                      <a:lnTo>
+                        <a:pt x="145519" y="457200"/>
+                      </a:lnTo>
+                      <a:cubicBezTo>
+                        <a:pt x="112768" y="424449"/>
+                        <a:pt x="68716" y="390091"/>
+                        <a:pt x="46665" y="345989"/>
+                      </a:cubicBezTo>
+                      <a:cubicBezTo>
+                        <a:pt x="40840" y="334339"/>
+                        <a:pt x="38427" y="321276"/>
+                        <a:pt x="34308" y="308919"/>
+                      </a:cubicBezTo>
+                      <a:cubicBezTo>
+                        <a:pt x="36112" y="292680"/>
+                        <a:pt x="46599" y="169050"/>
+                        <a:pt x="59021" y="135924"/>
+                      </a:cubicBezTo>
+                      <a:cubicBezTo>
+                        <a:pt x="73437" y="97482"/>
+                        <a:pt x="124926" y="60410"/>
+                        <a:pt x="157875" y="49427"/>
+                      </a:cubicBezTo>
+                      <a:lnTo>
+                        <a:pt x="232016" y="24713"/>
+                      </a:lnTo>
+                      <a:cubicBezTo>
+                        <a:pt x="244373" y="20594"/>
+                        <a:pt x="257436" y="18181"/>
+                        <a:pt x="269086" y="12356"/>
+                      </a:cubicBezTo>
+                      <a:lnTo>
+                        <a:pt x="293800" y="0"/>
+                      </a:lnTo>
+                    </a:path>
+                  </a:pathLst>
+                </a:custGeom>
+                <a:noFill/>
+                <a:ln w="38100"/>
+              </p:spPr>
+              <p:style>
+                <a:lnRef idx="2">
+                  <a:schemeClr val="accent1">
+                    <a:shade val="50000"/>
+                  </a:schemeClr>
+                </a:lnRef>
+                <a:fillRef idx="1">
+                  <a:schemeClr val="accent1"/>
+                </a:fillRef>
+                <a:effectRef idx="0">
+                  <a:schemeClr val="accent1"/>
+                </a:effectRef>
+                <a:fontRef idx="minor">
+                  <a:schemeClr val="lt1"/>
+                </a:fontRef>
+              </p:style>
+              <p:txBody>
+                <a:bodyPr rtlCol="0" anchor="ctr"/>
+                <a:lstStyle/>
+                <a:p>
+                  <a:pPr algn="ctr"/>
+                  <a:endParaRPr lang="en-US"/>
+                </a:p>
+              </p:txBody>
+            </p:sp>
+          </p:grpSp>
+        </p:grpSp>
+        <p:cxnSp>
+          <p:nvCxnSpPr>
+            <p:cNvPr id="26" name="Straight Connector 25">
+              <a:extLst>
+                <a:ext uri="{FF2B5EF4-FFF2-40B4-BE49-F238E27FC236}">
+                  <a16:creationId xmlns:a16="http://schemas.microsoft.com/office/drawing/2014/main" id="{DAF35E25-7D5B-7A40-B6C6-1DE0AF17A179}"/>
+                </a:ext>
+              </a:extLst>
+            </p:cNvPr>
+            <p:cNvCxnSpPr>
+              <a:cxnSpLocks/>
+            </p:cNvCxnSpPr>
+            <p:nvPr/>
+          </p:nvCxnSpPr>
+          <p:spPr>
+            <a:xfrm>
+              <a:off x="2030623" y="1647564"/>
+              <a:ext cx="4852094" cy="0"/>
+            </a:xfrm>
+            <a:prstGeom prst="line">
+              <a:avLst/>
+            </a:prstGeom>
+            <a:ln w="25400">
+              <a:prstDash val="lgDash"/>
+            </a:ln>
+          </p:spPr>
+          <p:style>
+            <a:lnRef idx="1">
+              <a:schemeClr val="accent1"/>
+            </a:lnRef>
+            <a:fillRef idx="0">
+              <a:schemeClr val="accent1"/>
+            </a:fillRef>
+            <a:effectRef idx="0">
+              <a:schemeClr val="accent1"/>
+            </a:effectRef>
+            <a:fontRef idx="minor">
+              <a:schemeClr val="tx1"/>
+            </a:fontRef>
+          </p:style>
+        </p:cxnSp>
+        <p:cxnSp>
+          <p:nvCxnSpPr>
+            <p:cNvPr id="27" name="Straight Connector 26">
+              <a:extLst>
+                <a:ext uri="{FF2B5EF4-FFF2-40B4-BE49-F238E27FC236}">
+                  <a16:creationId xmlns:a16="http://schemas.microsoft.com/office/drawing/2014/main" id="{1A74D6B8-D8F4-9F4B-AAAF-271767D3D06D}"/>
+                </a:ext>
+              </a:extLst>
+            </p:cNvPr>
+            <p:cNvCxnSpPr>
+              <a:cxnSpLocks/>
+            </p:cNvCxnSpPr>
+            <p:nvPr/>
+          </p:nvCxnSpPr>
+          <p:spPr>
+            <a:xfrm>
+              <a:off x="2030623" y="4493736"/>
+              <a:ext cx="4852094" cy="0"/>
+            </a:xfrm>
+            <a:prstGeom prst="line">
+              <a:avLst/>
+            </a:prstGeom>
+            <a:ln w="25400">
+              <a:prstDash val="lgDash"/>
+            </a:ln>
+          </p:spPr>
+          <p:style>
+            <a:lnRef idx="1">
+              <a:schemeClr val="accent1"/>
+            </a:lnRef>
+            <a:fillRef idx="0">
+              <a:schemeClr val="accent1"/>
+            </a:fillRef>
+            <a:effectRef idx="0">
+              <a:schemeClr val="accent1"/>
+            </a:effectRef>
+            <a:fontRef idx="minor">
+              <a:schemeClr val="tx1"/>
+            </a:fontRef>
+          </p:style>
+        </p:cxnSp>
+        <p:cxnSp>
+          <p:nvCxnSpPr>
+            <p:cNvPr id="28" name="Straight Connector 27">
+              <a:extLst>
+                <a:ext uri="{FF2B5EF4-FFF2-40B4-BE49-F238E27FC236}">
+                  <a16:creationId xmlns:a16="http://schemas.microsoft.com/office/drawing/2014/main" id="{A29A3214-EC5E-CD4C-A0BC-A8E54DCE234A}"/>
+                </a:ext>
+              </a:extLst>
+            </p:cNvPr>
+            <p:cNvCxnSpPr>
+              <a:cxnSpLocks/>
+            </p:cNvCxnSpPr>
+            <p:nvPr/>
+          </p:nvCxnSpPr>
+          <p:spPr>
+            <a:xfrm>
+              <a:off x="2154192" y="3752328"/>
+              <a:ext cx="4728525" cy="0"/>
+            </a:xfrm>
+            <a:prstGeom prst="line">
+              <a:avLst/>
+            </a:prstGeom>
+            <a:ln w="25400">
+              <a:prstDash val="lgDash"/>
+            </a:ln>
+          </p:spPr>
+          <p:style>
+            <a:lnRef idx="1">
+              <a:schemeClr val="accent1"/>
+            </a:lnRef>
+            <a:fillRef idx="0">
+              <a:schemeClr val="accent1"/>
+            </a:fillRef>
+            <a:effectRef idx="0">
+              <a:schemeClr val="accent1"/>
+            </a:effectRef>
+            <a:fontRef idx="minor">
+              <a:schemeClr val="tx1"/>
+            </a:fontRef>
+          </p:style>
+        </p:cxnSp>
+        <p:sp>
+          <p:nvSpPr>
+            <p:cNvPr id="30" name="TextBox 29">
+              <a:extLst>
+                <a:ext uri="{FF2B5EF4-FFF2-40B4-BE49-F238E27FC236}">
+                  <a16:creationId xmlns:a16="http://schemas.microsoft.com/office/drawing/2014/main" id="{35076AC7-6128-2442-9844-CD4472959E78}"/>
+                </a:ext>
+              </a:extLst>
+            </p:cNvPr>
+            <p:cNvSpPr txBox="1"/>
+            <p:nvPr/>
+          </p:nvSpPr>
+          <p:spPr>
+            <a:xfrm>
+              <a:off x="6293713" y="2483709"/>
+              <a:ext cx="663146" cy="369332"/>
+            </a:xfrm>
+            <a:prstGeom prst="rect">
+              <a:avLst/>
+            </a:prstGeom>
+            <a:noFill/>
+          </p:spPr>
+          <p:txBody>
+            <a:bodyPr wrap="square" rtlCol="0">
+              <a:spAutoFit/>
+            </a:bodyPr>
+            <a:lstStyle/>
+            <a:p>
+              <a:r>
+                <a:rPr lang="en-US" dirty="0"/>
+                <a:t>Tails</a:t>
+              </a:r>
+            </a:p>
+          </p:txBody>
+        </p:sp>
+        <p:sp>
+          <p:nvSpPr>
+            <p:cNvPr id="31" name="TextBox 30">
+              <a:extLst>
+                <a:ext uri="{FF2B5EF4-FFF2-40B4-BE49-F238E27FC236}">
+                  <a16:creationId xmlns:a16="http://schemas.microsoft.com/office/drawing/2014/main" id="{BF891DF0-8CFD-9F49-8348-94AB92BD0A98}"/>
+                </a:ext>
+              </a:extLst>
+            </p:cNvPr>
+            <p:cNvSpPr txBox="1"/>
+            <p:nvPr/>
+          </p:nvSpPr>
+          <p:spPr>
+            <a:xfrm>
+              <a:off x="6219571" y="3944553"/>
+              <a:ext cx="836137" cy="369332"/>
+            </a:xfrm>
+            <a:prstGeom prst="rect">
+              <a:avLst/>
+            </a:prstGeom>
+            <a:noFill/>
+          </p:spPr>
+          <p:txBody>
+            <a:bodyPr wrap="square" rtlCol="0">
+              <a:spAutoFit/>
+            </a:bodyPr>
+            <a:lstStyle/>
+            <a:p>
+              <a:r>
+                <a:rPr lang="en-US" dirty="0"/>
+                <a:t>Heads</a:t>
+              </a:r>
+            </a:p>
+          </p:txBody>
+        </p:sp>
+        <p:cxnSp>
+          <p:nvCxnSpPr>
+            <p:cNvPr id="36" name="Straight Arrow Connector 35">
+              <a:extLst>
+                <a:ext uri="{FF2B5EF4-FFF2-40B4-BE49-F238E27FC236}">
+                  <a16:creationId xmlns:a16="http://schemas.microsoft.com/office/drawing/2014/main" id="{8A5BB9F1-2E44-724F-83A4-29E55F4EEC1B}"/>
+                </a:ext>
+              </a:extLst>
+            </p:cNvPr>
+            <p:cNvCxnSpPr>
+              <a:cxnSpLocks/>
+            </p:cNvCxnSpPr>
+            <p:nvPr/>
+          </p:nvCxnSpPr>
+          <p:spPr>
+            <a:xfrm flipH="1">
+              <a:off x="6549080" y="2853041"/>
+              <a:ext cx="26778" cy="792202"/>
+            </a:xfrm>
+            <a:prstGeom prst="straightConnector1">
+              <a:avLst/>
+            </a:prstGeom>
+            <a:ln>
+              <a:tailEnd type="triangle"/>
+            </a:ln>
+          </p:spPr>
+          <p:style>
+            <a:lnRef idx="1">
+              <a:schemeClr val="accent1"/>
+            </a:lnRef>
+            <a:fillRef idx="0">
+              <a:schemeClr val="accent1"/>
+            </a:fillRef>
+            <a:effectRef idx="0">
+              <a:schemeClr val="accent1"/>
+            </a:effectRef>
+            <a:fontRef idx="minor">
+              <a:schemeClr val="tx1"/>
+            </a:fontRef>
+          </p:style>
+        </p:cxnSp>
+        <p:cxnSp>
+          <p:nvCxnSpPr>
+            <p:cNvPr id="37" name="Straight Arrow Connector 36">
+              <a:extLst>
+                <a:ext uri="{FF2B5EF4-FFF2-40B4-BE49-F238E27FC236}">
+                  <a16:creationId xmlns:a16="http://schemas.microsoft.com/office/drawing/2014/main" id="{E7AF9F9F-9F43-C94E-A430-5FF6112B90A2}"/>
+                </a:ext>
+              </a:extLst>
+            </p:cNvPr>
+            <p:cNvCxnSpPr>
+              <a:cxnSpLocks/>
+            </p:cNvCxnSpPr>
+            <p:nvPr/>
+          </p:nvCxnSpPr>
+          <p:spPr>
+            <a:xfrm flipV="1">
+              <a:off x="6575858" y="1665414"/>
+              <a:ext cx="0" cy="818295"/>
+            </a:xfrm>
+            <a:prstGeom prst="straightConnector1">
+              <a:avLst/>
+            </a:prstGeom>
+            <a:ln>
+              <a:tailEnd type="triangle"/>
+            </a:ln>
+          </p:spPr>
+          <p:style>
+            <a:lnRef idx="1">
+              <a:schemeClr val="accent1"/>
+            </a:lnRef>
+            <a:fillRef idx="0">
+              <a:schemeClr val="accent1"/>
+            </a:fillRef>
+            <a:effectRef idx="0">
+              <a:schemeClr val="accent1"/>
+            </a:effectRef>
+            <a:fontRef idx="minor">
+              <a:schemeClr val="tx1"/>
+            </a:fontRef>
+          </p:style>
+        </p:cxnSp>
+        <p:cxnSp>
+          <p:nvCxnSpPr>
+            <p:cNvPr id="39" name="Straight Arrow Connector 38">
+              <a:extLst>
+                <a:ext uri="{FF2B5EF4-FFF2-40B4-BE49-F238E27FC236}">
+                  <a16:creationId xmlns:a16="http://schemas.microsoft.com/office/drawing/2014/main" id="{FF9760C5-B6CF-044B-964E-FA75DBD62EAA}"/>
+                </a:ext>
+              </a:extLst>
+            </p:cNvPr>
+            <p:cNvCxnSpPr>
+              <a:cxnSpLocks/>
+            </p:cNvCxnSpPr>
+            <p:nvPr/>
+          </p:nvCxnSpPr>
+          <p:spPr>
+            <a:xfrm>
+              <a:off x="6549080" y="4235624"/>
+              <a:ext cx="0" cy="236148"/>
+            </a:xfrm>
+            <a:prstGeom prst="straightConnector1">
+              <a:avLst/>
+            </a:prstGeom>
+            <a:ln>
+              <a:tailEnd type="triangle"/>
+            </a:ln>
+          </p:spPr>
+          <p:style>
+            <a:lnRef idx="1">
+              <a:schemeClr val="accent1"/>
+            </a:lnRef>
+            <a:fillRef idx="0">
+              <a:schemeClr val="accent1"/>
+            </a:fillRef>
+            <a:effectRef idx="0">
+              <a:schemeClr val="accent1"/>
+            </a:effectRef>
+            <a:fontRef idx="minor">
+              <a:schemeClr val="tx1"/>
+            </a:fontRef>
+          </p:style>
+        </p:cxnSp>
+        <p:cxnSp>
+          <p:nvCxnSpPr>
+            <p:cNvPr id="41" name="Straight Arrow Connector 40">
+              <a:extLst>
+                <a:ext uri="{FF2B5EF4-FFF2-40B4-BE49-F238E27FC236}">
+                  <a16:creationId xmlns:a16="http://schemas.microsoft.com/office/drawing/2014/main" id="{2B59BC7D-B196-BD48-B37C-6F491AB364A9}"/>
+                </a:ext>
+              </a:extLst>
+            </p:cNvPr>
+            <p:cNvCxnSpPr>
+              <a:cxnSpLocks/>
+            </p:cNvCxnSpPr>
+            <p:nvPr/>
+          </p:nvCxnSpPr>
+          <p:spPr>
+            <a:xfrm flipV="1">
+              <a:off x="6549080" y="3797644"/>
+              <a:ext cx="0" cy="248510"/>
+            </a:xfrm>
+            <a:prstGeom prst="straightConnector1">
+              <a:avLst/>
+            </a:prstGeom>
+            <a:ln>
+              <a:tailEnd type="triangle"/>
+            </a:ln>
+          </p:spPr>
+          <p:style>
+            <a:lnRef idx="1">
+              <a:schemeClr val="accent1"/>
+            </a:lnRef>
+            <a:fillRef idx="0">
+              <a:schemeClr val="accent1"/>
+            </a:fillRef>
+            <a:effectRef idx="0">
+              <a:schemeClr val="accent1"/>
+            </a:effectRef>
+            <a:fontRef idx="minor">
+              <a:schemeClr val="tx1"/>
+            </a:fontRef>
+          </p:style>
+        </p:cxnSp>
+        <p:sp>
+          <p:nvSpPr>
+            <p:cNvPr id="43" name="Rectangle 42">
+              <a:extLst>
+                <a:ext uri="{FF2B5EF4-FFF2-40B4-BE49-F238E27FC236}">
+                  <a16:creationId xmlns:a16="http://schemas.microsoft.com/office/drawing/2014/main" id="{34E64928-5FED-6E45-AE46-01AF85E7BEEC}"/>
+                </a:ext>
+              </a:extLst>
+            </p:cNvPr>
+            <p:cNvSpPr/>
+            <p:nvPr/>
+          </p:nvSpPr>
+          <p:spPr>
+            <a:xfrm>
+              <a:off x="2003865" y="4506088"/>
+              <a:ext cx="4833549" cy="1640705"/>
+            </a:xfrm>
+            <a:prstGeom prst="rect">
+              <a:avLst/>
+            </a:prstGeom>
+            <a:gradFill>
+              <a:gsLst>
+                <a:gs pos="0">
+                  <a:schemeClr val="accent1">
+                    <a:alpha val="0"/>
+                    <a:lumMod val="0"/>
+                    <a:lumOff val="100000"/>
+                  </a:schemeClr>
+                </a:gs>
+                <a:gs pos="74000">
+                  <a:schemeClr val="accent1">
+                    <a:lumMod val="45000"/>
+                    <a:lumOff val="55000"/>
+                  </a:schemeClr>
+                </a:gs>
+                <a:gs pos="83000">
+                  <a:schemeClr val="accent1">
+                    <a:lumMod val="45000"/>
+                    <a:lumOff val="55000"/>
+                  </a:schemeClr>
+                </a:gs>
+                <a:gs pos="100000">
+                  <a:schemeClr val="accent1">
+                    <a:lumMod val="30000"/>
+                    <a:lumOff val="70000"/>
+                  </a:schemeClr>
+                </a:gs>
+              </a:gsLst>
+              <a:lin ang="5400000" scaled="1"/>
+            </a:gradFill>
+          </p:spPr>
+          <p:style>
+            <a:lnRef idx="2">
+              <a:schemeClr val="accent1">
+                <a:shade val="50000"/>
+              </a:schemeClr>
+            </a:lnRef>
+            <a:fillRef idx="1">
+              <a:schemeClr val="accent1"/>
+            </a:fillRef>
+            <a:effectRef idx="0">
+              <a:schemeClr val="accent1"/>
+            </a:effectRef>
+            <a:fontRef idx="minor">
+              <a:schemeClr val="lt1"/>
+            </a:fontRef>
+          </p:style>
+          <p:txBody>
+            <a:bodyPr rtlCol="0" anchor="ctr"/>
+            <a:lstStyle/>
+            <a:p>
+              <a:pPr algn="ctr"/>
+              <a:endParaRPr lang="en-US"/>
+            </a:p>
+          </p:txBody>
+        </p:sp>
+      </p:grpSp>
+    </p:spTree>
+    <p:extLst>
+      <p:ext uri="{BB962C8B-B14F-4D97-AF65-F5344CB8AC3E}">
+        <p14:creationId xmlns:p14="http://schemas.microsoft.com/office/powerpoint/2010/main" val="1634752221"/>
       </p:ext>
     </p:extLst>
   </p:cSld>
